--- a/src/lec6_concurrency_31-10/concurrency.pptx
+++ b/src/lec6_concurrency_31-10/concurrency.pptx
@@ -1,36 +1,37 @@
 
 <file path=ppt/presentation.xml><?xml version="1.0" encoding="utf-8"?>
-<p:presentation xmlns:a="http://schemas.openxmlformats.org/drawingml/2006/main" xmlns:r="http://schemas.openxmlformats.org/officeDocument/2006/relationships" xmlns:mc="http://schemas.openxmlformats.org/markup-compatibility/2006" xmlns:mv="urn:schemas-microsoft-com:mac:vml" xmlns:p="http://schemas.openxmlformats.org/presentationml/2006/main" xmlns:c="http://schemas.openxmlformats.org/drawingml/2006/chart" xmlns:dgm="http://schemas.openxmlformats.org/drawingml/2006/diagram" xmlns:o="urn:schemas-microsoft-com:office:office" xmlns:v="urn:schemas-microsoft-com:vml" xmlns:pvml="urn:schemas-microsoft-com:office:powerpoint" xmlns:com="http://schemas.openxmlformats.org/drawingml/2006/compatibility" xmlns:p14="http://schemas.microsoft.com/office/powerpoint/2010/main" xmlns:p15="http://schemas.microsoft.com/office/powerpoint/2012/main" xmlns:ahyp="http://schemas.microsoft.com/office/drawing/2018/hyperlinkcolor" autoCompressPictures="0" strictFirstAndLastChars="0" saveSubsetFonts="1">
+<p:presentation xmlns:a="http://schemas.openxmlformats.org/drawingml/2006/main" xmlns:r="http://schemas.openxmlformats.org/officeDocument/2006/relationships" xmlns:p="http://schemas.openxmlformats.org/presentationml/2006/main" strictFirstAndLastChars="0" saveSubsetFonts="1" autoCompressPictures="0">
   <p:sldMasterIdLst>
-    <p:sldMasterId id="2147483659" r:id="rId4"/>
+    <p:sldMasterId id="2147483659" r:id="rId1"/>
   </p:sldMasterIdLst>
   <p:notesMasterIdLst>
-    <p:notesMasterId r:id="rId5"/>
+    <p:notesMasterId r:id="rId21"/>
   </p:notesMasterIdLst>
   <p:sldIdLst>
-    <p:sldId id="256" r:id="rId6"/>
-    <p:sldId id="257" r:id="rId7"/>
-    <p:sldId id="258" r:id="rId8"/>
-    <p:sldId id="259" r:id="rId9"/>
-    <p:sldId id="260" r:id="rId10"/>
-    <p:sldId id="261" r:id="rId11"/>
-    <p:sldId id="262" r:id="rId12"/>
-    <p:sldId id="263" r:id="rId13"/>
-    <p:sldId id="264" r:id="rId14"/>
-    <p:sldId id="265" r:id="rId15"/>
-    <p:sldId id="266" r:id="rId16"/>
-    <p:sldId id="267" r:id="rId17"/>
-    <p:sldId id="268" r:id="rId18"/>
-    <p:sldId id="269" r:id="rId19"/>
-    <p:sldId id="270" r:id="rId20"/>
-    <p:sldId id="271" r:id="rId21"/>
-    <p:sldId id="272" r:id="rId22"/>
-    <p:sldId id="273" r:id="rId23"/>
+    <p:sldId id="256" r:id="rId2"/>
+    <p:sldId id="257" r:id="rId3"/>
+    <p:sldId id="258" r:id="rId4"/>
+    <p:sldId id="259" r:id="rId5"/>
+    <p:sldId id="260" r:id="rId6"/>
+    <p:sldId id="261" r:id="rId7"/>
+    <p:sldId id="262" r:id="rId8"/>
+    <p:sldId id="263" r:id="rId9"/>
+    <p:sldId id="264" r:id="rId10"/>
+    <p:sldId id="265" r:id="rId11"/>
+    <p:sldId id="266" r:id="rId12"/>
+    <p:sldId id="267" r:id="rId13"/>
+    <p:sldId id="275" r:id="rId14"/>
+    <p:sldId id="268" r:id="rId15"/>
+    <p:sldId id="269" r:id="rId16"/>
+    <p:sldId id="270" r:id="rId17"/>
+    <p:sldId id="271" r:id="rId18"/>
+    <p:sldId id="272" r:id="rId19"/>
+    <p:sldId id="273" r:id="rId20"/>
   </p:sldIdLst>
-  <p:sldSz cy="5143500" cx="9144000"/>
+  <p:sldSz cx="9144000" cy="5143500" type="screen16x9"/>
   <p:notesSz cx="6858000" cy="9144000"/>
   <p:defaultTextStyle>
-    <a:defPPr lvl="0" marR="0" rtl="0" algn="l">
+    <a:defPPr marR="0" lvl="0" algn="l" rtl="0">
       <a:lnSpc>
         <a:spcPct val="100000"/>
       </a:lnSpc>
@@ -41,7 +42,7 @@
         <a:spcPts val="0"/>
       </a:spcAft>
     </a:defPPr>
-    <a:lvl1pPr lvl="0" marR="0" rtl="0" algn="l">
+    <a:lvl1pPr marR="0" lvl="0" algn="l" rtl="0">
       <a:lnSpc>
         <a:spcPct val="100000"/>
       </a:lnSpc>
@@ -55,7 +56,7 @@
         <a:srgbClr val="000000"/>
       </a:buClr>
       <a:buFont typeface="Arial"/>
-      <a:defRPr b="0" i="0" sz="1400" u="none" cap="none" strike="noStrike">
+      <a:defRPr sz="1400" b="0" i="0" u="none" strike="noStrike" cap="none">
         <a:solidFill>
           <a:srgbClr val="000000"/>
         </a:solidFill>
@@ -65,7 +66,7 @@
         <a:sym typeface="Arial"/>
       </a:defRPr>
     </a:lvl1pPr>
-    <a:lvl2pPr lvl="1" marR="0" rtl="0" algn="l">
+    <a:lvl2pPr marR="0" lvl="1" algn="l" rtl="0">
       <a:lnSpc>
         <a:spcPct val="100000"/>
       </a:lnSpc>
@@ -79,7 +80,7 @@
         <a:srgbClr val="000000"/>
       </a:buClr>
       <a:buFont typeface="Arial"/>
-      <a:defRPr b="0" i="0" sz="1400" u="none" cap="none" strike="noStrike">
+      <a:defRPr sz="1400" b="0" i="0" u="none" strike="noStrike" cap="none">
         <a:solidFill>
           <a:srgbClr val="000000"/>
         </a:solidFill>
@@ -89,7 +90,7 @@
         <a:sym typeface="Arial"/>
       </a:defRPr>
     </a:lvl2pPr>
-    <a:lvl3pPr lvl="2" marR="0" rtl="0" algn="l">
+    <a:lvl3pPr marR="0" lvl="2" algn="l" rtl="0">
       <a:lnSpc>
         <a:spcPct val="100000"/>
       </a:lnSpc>
@@ -103,7 +104,7 @@
         <a:srgbClr val="000000"/>
       </a:buClr>
       <a:buFont typeface="Arial"/>
-      <a:defRPr b="0" i="0" sz="1400" u="none" cap="none" strike="noStrike">
+      <a:defRPr sz="1400" b="0" i="0" u="none" strike="noStrike" cap="none">
         <a:solidFill>
           <a:srgbClr val="000000"/>
         </a:solidFill>
@@ -113,7 +114,7 @@
         <a:sym typeface="Arial"/>
       </a:defRPr>
     </a:lvl3pPr>
-    <a:lvl4pPr lvl="3" marR="0" rtl="0" algn="l">
+    <a:lvl4pPr marR="0" lvl="3" algn="l" rtl="0">
       <a:lnSpc>
         <a:spcPct val="100000"/>
       </a:lnSpc>
@@ -127,7 +128,7 @@
         <a:srgbClr val="000000"/>
       </a:buClr>
       <a:buFont typeface="Arial"/>
-      <a:defRPr b="0" i="0" sz="1400" u="none" cap="none" strike="noStrike">
+      <a:defRPr sz="1400" b="0" i="0" u="none" strike="noStrike" cap="none">
         <a:solidFill>
           <a:srgbClr val="000000"/>
         </a:solidFill>
@@ -137,7 +138,7 @@
         <a:sym typeface="Arial"/>
       </a:defRPr>
     </a:lvl4pPr>
-    <a:lvl5pPr lvl="4" marR="0" rtl="0" algn="l">
+    <a:lvl5pPr marR="0" lvl="4" algn="l" rtl="0">
       <a:lnSpc>
         <a:spcPct val="100000"/>
       </a:lnSpc>
@@ -151,7 +152,7 @@
         <a:srgbClr val="000000"/>
       </a:buClr>
       <a:buFont typeface="Arial"/>
-      <a:defRPr b="0" i="0" sz="1400" u="none" cap="none" strike="noStrike">
+      <a:defRPr sz="1400" b="0" i="0" u="none" strike="noStrike" cap="none">
         <a:solidFill>
           <a:srgbClr val="000000"/>
         </a:solidFill>
@@ -161,7 +162,7 @@
         <a:sym typeface="Arial"/>
       </a:defRPr>
     </a:lvl5pPr>
-    <a:lvl6pPr lvl="5" marR="0" rtl="0" algn="l">
+    <a:lvl6pPr marR="0" lvl="5" algn="l" rtl="0">
       <a:lnSpc>
         <a:spcPct val="100000"/>
       </a:lnSpc>
@@ -175,7 +176,7 @@
         <a:srgbClr val="000000"/>
       </a:buClr>
       <a:buFont typeface="Arial"/>
-      <a:defRPr b="0" i="0" sz="1400" u="none" cap="none" strike="noStrike">
+      <a:defRPr sz="1400" b="0" i="0" u="none" strike="noStrike" cap="none">
         <a:solidFill>
           <a:srgbClr val="000000"/>
         </a:solidFill>
@@ -185,7 +186,7 @@
         <a:sym typeface="Arial"/>
       </a:defRPr>
     </a:lvl6pPr>
-    <a:lvl7pPr lvl="6" marR="0" rtl="0" algn="l">
+    <a:lvl7pPr marR="0" lvl="6" algn="l" rtl="0">
       <a:lnSpc>
         <a:spcPct val="100000"/>
       </a:lnSpc>
@@ -199,7 +200,7 @@
         <a:srgbClr val="000000"/>
       </a:buClr>
       <a:buFont typeface="Arial"/>
-      <a:defRPr b="0" i="0" sz="1400" u="none" cap="none" strike="noStrike">
+      <a:defRPr sz="1400" b="0" i="0" u="none" strike="noStrike" cap="none">
         <a:solidFill>
           <a:srgbClr val="000000"/>
         </a:solidFill>
@@ -209,7 +210,7 @@
         <a:sym typeface="Arial"/>
       </a:defRPr>
     </a:lvl7pPr>
-    <a:lvl8pPr lvl="7" marR="0" rtl="0" algn="l">
+    <a:lvl8pPr marR="0" lvl="7" algn="l" rtl="0">
       <a:lnSpc>
         <a:spcPct val="100000"/>
       </a:lnSpc>
@@ -223,7 +224,7 @@
         <a:srgbClr val="000000"/>
       </a:buClr>
       <a:buFont typeface="Arial"/>
-      <a:defRPr b="0" i="0" sz="1400" u="none" cap="none" strike="noStrike">
+      <a:defRPr sz="1400" b="0" i="0" u="none" strike="noStrike" cap="none">
         <a:solidFill>
           <a:srgbClr val="000000"/>
         </a:solidFill>
@@ -233,7 +234,7 @@
         <a:sym typeface="Arial"/>
       </a:defRPr>
     </a:lvl8pPr>
-    <a:lvl9pPr lvl="8" marR="0" rtl="0" algn="l">
+    <a:lvl9pPr marR="0" lvl="8" algn="l" rtl="0">
       <a:lnSpc>
         <a:spcPct val="100000"/>
       </a:lnSpc>
@@ -247,7 +248,7 @@
         <a:srgbClr val="000000"/>
       </a:buClr>
       <a:buFont typeface="Arial"/>
-      <a:defRPr b="0" i="0" sz="1400" u="none" cap="none" strike="noStrike">
+      <a:defRPr sz="1400" b="0" i="0" u="none" strike="noStrike" cap="none">
         <a:solidFill>
           <a:srgbClr val="000000"/>
         </a:solidFill>
@@ -260,7 +261,7 @@
   </p:defaultTextStyle>
   <p:extLst>
     <p:ext uri="{EFAFB233-063F-42B5-8137-9DF3F51BA10A}">
-      <p15:sldGuideLst>
+      <p15:sldGuideLst xmlns:p15="http://schemas.microsoft.com/office/powerpoint/2012/main">
         <p15:guide id="1" orient="horz" pos="1620">
           <p15:clr>
             <a:srgbClr val="747775"/>
@@ -278,11 +279,16 @@
 </file>
 
 <file path=ppt/notesMasters/notesMaster1.xml><?xml version="1.0" encoding="utf-8"?>
-<p:notesMaster xmlns:a="http://schemas.openxmlformats.org/drawingml/2006/main" xmlns:r="http://schemas.openxmlformats.org/officeDocument/2006/relationships" xmlns:mc="http://schemas.openxmlformats.org/markup-compatibility/2006" xmlns:mv="urn:schemas-microsoft-com:mac:vml" xmlns:p="http://schemas.openxmlformats.org/presentationml/2006/main" xmlns:c="http://schemas.openxmlformats.org/drawingml/2006/chart" xmlns:dgm="http://schemas.openxmlformats.org/drawingml/2006/diagram" xmlns:o="urn:schemas-microsoft-com:office:office" xmlns:v="urn:schemas-microsoft-com:vml" xmlns:pvml="urn:schemas-microsoft-com:office:powerpoint" xmlns:com="http://schemas.openxmlformats.org/drawingml/2006/compatibility" xmlns:p14="http://schemas.microsoft.com/office/powerpoint/2010/main" xmlns:p15="http://schemas.microsoft.com/office/powerpoint/2012/main" xmlns:ahyp="http://schemas.microsoft.com/office/drawing/2018/hyperlinkcolor">
+<p:notesMaster xmlns:a="http://schemas.openxmlformats.org/drawingml/2006/main" xmlns:r="http://schemas.openxmlformats.org/officeDocument/2006/relationships" xmlns:p="http://schemas.openxmlformats.org/presentationml/2006/main">
   <p:cSld>
+    <p:bg>
+      <p:bgRef idx="1001">
+        <a:schemeClr val="bg1"/>
+      </p:bgRef>
+    </p:bg>
     <p:spTree>
       <p:nvGrpSpPr>
-        <p:cNvPr id="2" name="Shape 2"/>
+        <p:cNvPr id="1" name="Shape 2"/>
         <p:cNvGrpSpPr/>
         <p:nvPr/>
       </p:nvGrpSpPr>
@@ -297,9 +303,11 @@
       <p:sp>
         <p:nvSpPr>
           <p:cNvPr id="3" name="Google Shape;3;n"/>
-          <p:cNvSpPr/>
+          <p:cNvSpPr>
+            <a:spLocks noGrp="1" noRot="1" noChangeAspect="1"/>
+          </p:cNvSpPr>
           <p:nvPr>
-            <p:ph idx="2" type="sldImg"/>
+            <p:ph type="sldImg" idx="2"/>
           </p:nvPr>
         </p:nvSpPr>
         <p:spPr>
@@ -308,9 +316,13 @@
             <a:ext cx="6096075" cy="3429000"/>
           </a:xfrm>
           <a:custGeom>
-            <a:rect b="b" l="l" r="r" t="t"/>
+            <a:avLst/>
+            <a:gdLst/>
+            <a:ahLst/>
+            <a:cxnLst/>
+            <a:rect l="l" t="t" r="r" b="b"/>
             <a:pathLst>
-              <a:path extrusionOk="0" h="120000" w="120000">
+              <a:path w="120000" h="120000" extrusionOk="0">
                 <a:moveTo>
                   <a:pt x="0" y="0"/>
                 </a:moveTo>
@@ -328,23 +340,25 @@
             </a:pathLst>
           </a:custGeom>
           <a:noFill/>
-          <a:ln cap="flat" cmpd="sng" w="9525">
+          <a:ln w="9525" cap="flat" cmpd="sng">
             <a:solidFill>
               <a:srgbClr val="000000"/>
             </a:solidFill>
             <a:prstDash val="solid"/>
             <a:round/>
-            <a:headEnd len="sm" w="sm" type="none"/>
-            <a:tailEnd len="sm" w="sm" type="none"/>
+            <a:headEnd type="none" w="sm" len="sm"/>
+            <a:tailEnd type="none" w="sm" len="sm"/>
           </a:ln>
         </p:spPr>
       </p:sp>
       <p:sp>
         <p:nvSpPr>
           <p:cNvPr id="4" name="Google Shape;4;n"/>
-          <p:cNvSpPr txBox="1"/>
+          <p:cNvSpPr txBox="1">
+            <a:spLocks noGrp="1"/>
+          </p:cNvSpPr>
           <p:nvPr>
-            <p:ph idx="1" type="body"/>
+            <p:ph type="body" idx="1"/>
           </p:nvPr>
         </p:nvSpPr>
         <p:spPr>
@@ -361,11 +375,11 @@
           </a:ln>
         </p:spPr>
         <p:txBody>
-          <a:bodyPr anchorCtr="0" anchor="t" bIns="91425" lIns="91425" spcFirstLastPara="1" rIns="91425" wrap="square" tIns="91425">
+          <a:bodyPr spcFirstLastPara="1" wrap="square" lIns="91425" tIns="91425" rIns="91425" bIns="91425" anchor="t" anchorCtr="0">
             <a:noAutofit/>
           </a:bodyPr>
           <a:lstStyle>
-            <a:lvl1pPr indent="-298450" lvl="0" marL="457200">
+            <a:lvl1pPr marL="457200" lvl="0" indent="-298450">
               <a:spcBef>
                 <a:spcPts val="0"/>
               </a:spcBef>
@@ -376,7 +390,7 @@
               <a:buChar char="●"/>
               <a:defRPr sz="1100"/>
             </a:lvl1pPr>
-            <a:lvl2pPr indent="-298450" lvl="1" marL="914400">
+            <a:lvl2pPr marL="914400" lvl="1" indent="-298450">
               <a:spcBef>
                 <a:spcPts val="0"/>
               </a:spcBef>
@@ -387,7 +401,7 @@
               <a:buChar char="○"/>
               <a:defRPr sz="1100"/>
             </a:lvl2pPr>
-            <a:lvl3pPr indent="-298450" lvl="2" marL="1371600">
+            <a:lvl3pPr marL="1371600" lvl="2" indent="-298450">
               <a:spcBef>
                 <a:spcPts val="0"/>
               </a:spcBef>
@@ -398,7 +412,7 @@
               <a:buChar char="■"/>
               <a:defRPr sz="1100"/>
             </a:lvl3pPr>
-            <a:lvl4pPr indent="-298450" lvl="3" marL="1828800">
+            <a:lvl4pPr marL="1828800" lvl="3" indent="-298450">
               <a:spcBef>
                 <a:spcPts val="0"/>
               </a:spcBef>
@@ -409,7 +423,7 @@
               <a:buChar char="●"/>
               <a:defRPr sz="1100"/>
             </a:lvl4pPr>
-            <a:lvl5pPr indent="-298450" lvl="4" marL="2286000">
+            <a:lvl5pPr marL="2286000" lvl="4" indent="-298450">
               <a:spcBef>
                 <a:spcPts val="0"/>
               </a:spcBef>
@@ -420,7 +434,7 @@
               <a:buChar char="○"/>
               <a:defRPr sz="1100"/>
             </a:lvl5pPr>
-            <a:lvl6pPr indent="-298450" lvl="5" marL="2743200">
+            <a:lvl6pPr marL="2743200" lvl="5" indent="-298450">
               <a:spcBef>
                 <a:spcPts val="0"/>
               </a:spcBef>
@@ -431,7 +445,7 @@
               <a:buChar char="■"/>
               <a:defRPr sz="1100"/>
             </a:lvl6pPr>
-            <a:lvl7pPr indent="-298450" lvl="6" marL="3200400">
+            <a:lvl7pPr marL="3200400" lvl="6" indent="-298450">
               <a:spcBef>
                 <a:spcPts val="0"/>
               </a:spcBef>
@@ -442,7 +456,7 @@
               <a:buChar char="●"/>
               <a:defRPr sz="1100"/>
             </a:lvl7pPr>
-            <a:lvl8pPr indent="-298450" lvl="7" marL="3657600">
+            <a:lvl8pPr marL="3657600" lvl="7" indent="-298450">
               <a:spcBef>
                 <a:spcPts val="0"/>
               </a:spcBef>
@@ -453,7 +467,7 @@
               <a:buChar char="○"/>
               <a:defRPr sz="1100"/>
             </a:lvl8pPr>
-            <a:lvl9pPr indent="-298450" lvl="8" marL="4114800">
+            <a:lvl9pPr marL="4114800" lvl="8" indent="-298450">
               <a:spcBef>
                 <a:spcPts val="0"/>
               </a:spcBef>
@@ -465,14 +479,16 @@
               <a:defRPr sz="1100"/>
             </a:lvl9pPr>
           </a:lstStyle>
-          <a:p/>
+          <a:p>
+            <a:endParaRPr/>
+          </a:p>
         </p:txBody>
       </p:sp>
     </p:spTree>
   </p:cSld>
-  <p:clrMap accent1="accent1" accent2="accent2" accent3="accent3" accent4="accent4" accent5="accent5" accent6="accent6" bg1="lt1" bg2="dk2" tx1="dk1" tx2="lt2" folHlink="folHlink" hlink="hlink"/>
+  <p:clrMap bg1="lt1" tx1="dk1" bg2="dk2" tx2="lt2" accent1="accent1" accent2="accent2" accent3="accent3" accent4="accent4" accent5="accent5" accent6="accent6" hlink="hlink" folHlink="folHlink"/>
   <p:notesStyle>
-    <a:defPPr lvl="0" marR="0" rtl="0" algn="l">
+    <a:defPPr marR="0" lvl="0" algn="l" rtl="0">
       <a:lnSpc>
         <a:spcPct val="100000"/>
       </a:lnSpc>
@@ -483,7 +499,7 @@
         <a:spcPts val="0"/>
       </a:spcAft>
     </a:defPPr>
-    <a:lvl1pPr lvl="0" marR="0" rtl="0" algn="l">
+    <a:lvl1pPr marR="0" lvl="0" algn="l" rtl="0">
       <a:lnSpc>
         <a:spcPct val="100000"/>
       </a:lnSpc>
@@ -497,7 +513,7 @@
         <a:srgbClr val="000000"/>
       </a:buClr>
       <a:buFont typeface="Arial"/>
-      <a:defRPr b="0" i="0" sz="1400" u="none" cap="none" strike="noStrike">
+      <a:defRPr sz="1400" b="0" i="0" u="none" strike="noStrike" cap="none">
         <a:solidFill>
           <a:srgbClr val="000000"/>
         </a:solidFill>
@@ -507,7 +523,7 @@
         <a:sym typeface="Arial"/>
       </a:defRPr>
     </a:lvl1pPr>
-    <a:lvl2pPr lvl="1" marR="0" rtl="0" algn="l">
+    <a:lvl2pPr marR="0" lvl="1" algn="l" rtl="0">
       <a:lnSpc>
         <a:spcPct val="100000"/>
       </a:lnSpc>
@@ -521,7 +537,7 @@
         <a:srgbClr val="000000"/>
       </a:buClr>
       <a:buFont typeface="Arial"/>
-      <a:defRPr b="0" i="0" sz="1400" u="none" cap="none" strike="noStrike">
+      <a:defRPr sz="1400" b="0" i="0" u="none" strike="noStrike" cap="none">
         <a:solidFill>
           <a:srgbClr val="000000"/>
         </a:solidFill>
@@ -531,7 +547,7 @@
         <a:sym typeface="Arial"/>
       </a:defRPr>
     </a:lvl2pPr>
-    <a:lvl3pPr lvl="2" marR="0" rtl="0" algn="l">
+    <a:lvl3pPr marR="0" lvl="2" algn="l" rtl="0">
       <a:lnSpc>
         <a:spcPct val="100000"/>
       </a:lnSpc>
@@ -545,7 +561,7 @@
         <a:srgbClr val="000000"/>
       </a:buClr>
       <a:buFont typeface="Arial"/>
-      <a:defRPr b="0" i="0" sz="1400" u="none" cap="none" strike="noStrike">
+      <a:defRPr sz="1400" b="0" i="0" u="none" strike="noStrike" cap="none">
         <a:solidFill>
           <a:srgbClr val="000000"/>
         </a:solidFill>
@@ -555,7 +571,7 @@
         <a:sym typeface="Arial"/>
       </a:defRPr>
     </a:lvl3pPr>
-    <a:lvl4pPr lvl="3" marR="0" rtl="0" algn="l">
+    <a:lvl4pPr marR="0" lvl="3" algn="l" rtl="0">
       <a:lnSpc>
         <a:spcPct val="100000"/>
       </a:lnSpc>
@@ -569,7 +585,7 @@
         <a:srgbClr val="000000"/>
       </a:buClr>
       <a:buFont typeface="Arial"/>
-      <a:defRPr b="0" i="0" sz="1400" u="none" cap="none" strike="noStrike">
+      <a:defRPr sz="1400" b="0" i="0" u="none" strike="noStrike" cap="none">
         <a:solidFill>
           <a:srgbClr val="000000"/>
         </a:solidFill>
@@ -579,7 +595,7 @@
         <a:sym typeface="Arial"/>
       </a:defRPr>
     </a:lvl4pPr>
-    <a:lvl5pPr lvl="4" marR="0" rtl="0" algn="l">
+    <a:lvl5pPr marR="0" lvl="4" algn="l" rtl="0">
       <a:lnSpc>
         <a:spcPct val="100000"/>
       </a:lnSpc>
@@ -593,7 +609,7 @@
         <a:srgbClr val="000000"/>
       </a:buClr>
       <a:buFont typeface="Arial"/>
-      <a:defRPr b="0" i="0" sz="1400" u="none" cap="none" strike="noStrike">
+      <a:defRPr sz="1400" b="0" i="0" u="none" strike="noStrike" cap="none">
         <a:solidFill>
           <a:srgbClr val="000000"/>
         </a:solidFill>
@@ -603,7 +619,7 @@
         <a:sym typeface="Arial"/>
       </a:defRPr>
     </a:lvl5pPr>
-    <a:lvl6pPr lvl="5" marR="0" rtl="0" algn="l">
+    <a:lvl6pPr marR="0" lvl="5" algn="l" rtl="0">
       <a:lnSpc>
         <a:spcPct val="100000"/>
       </a:lnSpc>
@@ -617,7 +633,7 @@
         <a:srgbClr val="000000"/>
       </a:buClr>
       <a:buFont typeface="Arial"/>
-      <a:defRPr b="0" i="0" sz="1400" u="none" cap="none" strike="noStrike">
+      <a:defRPr sz="1400" b="0" i="0" u="none" strike="noStrike" cap="none">
         <a:solidFill>
           <a:srgbClr val="000000"/>
         </a:solidFill>
@@ -627,7 +643,7 @@
         <a:sym typeface="Arial"/>
       </a:defRPr>
     </a:lvl6pPr>
-    <a:lvl7pPr lvl="6" marR="0" rtl="0" algn="l">
+    <a:lvl7pPr marR="0" lvl="6" algn="l" rtl="0">
       <a:lnSpc>
         <a:spcPct val="100000"/>
       </a:lnSpc>
@@ -641,7 +657,7 @@
         <a:srgbClr val="000000"/>
       </a:buClr>
       <a:buFont typeface="Arial"/>
-      <a:defRPr b="0" i="0" sz="1400" u="none" cap="none" strike="noStrike">
+      <a:defRPr sz="1400" b="0" i="0" u="none" strike="noStrike" cap="none">
         <a:solidFill>
           <a:srgbClr val="000000"/>
         </a:solidFill>
@@ -651,7 +667,7 @@
         <a:sym typeface="Arial"/>
       </a:defRPr>
     </a:lvl7pPr>
-    <a:lvl8pPr lvl="7" marR="0" rtl="0" algn="l">
+    <a:lvl8pPr marR="0" lvl="7" algn="l" rtl="0">
       <a:lnSpc>
         <a:spcPct val="100000"/>
       </a:lnSpc>
@@ -665,7 +681,7 @@
         <a:srgbClr val="000000"/>
       </a:buClr>
       <a:buFont typeface="Arial"/>
-      <a:defRPr b="0" i="0" sz="1400" u="none" cap="none" strike="noStrike">
+      <a:defRPr sz="1400" b="0" i="0" u="none" strike="noStrike" cap="none">
         <a:solidFill>
           <a:srgbClr val="000000"/>
         </a:solidFill>
@@ -675,7 +691,7 @@
         <a:sym typeface="Arial"/>
       </a:defRPr>
     </a:lvl8pPr>
-    <a:lvl9pPr lvl="8" marR="0" rtl="0" algn="l">
+    <a:lvl9pPr marR="0" lvl="8" algn="l" rtl="0">
       <a:lnSpc>
         <a:spcPct val="100000"/>
       </a:lnSpc>
@@ -689,7 +705,7 @@
         <a:srgbClr val="000000"/>
       </a:buClr>
       <a:buFont typeface="Arial"/>
-      <a:defRPr b="0" i="0" sz="1400" u="none" cap="none" strike="noStrike">
+      <a:defRPr sz="1400" b="0" i="0" u="none" strike="noStrike" cap="none">
         <a:solidFill>
           <a:srgbClr val="000000"/>
         </a:solidFill>
@@ -704,11 +720,11 @@
 </file>
 
 <file path=ppt/notesSlides/notesSlide1.xml><?xml version="1.0" encoding="utf-8"?>
-<p:notes xmlns:a="http://schemas.openxmlformats.org/drawingml/2006/main" xmlns:r="http://schemas.openxmlformats.org/officeDocument/2006/relationships" xmlns:mc="http://schemas.openxmlformats.org/markup-compatibility/2006" xmlns:mv="urn:schemas-microsoft-com:mac:vml" xmlns:p="http://schemas.openxmlformats.org/presentationml/2006/main" xmlns:c="http://schemas.openxmlformats.org/drawingml/2006/chart" xmlns:dgm="http://schemas.openxmlformats.org/drawingml/2006/diagram" xmlns:o="urn:schemas-microsoft-com:office:office" xmlns:v="urn:schemas-microsoft-com:vml" xmlns:pvml="urn:schemas-microsoft-com:office:powerpoint" xmlns:com="http://schemas.openxmlformats.org/drawingml/2006/compatibility" xmlns:p14="http://schemas.microsoft.com/office/powerpoint/2010/main" xmlns:p15="http://schemas.microsoft.com/office/powerpoint/2012/main" xmlns:ahyp="http://schemas.microsoft.com/office/drawing/2018/hyperlinkcolor" showMasterPhAnim="0" showMasterSp="0">
+<p:notes xmlns:a="http://schemas.openxmlformats.org/drawingml/2006/main" xmlns:r="http://schemas.openxmlformats.org/officeDocument/2006/relationships" xmlns:p="http://schemas.openxmlformats.org/presentationml/2006/main" showMasterSp="0" showMasterPhAnim="0">
   <p:cSld>
     <p:spTree>
       <p:nvGrpSpPr>
-        <p:cNvPr id="50" name="Shape 50"/>
+        <p:cNvPr id="1" name="Shape 50"/>
         <p:cNvGrpSpPr/>
         <p:nvPr/>
       </p:nvGrpSpPr>
@@ -723,9 +739,11 @@
       <p:sp>
         <p:nvSpPr>
           <p:cNvPr id="51" name="Google Shape;51;p:notes"/>
-          <p:cNvSpPr/>
+          <p:cNvSpPr>
+            <a:spLocks noGrp="1" noRot="1" noChangeAspect="1"/>
+          </p:cNvSpPr>
           <p:nvPr>
-            <p:ph idx="2" type="sldImg"/>
+            <p:ph type="sldImg" idx="2"/>
           </p:nvPr>
         </p:nvSpPr>
         <p:spPr>
@@ -734,9 +752,13 @@
             <a:ext cx="6096075" cy="3429000"/>
           </a:xfrm>
           <a:custGeom>
-            <a:rect b="b" l="l" r="r" t="t"/>
+            <a:avLst/>
+            <a:gdLst/>
+            <a:ahLst/>
+            <a:cxnLst/>
+            <a:rect l="l" t="t" r="r" b="b"/>
             <a:pathLst>
-              <a:path extrusionOk="0" h="120000" w="120000">
+              <a:path w="120000" h="120000" extrusionOk="0">
                 <a:moveTo>
                   <a:pt x="0" y="0"/>
                 </a:moveTo>
@@ -758,9 +780,11 @@
       <p:sp>
         <p:nvSpPr>
           <p:cNvPr id="52" name="Google Shape;52;p:notes"/>
-          <p:cNvSpPr txBox="1"/>
+          <p:cNvSpPr txBox="1">
+            <a:spLocks noGrp="1"/>
+          </p:cNvSpPr>
           <p:nvPr>
-            <p:ph idx="1" type="body"/>
+            <p:ph type="body" idx="1"/>
           </p:nvPr>
         </p:nvSpPr>
         <p:spPr>
@@ -773,12 +797,12 @@
           </a:prstGeom>
         </p:spPr>
         <p:txBody>
-          <a:bodyPr anchorCtr="0" anchor="t" bIns="91425" lIns="91425" spcFirstLastPara="1" rIns="91425" wrap="square" tIns="91425">
+          <a:bodyPr spcFirstLastPara="1" wrap="square" lIns="91425" tIns="91425" rIns="91425" bIns="91425" anchor="t" anchorCtr="0">
             <a:noAutofit/>
           </a:bodyPr>
           <a:lstStyle/>
           <a:p>
-            <a:pPr indent="0" lvl="0" marL="0" rtl="0" algn="l">
+            <a:pPr marL="0" lvl="0" indent="0" algn="l" rtl="0">
               <a:spcBef>
                 <a:spcPts val="0"/>
               </a:spcBef>
@@ -787,9 +811,6 @@
               </a:spcAft>
               <a:buNone/>
             </a:pPr>
-            <a:r>
-              <a:t/>
-            </a:r>
             <a:endParaRPr/>
           </a:p>
         </p:txBody>
@@ -803,11 +824,11 @@
 </file>
 
 <file path=ppt/notesSlides/notesSlide10.xml><?xml version="1.0" encoding="utf-8"?>
-<p:notes xmlns:a="http://schemas.openxmlformats.org/drawingml/2006/main" xmlns:r="http://schemas.openxmlformats.org/officeDocument/2006/relationships" xmlns:mc="http://schemas.openxmlformats.org/markup-compatibility/2006" xmlns:mv="urn:schemas-microsoft-com:mac:vml" xmlns:p="http://schemas.openxmlformats.org/presentationml/2006/main" xmlns:c="http://schemas.openxmlformats.org/drawingml/2006/chart" xmlns:dgm="http://schemas.openxmlformats.org/drawingml/2006/diagram" xmlns:o="urn:schemas-microsoft-com:office:office" xmlns:v="urn:schemas-microsoft-com:vml" xmlns:pvml="urn:schemas-microsoft-com:office:powerpoint" xmlns:com="http://schemas.openxmlformats.org/drawingml/2006/compatibility" xmlns:p14="http://schemas.microsoft.com/office/powerpoint/2010/main" xmlns:p15="http://schemas.microsoft.com/office/powerpoint/2012/main" xmlns:ahyp="http://schemas.microsoft.com/office/drawing/2018/hyperlinkcolor" showMasterPhAnim="0" showMasterSp="0">
+<p:notes xmlns:a="http://schemas.openxmlformats.org/drawingml/2006/main" xmlns:r="http://schemas.openxmlformats.org/officeDocument/2006/relationships" xmlns:p="http://schemas.openxmlformats.org/presentationml/2006/main" showMasterSp="0" showMasterPhAnim="0">
   <p:cSld>
     <p:spTree>
       <p:nvGrpSpPr>
-        <p:cNvPr id="109" name="Shape 109"/>
+        <p:cNvPr id="1" name="Shape 109"/>
         <p:cNvGrpSpPr/>
         <p:nvPr/>
       </p:nvGrpSpPr>
@@ -822,9 +843,11 @@
       <p:sp>
         <p:nvSpPr>
           <p:cNvPr id="110" name="Google Shape;110;g294cc789653_0_57:notes"/>
-          <p:cNvSpPr/>
+          <p:cNvSpPr>
+            <a:spLocks noGrp="1" noRot="1" noChangeAspect="1"/>
+          </p:cNvSpPr>
           <p:nvPr>
-            <p:ph idx="2" type="sldImg"/>
+            <p:ph type="sldImg" idx="2"/>
           </p:nvPr>
         </p:nvSpPr>
         <p:spPr>
@@ -833,9 +856,13 @@
             <a:ext cx="6096000" cy="3429000"/>
           </a:xfrm>
           <a:custGeom>
-            <a:rect b="b" l="l" r="r" t="t"/>
+            <a:avLst/>
+            <a:gdLst/>
+            <a:ahLst/>
+            <a:cxnLst/>
+            <a:rect l="l" t="t" r="r" b="b"/>
             <a:pathLst>
-              <a:path extrusionOk="0" h="120000" w="120000">
+              <a:path w="120000" h="120000" extrusionOk="0">
                 <a:moveTo>
                   <a:pt x="0" y="0"/>
                 </a:moveTo>
@@ -857,9 +884,11 @@
       <p:sp>
         <p:nvSpPr>
           <p:cNvPr id="111" name="Google Shape;111;g294cc789653_0_57:notes"/>
-          <p:cNvSpPr txBox="1"/>
+          <p:cNvSpPr txBox="1">
+            <a:spLocks noGrp="1"/>
+          </p:cNvSpPr>
           <p:nvPr>
-            <p:ph idx="1" type="body"/>
+            <p:ph type="body" idx="1"/>
           </p:nvPr>
         </p:nvSpPr>
         <p:spPr>
@@ -872,12 +901,12 @@
           </a:prstGeom>
         </p:spPr>
         <p:txBody>
-          <a:bodyPr anchorCtr="0" anchor="t" bIns="91425" lIns="91425" spcFirstLastPara="1" rIns="91425" wrap="square" tIns="91425">
+          <a:bodyPr spcFirstLastPara="1" wrap="square" lIns="91425" tIns="91425" rIns="91425" bIns="91425" anchor="t" anchorCtr="0">
             <a:noAutofit/>
           </a:bodyPr>
           <a:lstStyle/>
           <a:p>
-            <a:pPr indent="0" lvl="0" marL="0" rtl="0" algn="l">
+            <a:pPr marL="0" lvl="0" indent="0" algn="l" rtl="0">
               <a:spcBef>
                 <a:spcPts val="0"/>
               </a:spcBef>
@@ -886,9 +915,6 @@
               </a:spcAft>
               <a:buNone/>
             </a:pPr>
-            <a:r>
-              <a:t/>
-            </a:r>
             <a:endParaRPr/>
           </a:p>
         </p:txBody>
@@ -902,11 +928,11 @@
 </file>
 
 <file path=ppt/notesSlides/notesSlide11.xml><?xml version="1.0" encoding="utf-8"?>
-<p:notes xmlns:a="http://schemas.openxmlformats.org/drawingml/2006/main" xmlns:r="http://schemas.openxmlformats.org/officeDocument/2006/relationships" xmlns:mc="http://schemas.openxmlformats.org/markup-compatibility/2006" xmlns:mv="urn:schemas-microsoft-com:mac:vml" xmlns:p="http://schemas.openxmlformats.org/presentationml/2006/main" xmlns:c="http://schemas.openxmlformats.org/drawingml/2006/chart" xmlns:dgm="http://schemas.openxmlformats.org/drawingml/2006/diagram" xmlns:o="urn:schemas-microsoft-com:office:office" xmlns:v="urn:schemas-microsoft-com:vml" xmlns:pvml="urn:schemas-microsoft-com:office:powerpoint" xmlns:com="http://schemas.openxmlformats.org/drawingml/2006/compatibility" xmlns:p14="http://schemas.microsoft.com/office/powerpoint/2010/main" xmlns:p15="http://schemas.microsoft.com/office/powerpoint/2012/main" xmlns:ahyp="http://schemas.microsoft.com/office/drawing/2018/hyperlinkcolor" showMasterPhAnim="0" showMasterSp="0">
+<p:notes xmlns:a="http://schemas.openxmlformats.org/drawingml/2006/main" xmlns:r="http://schemas.openxmlformats.org/officeDocument/2006/relationships" xmlns:p="http://schemas.openxmlformats.org/presentationml/2006/main" showMasterSp="0" showMasterPhAnim="0">
   <p:cSld>
     <p:spTree>
       <p:nvGrpSpPr>
-        <p:cNvPr id="115" name="Shape 115"/>
+        <p:cNvPr id="1" name="Shape 115"/>
         <p:cNvGrpSpPr/>
         <p:nvPr/>
       </p:nvGrpSpPr>
@@ -921,9 +947,11 @@
       <p:sp>
         <p:nvSpPr>
           <p:cNvPr id="116" name="Google Shape;116;g294cc789653_0_62:notes"/>
-          <p:cNvSpPr/>
+          <p:cNvSpPr>
+            <a:spLocks noGrp="1" noRot="1" noChangeAspect="1"/>
+          </p:cNvSpPr>
           <p:nvPr>
-            <p:ph idx="2" type="sldImg"/>
+            <p:ph type="sldImg" idx="2"/>
           </p:nvPr>
         </p:nvSpPr>
         <p:spPr>
@@ -932,9 +960,13 @@
             <a:ext cx="6096000" cy="3429000"/>
           </a:xfrm>
           <a:custGeom>
-            <a:rect b="b" l="l" r="r" t="t"/>
+            <a:avLst/>
+            <a:gdLst/>
+            <a:ahLst/>
+            <a:cxnLst/>
+            <a:rect l="l" t="t" r="r" b="b"/>
             <a:pathLst>
-              <a:path extrusionOk="0" h="120000" w="120000">
+              <a:path w="120000" h="120000" extrusionOk="0">
                 <a:moveTo>
                   <a:pt x="0" y="0"/>
                 </a:moveTo>
@@ -956,9 +988,11 @@
       <p:sp>
         <p:nvSpPr>
           <p:cNvPr id="117" name="Google Shape;117;g294cc789653_0_62:notes"/>
-          <p:cNvSpPr txBox="1"/>
+          <p:cNvSpPr txBox="1">
+            <a:spLocks noGrp="1"/>
+          </p:cNvSpPr>
           <p:nvPr>
-            <p:ph idx="1" type="body"/>
+            <p:ph type="body" idx="1"/>
           </p:nvPr>
         </p:nvSpPr>
         <p:spPr>
@@ -971,12 +1005,12 @@
           </a:prstGeom>
         </p:spPr>
         <p:txBody>
-          <a:bodyPr anchorCtr="0" anchor="t" bIns="91425" lIns="91425" spcFirstLastPara="1" rIns="91425" wrap="square" tIns="91425">
+          <a:bodyPr spcFirstLastPara="1" wrap="square" lIns="91425" tIns="91425" rIns="91425" bIns="91425" anchor="t" anchorCtr="0">
             <a:noAutofit/>
           </a:bodyPr>
           <a:lstStyle/>
           <a:p>
-            <a:pPr indent="0" lvl="0" marL="0" rtl="0" algn="l">
+            <a:pPr marL="0" lvl="0" indent="0" algn="l" rtl="0">
               <a:spcBef>
                 <a:spcPts val="0"/>
               </a:spcBef>
@@ -985,9 +1019,6 @@
               </a:spcAft>
               <a:buNone/>
             </a:pPr>
-            <a:r>
-              <a:t/>
-            </a:r>
             <a:endParaRPr/>
           </a:p>
         </p:txBody>
@@ -1001,11 +1032,11 @@
 </file>
 
 <file path=ppt/notesSlides/notesSlide12.xml><?xml version="1.0" encoding="utf-8"?>
-<p:notes xmlns:a="http://schemas.openxmlformats.org/drawingml/2006/main" xmlns:r="http://schemas.openxmlformats.org/officeDocument/2006/relationships" xmlns:mc="http://schemas.openxmlformats.org/markup-compatibility/2006" xmlns:mv="urn:schemas-microsoft-com:mac:vml" xmlns:p="http://schemas.openxmlformats.org/presentationml/2006/main" xmlns:c="http://schemas.openxmlformats.org/drawingml/2006/chart" xmlns:dgm="http://schemas.openxmlformats.org/drawingml/2006/diagram" xmlns:o="urn:schemas-microsoft-com:office:office" xmlns:v="urn:schemas-microsoft-com:vml" xmlns:pvml="urn:schemas-microsoft-com:office:powerpoint" xmlns:com="http://schemas.openxmlformats.org/drawingml/2006/compatibility" xmlns:p14="http://schemas.microsoft.com/office/powerpoint/2010/main" xmlns:p15="http://schemas.microsoft.com/office/powerpoint/2012/main" xmlns:ahyp="http://schemas.microsoft.com/office/drawing/2018/hyperlinkcolor" showMasterPhAnim="0" showMasterSp="0">
+<p:notes xmlns:a="http://schemas.openxmlformats.org/drawingml/2006/main" xmlns:r="http://schemas.openxmlformats.org/officeDocument/2006/relationships" xmlns:p="http://schemas.openxmlformats.org/presentationml/2006/main" showMasterSp="0" showMasterPhAnim="0">
   <p:cSld>
     <p:spTree>
       <p:nvGrpSpPr>
-        <p:cNvPr id="123" name="Shape 123"/>
+        <p:cNvPr id="1" name="Shape 123"/>
         <p:cNvGrpSpPr/>
         <p:nvPr/>
       </p:nvGrpSpPr>
@@ -1020,20 +1051,26 @@
       <p:sp>
         <p:nvSpPr>
           <p:cNvPr id="124" name="Google Shape;124;g294cc789653_0_71:notes"/>
-          <p:cNvSpPr/>
+          <p:cNvSpPr>
+            <a:spLocks noGrp="1" noRot="1" noChangeAspect="1"/>
+          </p:cNvSpPr>
           <p:nvPr>
-            <p:ph idx="2" type="sldImg"/>
+            <p:ph type="sldImg" idx="2"/>
           </p:nvPr>
         </p:nvSpPr>
         <p:spPr>
           <a:xfrm>
-            <a:off x="381300" y="685800"/>
+            <a:off x="381000" y="685800"/>
             <a:ext cx="6096000" cy="3429000"/>
           </a:xfrm>
           <a:custGeom>
-            <a:rect b="b" l="l" r="r" t="t"/>
+            <a:avLst/>
+            <a:gdLst/>
+            <a:ahLst/>
+            <a:cxnLst/>
+            <a:rect l="l" t="t" r="r" b="b"/>
             <a:pathLst>
-              <a:path extrusionOk="0" h="120000" w="120000">
+              <a:path w="120000" h="120000" extrusionOk="0">
                 <a:moveTo>
                   <a:pt x="0" y="0"/>
                 </a:moveTo>
@@ -1055,9 +1092,11 @@
       <p:sp>
         <p:nvSpPr>
           <p:cNvPr id="125" name="Google Shape;125;g294cc789653_0_71:notes"/>
-          <p:cNvSpPr txBox="1"/>
+          <p:cNvSpPr txBox="1">
+            <a:spLocks noGrp="1"/>
+          </p:cNvSpPr>
           <p:nvPr>
-            <p:ph idx="1" type="body"/>
+            <p:ph type="body" idx="1"/>
           </p:nvPr>
         </p:nvSpPr>
         <p:spPr>
@@ -1070,12 +1109,12 @@
           </a:prstGeom>
         </p:spPr>
         <p:txBody>
-          <a:bodyPr anchorCtr="0" anchor="t" bIns="91425" lIns="91425" spcFirstLastPara="1" rIns="91425" wrap="square" tIns="91425">
+          <a:bodyPr spcFirstLastPara="1" wrap="square" lIns="91425" tIns="91425" rIns="91425" bIns="91425" anchor="t" anchorCtr="0">
             <a:noAutofit/>
           </a:bodyPr>
           <a:lstStyle/>
           <a:p>
-            <a:pPr indent="0" lvl="0" marL="0" rtl="0" algn="l">
+            <a:pPr marL="0" lvl="0" indent="0" algn="l" rtl="0">
               <a:spcBef>
                 <a:spcPts val="0"/>
               </a:spcBef>
@@ -1084,9 +1123,6 @@
               </a:spcAft>
               <a:buNone/>
             </a:pPr>
-            <a:r>
-              <a:t/>
-            </a:r>
             <a:endParaRPr/>
           </a:p>
         </p:txBody>
@@ -1100,11 +1136,11 @@
 </file>
 
 <file path=ppt/notesSlides/notesSlide13.xml><?xml version="1.0" encoding="utf-8"?>
-<p:notes xmlns:a="http://schemas.openxmlformats.org/drawingml/2006/main" xmlns:r="http://schemas.openxmlformats.org/officeDocument/2006/relationships" xmlns:mc="http://schemas.openxmlformats.org/markup-compatibility/2006" xmlns:mv="urn:schemas-microsoft-com:mac:vml" xmlns:p="http://schemas.openxmlformats.org/presentationml/2006/main" xmlns:c="http://schemas.openxmlformats.org/drawingml/2006/chart" xmlns:dgm="http://schemas.openxmlformats.org/drawingml/2006/diagram" xmlns:o="urn:schemas-microsoft-com:office:office" xmlns:v="urn:schemas-microsoft-com:vml" xmlns:pvml="urn:schemas-microsoft-com:office:powerpoint" xmlns:com="http://schemas.openxmlformats.org/drawingml/2006/compatibility" xmlns:p14="http://schemas.microsoft.com/office/powerpoint/2010/main" xmlns:p15="http://schemas.microsoft.com/office/powerpoint/2012/main" xmlns:ahyp="http://schemas.microsoft.com/office/drawing/2018/hyperlinkcolor" showMasterPhAnim="0" showMasterSp="0">
+<p:notes xmlns:a="http://schemas.openxmlformats.org/drawingml/2006/main" xmlns:r="http://schemas.openxmlformats.org/officeDocument/2006/relationships" xmlns:p="http://schemas.openxmlformats.org/presentationml/2006/main" showMasterSp="0" showMasterPhAnim="0">
   <p:cSld>
     <p:spTree>
       <p:nvGrpSpPr>
-        <p:cNvPr id="131" name="Shape 131"/>
+        <p:cNvPr id="1" name="Shape 123"/>
         <p:cNvGrpSpPr/>
         <p:nvPr/>
       </p:nvGrpSpPr>
@@ -1118,21 +1154,27 @@
       </p:grpSpPr>
       <p:sp>
         <p:nvSpPr>
-          <p:cNvPr id="132" name="Google Shape;132;g294cc789653_0_79:notes"/>
-          <p:cNvSpPr/>
+          <p:cNvPr id="124" name="Google Shape;124;g294cc789653_0_71:notes"/>
+          <p:cNvSpPr>
+            <a:spLocks noGrp="1" noRot="1" noChangeAspect="1"/>
+          </p:cNvSpPr>
           <p:nvPr>
-            <p:ph idx="2" type="sldImg"/>
+            <p:ph type="sldImg" idx="2"/>
           </p:nvPr>
         </p:nvSpPr>
         <p:spPr>
           <a:xfrm>
-            <a:off x="381300" y="685800"/>
+            <a:off x="381000" y="685800"/>
             <a:ext cx="6096000" cy="3429000"/>
           </a:xfrm>
           <a:custGeom>
-            <a:rect b="b" l="l" r="r" t="t"/>
+            <a:avLst/>
+            <a:gdLst/>
+            <a:ahLst/>
+            <a:cxnLst/>
+            <a:rect l="l" t="t" r="r" b="b"/>
             <a:pathLst>
-              <a:path extrusionOk="0" h="120000" w="120000">
+              <a:path w="120000" h="120000" extrusionOk="0">
                 <a:moveTo>
                   <a:pt x="0" y="0"/>
                 </a:moveTo>
@@ -1153,10 +1195,12 @@
       </p:sp>
       <p:sp>
         <p:nvSpPr>
-          <p:cNvPr id="133" name="Google Shape;133;g294cc789653_0_79:notes"/>
-          <p:cNvSpPr txBox="1"/>
+          <p:cNvPr id="125" name="Google Shape;125;g294cc789653_0_71:notes"/>
+          <p:cNvSpPr txBox="1">
+            <a:spLocks noGrp="1"/>
+          </p:cNvSpPr>
           <p:nvPr>
-            <p:ph idx="1" type="body"/>
+            <p:ph type="body" idx="1"/>
           </p:nvPr>
         </p:nvSpPr>
         <p:spPr>
@@ -1169,12 +1213,12 @@
           </a:prstGeom>
         </p:spPr>
         <p:txBody>
-          <a:bodyPr anchorCtr="0" anchor="t" bIns="91425" lIns="91425" spcFirstLastPara="1" rIns="91425" wrap="square" tIns="91425">
+          <a:bodyPr spcFirstLastPara="1" wrap="square" lIns="91425" tIns="91425" rIns="91425" bIns="91425" anchor="t" anchorCtr="0">
             <a:noAutofit/>
           </a:bodyPr>
           <a:lstStyle/>
           <a:p>
-            <a:pPr indent="0" lvl="0" marL="0" rtl="0" algn="l">
+            <a:pPr marL="0" lvl="0" indent="0" algn="l" rtl="0">
               <a:spcBef>
                 <a:spcPts val="0"/>
               </a:spcBef>
@@ -1183,14 +1227,16 @@
               </a:spcAft>
               <a:buNone/>
             </a:pPr>
-            <a:r>
-              <a:t/>
-            </a:r>
             <a:endParaRPr/>
           </a:p>
         </p:txBody>
       </p:sp>
     </p:spTree>
+    <p:extLst>
+      <p:ext uri="{BB962C8B-B14F-4D97-AF65-F5344CB8AC3E}">
+        <p14:creationId xmlns:p14="http://schemas.microsoft.com/office/powerpoint/2010/main" val="3030506675"/>
+      </p:ext>
+    </p:extLst>
   </p:cSld>
   <p:clrMapOvr>
     <a:masterClrMapping/>
@@ -1199,11 +1245,11 @@
 </file>
 
 <file path=ppt/notesSlides/notesSlide14.xml><?xml version="1.0" encoding="utf-8"?>
-<p:notes xmlns:a="http://schemas.openxmlformats.org/drawingml/2006/main" xmlns:r="http://schemas.openxmlformats.org/officeDocument/2006/relationships" xmlns:mc="http://schemas.openxmlformats.org/markup-compatibility/2006" xmlns:mv="urn:schemas-microsoft-com:mac:vml" xmlns:p="http://schemas.openxmlformats.org/presentationml/2006/main" xmlns:c="http://schemas.openxmlformats.org/drawingml/2006/chart" xmlns:dgm="http://schemas.openxmlformats.org/drawingml/2006/diagram" xmlns:o="urn:schemas-microsoft-com:office:office" xmlns:v="urn:schemas-microsoft-com:vml" xmlns:pvml="urn:schemas-microsoft-com:office:powerpoint" xmlns:com="http://schemas.openxmlformats.org/drawingml/2006/compatibility" xmlns:p14="http://schemas.microsoft.com/office/powerpoint/2010/main" xmlns:p15="http://schemas.microsoft.com/office/powerpoint/2012/main" xmlns:ahyp="http://schemas.microsoft.com/office/drawing/2018/hyperlinkcolor" showMasterPhAnim="0" showMasterSp="0">
+<p:notes xmlns:a="http://schemas.openxmlformats.org/drawingml/2006/main" xmlns:r="http://schemas.openxmlformats.org/officeDocument/2006/relationships" xmlns:p="http://schemas.openxmlformats.org/presentationml/2006/main" showMasterSp="0" showMasterPhAnim="0">
   <p:cSld>
     <p:spTree>
       <p:nvGrpSpPr>
-        <p:cNvPr id="137" name="Shape 137"/>
+        <p:cNvPr id="1" name="Shape 131"/>
         <p:cNvGrpSpPr/>
         <p:nvPr/>
       </p:nvGrpSpPr>
@@ -1217,10 +1263,12 @@
       </p:grpSpPr>
       <p:sp>
         <p:nvSpPr>
-          <p:cNvPr id="138" name="Google Shape;138;g294cc789653_0_84:notes"/>
-          <p:cNvSpPr/>
+          <p:cNvPr id="132" name="Google Shape;132;g294cc789653_0_79:notes"/>
+          <p:cNvSpPr>
+            <a:spLocks noGrp="1" noRot="1" noChangeAspect="1"/>
+          </p:cNvSpPr>
           <p:nvPr>
-            <p:ph idx="2" type="sldImg"/>
+            <p:ph type="sldImg" idx="2"/>
           </p:nvPr>
         </p:nvSpPr>
         <p:spPr>
@@ -1229,9 +1277,13 @@
             <a:ext cx="6096000" cy="3429000"/>
           </a:xfrm>
           <a:custGeom>
-            <a:rect b="b" l="l" r="r" t="t"/>
+            <a:avLst/>
+            <a:gdLst/>
+            <a:ahLst/>
+            <a:cxnLst/>
+            <a:rect l="l" t="t" r="r" b="b"/>
             <a:pathLst>
-              <a:path extrusionOk="0" h="120000" w="120000">
+              <a:path w="120000" h="120000" extrusionOk="0">
                 <a:moveTo>
                   <a:pt x="0" y="0"/>
                 </a:moveTo>
@@ -1252,10 +1304,12 @@
       </p:sp>
       <p:sp>
         <p:nvSpPr>
-          <p:cNvPr id="139" name="Google Shape;139;g294cc789653_0_84:notes"/>
-          <p:cNvSpPr txBox="1"/>
+          <p:cNvPr id="133" name="Google Shape;133;g294cc789653_0_79:notes"/>
+          <p:cNvSpPr txBox="1">
+            <a:spLocks noGrp="1"/>
+          </p:cNvSpPr>
           <p:nvPr>
-            <p:ph idx="1" type="body"/>
+            <p:ph type="body" idx="1"/>
           </p:nvPr>
         </p:nvSpPr>
         <p:spPr>
@@ -1268,12 +1322,12 @@
           </a:prstGeom>
         </p:spPr>
         <p:txBody>
-          <a:bodyPr anchorCtr="0" anchor="t" bIns="91425" lIns="91425" spcFirstLastPara="1" rIns="91425" wrap="square" tIns="91425">
+          <a:bodyPr spcFirstLastPara="1" wrap="square" lIns="91425" tIns="91425" rIns="91425" bIns="91425" anchor="t" anchorCtr="0">
             <a:noAutofit/>
           </a:bodyPr>
           <a:lstStyle/>
           <a:p>
-            <a:pPr indent="0" lvl="0" marL="0" rtl="0" algn="l">
+            <a:pPr marL="0" lvl="0" indent="0" algn="l" rtl="0">
               <a:spcBef>
                 <a:spcPts val="0"/>
               </a:spcBef>
@@ -1282,9 +1336,6 @@
               </a:spcAft>
               <a:buNone/>
             </a:pPr>
-            <a:r>
-              <a:t/>
-            </a:r>
             <a:endParaRPr/>
           </a:p>
         </p:txBody>
@@ -1298,11 +1349,11 @@
 </file>
 
 <file path=ppt/notesSlides/notesSlide15.xml><?xml version="1.0" encoding="utf-8"?>
-<p:notes xmlns:a="http://schemas.openxmlformats.org/drawingml/2006/main" xmlns:r="http://schemas.openxmlformats.org/officeDocument/2006/relationships" xmlns:mc="http://schemas.openxmlformats.org/markup-compatibility/2006" xmlns:mv="urn:schemas-microsoft-com:mac:vml" xmlns:p="http://schemas.openxmlformats.org/presentationml/2006/main" xmlns:c="http://schemas.openxmlformats.org/drawingml/2006/chart" xmlns:dgm="http://schemas.openxmlformats.org/drawingml/2006/diagram" xmlns:o="urn:schemas-microsoft-com:office:office" xmlns:v="urn:schemas-microsoft-com:vml" xmlns:pvml="urn:schemas-microsoft-com:office:powerpoint" xmlns:com="http://schemas.openxmlformats.org/drawingml/2006/compatibility" xmlns:p14="http://schemas.microsoft.com/office/powerpoint/2010/main" xmlns:p15="http://schemas.microsoft.com/office/powerpoint/2012/main" xmlns:ahyp="http://schemas.microsoft.com/office/drawing/2018/hyperlinkcolor" showMasterPhAnim="0" showMasterSp="0">
+<p:notes xmlns:a="http://schemas.openxmlformats.org/drawingml/2006/main" xmlns:r="http://schemas.openxmlformats.org/officeDocument/2006/relationships" xmlns:p="http://schemas.openxmlformats.org/presentationml/2006/main" showMasterSp="0" showMasterPhAnim="0">
   <p:cSld>
     <p:spTree>
       <p:nvGrpSpPr>
-        <p:cNvPr id="143" name="Shape 143"/>
+        <p:cNvPr id="1" name="Shape 137"/>
         <p:cNvGrpSpPr/>
         <p:nvPr/>
       </p:nvGrpSpPr>
@@ -1316,21 +1367,27 @@
       </p:grpSpPr>
       <p:sp>
         <p:nvSpPr>
-          <p:cNvPr id="144" name="Google Shape;144;g294cc789653_0_89:notes"/>
-          <p:cNvSpPr/>
+          <p:cNvPr id="138" name="Google Shape;138;g294cc789653_0_84:notes"/>
+          <p:cNvSpPr>
+            <a:spLocks noGrp="1" noRot="1" noChangeAspect="1"/>
+          </p:cNvSpPr>
           <p:nvPr>
-            <p:ph idx="2" type="sldImg"/>
+            <p:ph type="sldImg" idx="2"/>
           </p:nvPr>
         </p:nvSpPr>
         <p:spPr>
           <a:xfrm>
-            <a:off x="381300" y="685800"/>
+            <a:off x="381000" y="685800"/>
             <a:ext cx="6096000" cy="3429000"/>
           </a:xfrm>
           <a:custGeom>
-            <a:rect b="b" l="l" r="r" t="t"/>
+            <a:avLst/>
+            <a:gdLst/>
+            <a:ahLst/>
+            <a:cxnLst/>
+            <a:rect l="l" t="t" r="r" b="b"/>
             <a:pathLst>
-              <a:path extrusionOk="0" h="120000" w="120000">
+              <a:path w="120000" h="120000" extrusionOk="0">
                 <a:moveTo>
                   <a:pt x="0" y="0"/>
                 </a:moveTo>
@@ -1351,10 +1408,12 @@
       </p:sp>
       <p:sp>
         <p:nvSpPr>
-          <p:cNvPr id="145" name="Google Shape;145;g294cc789653_0_89:notes"/>
-          <p:cNvSpPr txBox="1"/>
+          <p:cNvPr id="139" name="Google Shape;139;g294cc789653_0_84:notes"/>
+          <p:cNvSpPr txBox="1">
+            <a:spLocks noGrp="1"/>
+          </p:cNvSpPr>
           <p:nvPr>
-            <p:ph idx="1" type="body"/>
+            <p:ph type="body" idx="1"/>
           </p:nvPr>
         </p:nvSpPr>
         <p:spPr>
@@ -1367,12 +1426,12 @@
           </a:prstGeom>
         </p:spPr>
         <p:txBody>
-          <a:bodyPr anchorCtr="0" anchor="t" bIns="91425" lIns="91425" spcFirstLastPara="1" rIns="91425" wrap="square" tIns="91425">
+          <a:bodyPr spcFirstLastPara="1" wrap="square" lIns="91425" tIns="91425" rIns="91425" bIns="91425" anchor="t" anchorCtr="0">
             <a:noAutofit/>
           </a:bodyPr>
           <a:lstStyle/>
           <a:p>
-            <a:pPr indent="0" lvl="0" marL="0" rtl="0" algn="l">
+            <a:pPr marL="0" lvl="0" indent="0" algn="l" rtl="0">
               <a:spcBef>
                 <a:spcPts val="0"/>
               </a:spcBef>
@@ -1381,9 +1440,6 @@
               </a:spcAft>
               <a:buNone/>
             </a:pPr>
-            <a:r>
-              <a:t/>
-            </a:r>
             <a:endParaRPr/>
           </a:p>
         </p:txBody>
@@ -1397,11 +1453,11 @@
 </file>
 
 <file path=ppt/notesSlides/notesSlide16.xml><?xml version="1.0" encoding="utf-8"?>
-<p:notes xmlns:a="http://schemas.openxmlformats.org/drawingml/2006/main" xmlns:r="http://schemas.openxmlformats.org/officeDocument/2006/relationships" xmlns:mc="http://schemas.openxmlformats.org/markup-compatibility/2006" xmlns:mv="urn:schemas-microsoft-com:mac:vml" xmlns:p="http://schemas.openxmlformats.org/presentationml/2006/main" xmlns:c="http://schemas.openxmlformats.org/drawingml/2006/chart" xmlns:dgm="http://schemas.openxmlformats.org/drawingml/2006/diagram" xmlns:o="urn:schemas-microsoft-com:office:office" xmlns:v="urn:schemas-microsoft-com:vml" xmlns:pvml="urn:schemas-microsoft-com:office:powerpoint" xmlns:com="http://schemas.openxmlformats.org/drawingml/2006/compatibility" xmlns:p14="http://schemas.microsoft.com/office/powerpoint/2010/main" xmlns:p15="http://schemas.microsoft.com/office/powerpoint/2012/main" xmlns:ahyp="http://schemas.microsoft.com/office/drawing/2018/hyperlinkcolor" showMasterPhAnim="0" showMasterSp="0">
+<p:notes xmlns:a="http://schemas.openxmlformats.org/drawingml/2006/main" xmlns:r="http://schemas.openxmlformats.org/officeDocument/2006/relationships" xmlns:p="http://schemas.openxmlformats.org/presentationml/2006/main" showMasterSp="0" showMasterPhAnim="0">
   <p:cSld>
     <p:spTree>
       <p:nvGrpSpPr>
-        <p:cNvPr id="149" name="Shape 149"/>
+        <p:cNvPr id="1" name="Shape 143"/>
         <p:cNvGrpSpPr/>
         <p:nvPr/>
       </p:nvGrpSpPr>
@@ -1415,10 +1471,12 @@
       </p:grpSpPr>
       <p:sp>
         <p:nvSpPr>
-          <p:cNvPr id="150" name="Google Shape;150;g294cc789653_0_94:notes"/>
-          <p:cNvSpPr/>
+          <p:cNvPr id="144" name="Google Shape;144;g294cc789653_0_89:notes"/>
+          <p:cNvSpPr>
+            <a:spLocks noGrp="1" noRot="1" noChangeAspect="1"/>
+          </p:cNvSpPr>
           <p:nvPr>
-            <p:ph idx="2" type="sldImg"/>
+            <p:ph type="sldImg" idx="2"/>
           </p:nvPr>
         </p:nvSpPr>
         <p:spPr>
@@ -1427,9 +1485,13 @@
             <a:ext cx="6096000" cy="3429000"/>
           </a:xfrm>
           <a:custGeom>
-            <a:rect b="b" l="l" r="r" t="t"/>
+            <a:avLst/>
+            <a:gdLst/>
+            <a:ahLst/>
+            <a:cxnLst/>
+            <a:rect l="l" t="t" r="r" b="b"/>
             <a:pathLst>
-              <a:path extrusionOk="0" h="120000" w="120000">
+              <a:path w="120000" h="120000" extrusionOk="0">
                 <a:moveTo>
                   <a:pt x="0" y="0"/>
                 </a:moveTo>
@@ -1450,10 +1512,12 @@
       </p:sp>
       <p:sp>
         <p:nvSpPr>
-          <p:cNvPr id="151" name="Google Shape;151;g294cc789653_0_94:notes"/>
-          <p:cNvSpPr txBox="1"/>
+          <p:cNvPr id="145" name="Google Shape;145;g294cc789653_0_89:notes"/>
+          <p:cNvSpPr txBox="1">
+            <a:spLocks noGrp="1"/>
+          </p:cNvSpPr>
           <p:nvPr>
-            <p:ph idx="1" type="body"/>
+            <p:ph type="body" idx="1"/>
           </p:nvPr>
         </p:nvSpPr>
         <p:spPr>
@@ -1466,12 +1530,12 @@
           </a:prstGeom>
         </p:spPr>
         <p:txBody>
-          <a:bodyPr anchorCtr="0" anchor="t" bIns="91425" lIns="91425" spcFirstLastPara="1" rIns="91425" wrap="square" tIns="91425">
+          <a:bodyPr spcFirstLastPara="1" wrap="square" lIns="91425" tIns="91425" rIns="91425" bIns="91425" anchor="t" anchorCtr="0">
             <a:noAutofit/>
           </a:bodyPr>
           <a:lstStyle/>
           <a:p>
-            <a:pPr indent="0" lvl="0" marL="0" rtl="0" algn="l">
+            <a:pPr marL="0" lvl="0" indent="0" algn="l" rtl="0">
               <a:spcBef>
                 <a:spcPts val="0"/>
               </a:spcBef>
@@ -1480,9 +1544,6 @@
               </a:spcAft>
               <a:buNone/>
             </a:pPr>
-            <a:r>
-              <a:t/>
-            </a:r>
             <a:endParaRPr/>
           </a:p>
         </p:txBody>
@@ -1496,11 +1557,11 @@
 </file>
 
 <file path=ppt/notesSlides/notesSlide17.xml><?xml version="1.0" encoding="utf-8"?>
-<p:notes xmlns:a="http://schemas.openxmlformats.org/drawingml/2006/main" xmlns:r="http://schemas.openxmlformats.org/officeDocument/2006/relationships" xmlns:mc="http://schemas.openxmlformats.org/markup-compatibility/2006" xmlns:mv="urn:schemas-microsoft-com:mac:vml" xmlns:p="http://schemas.openxmlformats.org/presentationml/2006/main" xmlns:c="http://schemas.openxmlformats.org/drawingml/2006/chart" xmlns:dgm="http://schemas.openxmlformats.org/drawingml/2006/diagram" xmlns:o="urn:schemas-microsoft-com:office:office" xmlns:v="urn:schemas-microsoft-com:vml" xmlns:pvml="urn:schemas-microsoft-com:office:powerpoint" xmlns:com="http://schemas.openxmlformats.org/drawingml/2006/compatibility" xmlns:p14="http://schemas.microsoft.com/office/powerpoint/2010/main" xmlns:p15="http://schemas.microsoft.com/office/powerpoint/2012/main" xmlns:ahyp="http://schemas.microsoft.com/office/drawing/2018/hyperlinkcolor" showMasterPhAnim="0" showMasterSp="0">
+<p:notes xmlns:a="http://schemas.openxmlformats.org/drawingml/2006/main" xmlns:r="http://schemas.openxmlformats.org/officeDocument/2006/relationships" xmlns:p="http://schemas.openxmlformats.org/presentationml/2006/main" showMasterSp="0" showMasterPhAnim="0">
   <p:cSld>
     <p:spTree>
       <p:nvGrpSpPr>
-        <p:cNvPr id="156" name="Shape 156"/>
+        <p:cNvPr id="1" name="Shape 149"/>
         <p:cNvGrpSpPr/>
         <p:nvPr/>
       </p:nvGrpSpPr>
@@ -1514,10 +1575,12 @@
       </p:grpSpPr>
       <p:sp>
         <p:nvSpPr>
-          <p:cNvPr id="157" name="Google Shape;157;g294cc789653_0_103:notes"/>
-          <p:cNvSpPr/>
+          <p:cNvPr id="150" name="Google Shape;150;g294cc789653_0_94:notes"/>
+          <p:cNvSpPr>
+            <a:spLocks noGrp="1" noRot="1" noChangeAspect="1"/>
+          </p:cNvSpPr>
           <p:nvPr>
-            <p:ph idx="2" type="sldImg"/>
+            <p:ph type="sldImg" idx="2"/>
           </p:nvPr>
         </p:nvSpPr>
         <p:spPr>
@@ -1526,9 +1589,13 @@
             <a:ext cx="6096000" cy="3429000"/>
           </a:xfrm>
           <a:custGeom>
-            <a:rect b="b" l="l" r="r" t="t"/>
+            <a:avLst/>
+            <a:gdLst/>
+            <a:ahLst/>
+            <a:cxnLst/>
+            <a:rect l="l" t="t" r="r" b="b"/>
             <a:pathLst>
-              <a:path extrusionOk="0" h="120000" w="120000">
+              <a:path w="120000" h="120000" extrusionOk="0">
                 <a:moveTo>
                   <a:pt x="0" y="0"/>
                 </a:moveTo>
@@ -1549,10 +1616,12 @@
       </p:sp>
       <p:sp>
         <p:nvSpPr>
-          <p:cNvPr id="158" name="Google Shape;158;g294cc789653_0_103:notes"/>
-          <p:cNvSpPr txBox="1"/>
+          <p:cNvPr id="151" name="Google Shape;151;g294cc789653_0_94:notes"/>
+          <p:cNvSpPr txBox="1">
+            <a:spLocks noGrp="1"/>
+          </p:cNvSpPr>
           <p:nvPr>
-            <p:ph idx="1" type="body"/>
+            <p:ph type="body" idx="1"/>
           </p:nvPr>
         </p:nvSpPr>
         <p:spPr>
@@ -1565,12 +1634,12 @@
           </a:prstGeom>
         </p:spPr>
         <p:txBody>
-          <a:bodyPr anchorCtr="0" anchor="t" bIns="91425" lIns="91425" spcFirstLastPara="1" rIns="91425" wrap="square" tIns="91425">
+          <a:bodyPr spcFirstLastPara="1" wrap="square" lIns="91425" tIns="91425" rIns="91425" bIns="91425" anchor="t" anchorCtr="0">
             <a:noAutofit/>
           </a:bodyPr>
           <a:lstStyle/>
           <a:p>
-            <a:pPr indent="0" lvl="0" marL="0" rtl="0" algn="l">
+            <a:pPr marL="0" lvl="0" indent="0" algn="l" rtl="0">
               <a:spcBef>
                 <a:spcPts val="0"/>
               </a:spcBef>
@@ -1579,9 +1648,6 @@
               </a:spcAft>
               <a:buNone/>
             </a:pPr>
-            <a:r>
-              <a:t/>
-            </a:r>
             <a:endParaRPr/>
           </a:p>
         </p:txBody>
@@ -1595,11 +1661,11 @@
 </file>
 
 <file path=ppt/notesSlides/notesSlide18.xml><?xml version="1.0" encoding="utf-8"?>
-<p:notes xmlns:a="http://schemas.openxmlformats.org/drawingml/2006/main" xmlns:r="http://schemas.openxmlformats.org/officeDocument/2006/relationships" xmlns:mc="http://schemas.openxmlformats.org/markup-compatibility/2006" xmlns:mv="urn:schemas-microsoft-com:mac:vml" xmlns:p="http://schemas.openxmlformats.org/presentationml/2006/main" xmlns:c="http://schemas.openxmlformats.org/drawingml/2006/chart" xmlns:dgm="http://schemas.openxmlformats.org/drawingml/2006/diagram" xmlns:o="urn:schemas-microsoft-com:office:office" xmlns:v="urn:schemas-microsoft-com:vml" xmlns:pvml="urn:schemas-microsoft-com:office:powerpoint" xmlns:com="http://schemas.openxmlformats.org/drawingml/2006/compatibility" xmlns:p14="http://schemas.microsoft.com/office/powerpoint/2010/main" xmlns:p15="http://schemas.microsoft.com/office/powerpoint/2012/main" xmlns:ahyp="http://schemas.microsoft.com/office/drawing/2018/hyperlinkcolor" showMasterPhAnim="0" showMasterSp="0">
+<p:notes xmlns:a="http://schemas.openxmlformats.org/drawingml/2006/main" xmlns:r="http://schemas.openxmlformats.org/officeDocument/2006/relationships" xmlns:p="http://schemas.openxmlformats.org/presentationml/2006/main" showMasterSp="0" showMasterPhAnim="0">
   <p:cSld>
     <p:spTree>
       <p:nvGrpSpPr>
-        <p:cNvPr id="163" name="Shape 163"/>
+        <p:cNvPr id="1" name="Shape 156"/>
         <p:cNvGrpSpPr/>
         <p:nvPr/>
       </p:nvGrpSpPr>
@@ -1613,10 +1679,12 @@
       </p:grpSpPr>
       <p:sp>
         <p:nvSpPr>
-          <p:cNvPr id="164" name="Google Shape;164;g294cc789653_0_110:notes"/>
-          <p:cNvSpPr/>
+          <p:cNvPr id="157" name="Google Shape;157;g294cc789653_0_103:notes"/>
+          <p:cNvSpPr>
+            <a:spLocks noGrp="1" noRot="1" noChangeAspect="1"/>
+          </p:cNvSpPr>
           <p:nvPr>
-            <p:ph idx="2" type="sldImg"/>
+            <p:ph type="sldImg" idx="2"/>
           </p:nvPr>
         </p:nvSpPr>
         <p:spPr>
@@ -1625,9 +1693,13 @@
             <a:ext cx="6096000" cy="3429000"/>
           </a:xfrm>
           <a:custGeom>
-            <a:rect b="b" l="l" r="r" t="t"/>
+            <a:avLst/>
+            <a:gdLst/>
+            <a:ahLst/>
+            <a:cxnLst/>
+            <a:rect l="l" t="t" r="r" b="b"/>
             <a:pathLst>
-              <a:path extrusionOk="0" h="120000" w="120000">
+              <a:path w="120000" h="120000" extrusionOk="0">
                 <a:moveTo>
                   <a:pt x="0" y="0"/>
                 </a:moveTo>
@@ -1648,10 +1720,12 @@
       </p:sp>
       <p:sp>
         <p:nvSpPr>
-          <p:cNvPr id="165" name="Google Shape;165;g294cc789653_0_110:notes"/>
-          <p:cNvSpPr txBox="1"/>
+          <p:cNvPr id="158" name="Google Shape;158;g294cc789653_0_103:notes"/>
+          <p:cNvSpPr txBox="1">
+            <a:spLocks noGrp="1"/>
+          </p:cNvSpPr>
           <p:nvPr>
-            <p:ph idx="1" type="body"/>
+            <p:ph type="body" idx="1"/>
           </p:nvPr>
         </p:nvSpPr>
         <p:spPr>
@@ -1664,12 +1738,12 @@
           </a:prstGeom>
         </p:spPr>
         <p:txBody>
-          <a:bodyPr anchorCtr="0" anchor="t" bIns="91425" lIns="91425" spcFirstLastPara="1" rIns="91425" wrap="square" tIns="91425">
+          <a:bodyPr spcFirstLastPara="1" wrap="square" lIns="91425" tIns="91425" rIns="91425" bIns="91425" anchor="t" anchorCtr="0">
             <a:noAutofit/>
           </a:bodyPr>
           <a:lstStyle/>
           <a:p>
-            <a:pPr indent="0" lvl="0" marL="0" rtl="0" algn="l">
+            <a:pPr marL="0" lvl="0" indent="0" algn="l" rtl="0">
               <a:spcBef>
                 <a:spcPts val="0"/>
               </a:spcBef>
@@ -1678,9 +1752,6 @@
               </a:spcAft>
               <a:buNone/>
             </a:pPr>
-            <a:r>
-              <a:t/>
-            </a:r>
             <a:endParaRPr/>
           </a:p>
         </p:txBody>
@@ -1693,12 +1764,12 @@
 </p:notes>
 </file>
 
-<file path=ppt/notesSlides/notesSlide2.xml><?xml version="1.0" encoding="utf-8"?>
-<p:notes xmlns:a="http://schemas.openxmlformats.org/drawingml/2006/main" xmlns:r="http://schemas.openxmlformats.org/officeDocument/2006/relationships" xmlns:mc="http://schemas.openxmlformats.org/markup-compatibility/2006" xmlns:mv="urn:schemas-microsoft-com:mac:vml" xmlns:p="http://schemas.openxmlformats.org/presentationml/2006/main" xmlns:c="http://schemas.openxmlformats.org/drawingml/2006/chart" xmlns:dgm="http://schemas.openxmlformats.org/drawingml/2006/diagram" xmlns:o="urn:schemas-microsoft-com:office:office" xmlns:v="urn:schemas-microsoft-com:vml" xmlns:pvml="urn:schemas-microsoft-com:office:powerpoint" xmlns:com="http://schemas.openxmlformats.org/drawingml/2006/compatibility" xmlns:p14="http://schemas.microsoft.com/office/powerpoint/2010/main" xmlns:p15="http://schemas.microsoft.com/office/powerpoint/2012/main" xmlns:ahyp="http://schemas.microsoft.com/office/drawing/2018/hyperlinkcolor" showMasterPhAnim="0" showMasterSp="0">
+<file path=ppt/notesSlides/notesSlide19.xml><?xml version="1.0" encoding="utf-8"?>
+<p:notes xmlns:a="http://schemas.openxmlformats.org/drawingml/2006/main" xmlns:r="http://schemas.openxmlformats.org/officeDocument/2006/relationships" xmlns:p="http://schemas.openxmlformats.org/presentationml/2006/main" showMasterSp="0" showMasterPhAnim="0">
   <p:cSld>
     <p:spTree>
       <p:nvGrpSpPr>
-        <p:cNvPr id="56" name="Shape 56"/>
+        <p:cNvPr id="1" name="Shape 163"/>
         <p:cNvGrpSpPr/>
         <p:nvPr/>
       </p:nvGrpSpPr>
@@ -1712,21 +1783,27 @@
       </p:grpSpPr>
       <p:sp>
         <p:nvSpPr>
-          <p:cNvPr id="57" name="Google Shape;57;g294cc789653_0_1:notes"/>
-          <p:cNvSpPr/>
+          <p:cNvPr id="164" name="Google Shape;164;g294cc789653_0_110:notes"/>
+          <p:cNvSpPr>
+            <a:spLocks noGrp="1" noRot="1" noChangeAspect="1"/>
+          </p:cNvSpPr>
           <p:nvPr>
-            <p:ph idx="2" type="sldImg"/>
+            <p:ph type="sldImg" idx="2"/>
           </p:nvPr>
         </p:nvSpPr>
         <p:spPr>
           <a:xfrm>
-            <a:off x="381300" y="685800"/>
+            <a:off x="381000" y="685800"/>
             <a:ext cx="6096000" cy="3429000"/>
           </a:xfrm>
           <a:custGeom>
-            <a:rect b="b" l="l" r="r" t="t"/>
+            <a:avLst/>
+            <a:gdLst/>
+            <a:ahLst/>
+            <a:cxnLst/>
+            <a:rect l="l" t="t" r="r" b="b"/>
             <a:pathLst>
-              <a:path extrusionOk="0" h="120000" w="120000">
+              <a:path w="120000" h="120000" extrusionOk="0">
                 <a:moveTo>
                   <a:pt x="0" y="0"/>
                 </a:moveTo>
@@ -1747,10 +1824,12 @@
       </p:sp>
       <p:sp>
         <p:nvSpPr>
-          <p:cNvPr id="58" name="Google Shape;58;g294cc789653_0_1:notes"/>
-          <p:cNvSpPr txBox="1"/>
+          <p:cNvPr id="165" name="Google Shape;165;g294cc789653_0_110:notes"/>
+          <p:cNvSpPr txBox="1">
+            <a:spLocks noGrp="1"/>
+          </p:cNvSpPr>
           <p:nvPr>
-            <p:ph idx="1" type="body"/>
+            <p:ph type="body" idx="1"/>
           </p:nvPr>
         </p:nvSpPr>
         <p:spPr>
@@ -1763,12 +1842,12 @@
           </a:prstGeom>
         </p:spPr>
         <p:txBody>
-          <a:bodyPr anchorCtr="0" anchor="t" bIns="91425" lIns="91425" spcFirstLastPara="1" rIns="91425" wrap="square" tIns="91425">
+          <a:bodyPr spcFirstLastPara="1" wrap="square" lIns="91425" tIns="91425" rIns="91425" bIns="91425" anchor="t" anchorCtr="0">
             <a:noAutofit/>
           </a:bodyPr>
           <a:lstStyle/>
           <a:p>
-            <a:pPr indent="0" lvl="0" marL="0" rtl="0" algn="l">
+            <a:pPr marL="0" lvl="0" indent="0" algn="l" rtl="0">
               <a:spcBef>
                 <a:spcPts val="0"/>
               </a:spcBef>
@@ -1777,9 +1856,6 @@
               </a:spcAft>
               <a:buNone/>
             </a:pPr>
-            <a:r>
-              <a:t/>
-            </a:r>
             <a:endParaRPr/>
           </a:p>
         </p:txBody>
@@ -1792,12 +1868,12 @@
 </p:notes>
 </file>
 
-<file path=ppt/notesSlides/notesSlide3.xml><?xml version="1.0" encoding="utf-8"?>
-<p:notes xmlns:a="http://schemas.openxmlformats.org/drawingml/2006/main" xmlns:r="http://schemas.openxmlformats.org/officeDocument/2006/relationships" xmlns:mc="http://schemas.openxmlformats.org/markup-compatibility/2006" xmlns:mv="urn:schemas-microsoft-com:mac:vml" xmlns:p="http://schemas.openxmlformats.org/presentationml/2006/main" xmlns:c="http://schemas.openxmlformats.org/drawingml/2006/chart" xmlns:dgm="http://schemas.openxmlformats.org/drawingml/2006/diagram" xmlns:o="urn:schemas-microsoft-com:office:office" xmlns:v="urn:schemas-microsoft-com:vml" xmlns:pvml="urn:schemas-microsoft-com:office:powerpoint" xmlns:com="http://schemas.openxmlformats.org/drawingml/2006/compatibility" xmlns:p14="http://schemas.microsoft.com/office/powerpoint/2010/main" xmlns:p15="http://schemas.microsoft.com/office/powerpoint/2012/main" xmlns:ahyp="http://schemas.microsoft.com/office/drawing/2018/hyperlinkcolor" showMasterPhAnim="0" showMasterSp="0">
+<file path=ppt/notesSlides/notesSlide2.xml><?xml version="1.0" encoding="utf-8"?>
+<p:notes xmlns:a="http://schemas.openxmlformats.org/drawingml/2006/main" xmlns:r="http://schemas.openxmlformats.org/officeDocument/2006/relationships" xmlns:p="http://schemas.openxmlformats.org/presentationml/2006/main" showMasterSp="0" showMasterPhAnim="0">
   <p:cSld>
     <p:spTree>
       <p:nvGrpSpPr>
-        <p:cNvPr id="63" name="Shape 63"/>
+        <p:cNvPr id="1" name="Shape 56"/>
         <p:cNvGrpSpPr/>
         <p:nvPr/>
       </p:nvGrpSpPr>
@@ -1811,21 +1887,27 @@
       </p:grpSpPr>
       <p:sp>
         <p:nvSpPr>
-          <p:cNvPr id="64" name="Google Shape;64;g294cc789653_0_6:notes"/>
-          <p:cNvSpPr/>
+          <p:cNvPr id="57" name="Google Shape;57;g294cc789653_0_1:notes"/>
+          <p:cNvSpPr>
+            <a:spLocks noGrp="1" noRot="1" noChangeAspect="1"/>
+          </p:cNvSpPr>
           <p:nvPr>
-            <p:ph idx="2" type="sldImg"/>
+            <p:ph type="sldImg" idx="2"/>
           </p:nvPr>
         </p:nvSpPr>
         <p:spPr>
           <a:xfrm>
-            <a:off x="381300" y="685800"/>
+            <a:off x="381000" y="685800"/>
             <a:ext cx="6096000" cy="3429000"/>
           </a:xfrm>
           <a:custGeom>
-            <a:rect b="b" l="l" r="r" t="t"/>
+            <a:avLst/>
+            <a:gdLst/>
+            <a:ahLst/>
+            <a:cxnLst/>
+            <a:rect l="l" t="t" r="r" b="b"/>
             <a:pathLst>
-              <a:path extrusionOk="0" h="120000" w="120000">
+              <a:path w="120000" h="120000" extrusionOk="0">
                 <a:moveTo>
                   <a:pt x="0" y="0"/>
                 </a:moveTo>
@@ -1846,10 +1928,12 @@
       </p:sp>
       <p:sp>
         <p:nvSpPr>
-          <p:cNvPr id="65" name="Google Shape;65;g294cc789653_0_6:notes"/>
-          <p:cNvSpPr txBox="1"/>
+          <p:cNvPr id="58" name="Google Shape;58;g294cc789653_0_1:notes"/>
+          <p:cNvSpPr txBox="1">
+            <a:spLocks noGrp="1"/>
+          </p:cNvSpPr>
           <p:nvPr>
-            <p:ph idx="1" type="body"/>
+            <p:ph type="body" idx="1"/>
           </p:nvPr>
         </p:nvSpPr>
         <p:spPr>
@@ -1862,12 +1946,12 @@
           </a:prstGeom>
         </p:spPr>
         <p:txBody>
-          <a:bodyPr anchorCtr="0" anchor="t" bIns="91425" lIns="91425" spcFirstLastPara="1" rIns="91425" wrap="square" tIns="91425">
+          <a:bodyPr spcFirstLastPara="1" wrap="square" lIns="91425" tIns="91425" rIns="91425" bIns="91425" anchor="t" anchorCtr="0">
             <a:noAutofit/>
           </a:bodyPr>
           <a:lstStyle/>
           <a:p>
-            <a:pPr indent="0" lvl="0" marL="0" rtl="0" algn="l">
+            <a:pPr marL="0" lvl="0" indent="0" algn="l" rtl="0">
               <a:spcBef>
                 <a:spcPts val="0"/>
               </a:spcBef>
@@ -1876,9 +1960,6 @@
               </a:spcAft>
               <a:buNone/>
             </a:pPr>
-            <a:r>
-              <a:t/>
-            </a:r>
             <a:endParaRPr/>
           </a:p>
         </p:txBody>
@@ -1891,12 +1972,12 @@
 </p:notes>
 </file>
 
-<file path=ppt/notesSlides/notesSlide4.xml><?xml version="1.0" encoding="utf-8"?>
-<p:notes xmlns:a="http://schemas.openxmlformats.org/drawingml/2006/main" xmlns:r="http://schemas.openxmlformats.org/officeDocument/2006/relationships" xmlns:mc="http://schemas.openxmlformats.org/markup-compatibility/2006" xmlns:mv="urn:schemas-microsoft-com:mac:vml" xmlns:p="http://schemas.openxmlformats.org/presentationml/2006/main" xmlns:c="http://schemas.openxmlformats.org/drawingml/2006/chart" xmlns:dgm="http://schemas.openxmlformats.org/drawingml/2006/diagram" xmlns:o="urn:schemas-microsoft-com:office:office" xmlns:v="urn:schemas-microsoft-com:vml" xmlns:pvml="urn:schemas-microsoft-com:office:powerpoint" xmlns:com="http://schemas.openxmlformats.org/drawingml/2006/compatibility" xmlns:p14="http://schemas.microsoft.com/office/powerpoint/2010/main" xmlns:p15="http://schemas.microsoft.com/office/powerpoint/2012/main" xmlns:ahyp="http://schemas.microsoft.com/office/drawing/2018/hyperlinkcolor" showMasterPhAnim="0" showMasterSp="0">
+<file path=ppt/notesSlides/notesSlide3.xml><?xml version="1.0" encoding="utf-8"?>
+<p:notes xmlns:a="http://schemas.openxmlformats.org/drawingml/2006/main" xmlns:r="http://schemas.openxmlformats.org/officeDocument/2006/relationships" xmlns:p="http://schemas.openxmlformats.org/presentationml/2006/main" showMasterSp="0" showMasterPhAnim="0">
   <p:cSld>
     <p:spTree>
       <p:nvGrpSpPr>
-        <p:cNvPr id="69" name="Shape 69"/>
+        <p:cNvPr id="1" name="Shape 63"/>
         <p:cNvGrpSpPr/>
         <p:nvPr/>
       </p:nvGrpSpPr>
@@ -1910,10 +1991,12 @@
       </p:grpSpPr>
       <p:sp>
         <p:nvSpPr>
-          <p:cNvPr id="70" name="Google Shape;70;g294cc789653_0_11:notes"/>
-          <p:cNvSpPr/>
+          <p:cNvPr id="64" name="Google Shape;64;g294cc789653_0_6:notes"/>
+          <p:cNvSpPr>
+            <a:spLocks noGrp="1" noRot="1" noChangeAspect="1"/>
+          </p:cNvSpPr>
           <p:nvPr>
-            <p:ph idx="2" type="sldImg"/>
+            <p:ph type="sldImg" idx="2"/>
           </p:nvPr>
         </p:nvSpPr>
         <p:spPr>
@@ -1922,9 +2005,13 @@
             <a:ext cx="6096000" cy="3429000"/>
           </a:xfrm>
           <a:custGeom>
-            <a:rect b="b" l="l" r="r" t="t"/>
+            <a:avLst/>
+            <a:gdLst/>
+            <a:ahLst/>
+            <a:cxnLst/>
+            <a:rect l="l" t="t" r="r" b="b"/>
             <a:pathLst>
-              <a:path extrusionOk="0" h="120000" w="120000">
+              <a:path w="120000" h="120000" extrusionOk="0">
                 <a:moveTo>
                   <a:pt x="0" y="0"/>
                 </a:moveTo>
@@ -1945,10 +2032,12 @@
       </p:sp>
       <p:sp>
         <p:nvSpPr>
-          <p:cNvPr id="71" name="Google Shape;71;g294cc789653_0_11:notes"/>
-          <p:cNvSpPr txBox="1"/>
+          <p:cNvPr id="65" name="Google Shape;65;g294cc789653_0_6:notes"/>
+          <p:cNvSpPr txBox="1">
+            <a:spLocks noGrp="1"/>
+          </p:cNvSpPr>
           <p:nvPr>
-            <p:ph idx="1" type="body"/>
+            <p:ph type="body" idx="1"/>
           </p:nvPr>
         </p:nvSpPr>
         <p:spPr>
@@ -1961,12 +2050,12 @@
           </a:prstGeom>
         </p:spPr>
         <p:txBody>
-          <a:bodyPr anchorCtr="0" anchor="t" bIns="91425" lIns="91425" spcFirstLastPara="1" rIns="91425" wrap="square" tIns="91425">
+          <a:bodyPr spcFirstLastPara="1" wrap="square" lIns="91425" tIns="91425" rIns="91425" bIns="91425" anchor="t" anchorCtr="0">
             <a:noAutofit/>
           </a:bodyPr>
           <a:lstStyle/>
           <a:p>
-            <a:pPr indent="0" lvl="0" marL="0" rtl="0" algn="l">
+            <a:pPr marL="0" lvl="0" indent="0" algn="l" rtl="0">
               <a:spcBef>
                 <a:spcPts val="0"/>
               </a:spcBef>
@@ -1975,9 +2064,6 @@
               </a:spcAft>
               <a:buNone/>
             </a:pPr>
-            <a:r>
-              <a:t/>
-            </a:r>
             <a:endParaRPr/>
           </a:p>
         </p:txBody>
@@ -1990,12 +2076,12 @@
 </p:notes>
 </file>
 
-<file path=ppt/notesSlides/notesSlide5.xml><?xml version="1.0" encoding="utf-8"?>
-<p:notes xmlns:a="http://schemas.openxmlformats.org/drawingml/2006/main" xmlns:r="http://schemas.openxmlformats.org/officeDocument/2006/relationships" xmlns:mc="http://schemas.openxmlformats.org/markup-compatibility/2006" xmlns:mv="urn:schemas-microsoft-com:mac:vml" xmlns:p="http://schemas.openxmlformats.org/presentationml/2006/main" xmlns:c="http://schemas.openxmlformats.org/drawingml/2006/chart" xmlns:dgm="http://schemas.openxmlformats.org/drawingml/2006/diagram" xmlns:o="urn:schemas-microsoft-com:office:office" xmlns:v="urn:schemas-microsoft-com:vml" xmlns:pvml="urn:schemas-microsoft-com:office:powerpoint" xmlns:com="http://schemas.openxmlformats.org/drawingml/2006/compatibility" xmlns:p14="http://schemas.microsoft.com/office/powerpoint/2010/main" xmlns:p15="http://schemas.microsoft.com/office/powerpoint/2012/main" xmlns:ahyp="http://schemas.microsoft.com/office/drawing/2018/hyperlinkcolor" showMasterPhAnim="0" showMasterSp="0">
+<file path=ppt/notesSlides/notesSlide4.xml><?xml version="1.0" encoding="utf-8"?>
+<p:notes xmlns:a="http://schemas.openxmlformats.org/drawingml/2006/main" xmlns:r="http://schemas.openxmlformats.org/officeDocument/2006/relationships" xmlns:p="http://schemas.openxmlformats.org/presentationml/2006/main" showMasterSp="0" showMasterPhAnim="0">
   <p:cSld>
     <p:spTree>
       <p:nvGrpSpPr>
-        <p:cNvPr id="75" name="Shape 75"/>
+        <p:cNvPr id="1" name="Shape 69"/>
         <p:cNvGrpSpPr/>
         <p:nvPr/>
       </p:nvGrpSpPr>
@@ -2009,10 +2095,12 @@
       </p:grpSpPr>
       <p:sp>
         <p:nvSpPr>
-          <p:cNvPr id="76" name="Google Shape;76;g294cc789653_0_16:notes"/>
-          <p:cNvSpPr/>
+          <p:cNvPr id="70" name="Google Shape;70;g294cc789653_0_11:notes"/>
+          <p:cNvSpPr>
+            <a:spLocks noGrp="1" noRot="1" noChangeAspect="1"/>
+          </p:cNvSpPr>
           <p:nvPr>
-            <p:ph idx="2" type="sldImg"/>
+            <p:ph type="sldImg" idx="2"/>
           </p:nvPr>
         </p:nvSpPr>
         <p:spPr>
@@ -2021,9 +2109,13 @@
             <a:ext cx="6096000" cy="3429000"/>
           </a:xfrm>
           <a:custGeom>
-            <a:rect b="b" l="l" r="r" t="t"/>
+            <a:avLst/>
+            <a:gdLst/>
+            <a:ahLst/>
+            <a:cxnLst/>
+            <a:rect l="l" t="t" r="r" b="b"/>
             <a:pathLst>
-              <a:path extrusionOk="0" h="120000" w="120000">
+              <a:path w="120000" h="120000" extrusionOk="0">
                 <a:moveTo>
                   <a:pt x="0" y="0"/>
                 </a:moveTo>
@@ -2044,10 +2136,12 @@
       </p:sp>
       <p:sp>
         <p:nvSpPr>
-          <p:cNvPr id="77" name="Google Shape;77;g294cc789653_0_16:notes"/>
-          <p:cNvSpPr txBox="1"/>
+          <p:cNvPr id="71" name="Google Shape;71;g294cc789653_0_11:notes"/>
+          <p:cNvSpPr txBox="1">
+            <a:spLocks noGrp="1"/>
+          </p:cNvSpPr>
           <p:nvPr>
-            <p:ph idx="1" type="body"/>
+            <p:ph type="body" idx="1"/>
           </p:nvPr>
         </p:nvSpPr>
         <p:spPr>
@@ -2060,12 +2154,12 @@
           </a:prstGeom>
         </p:spPr>
         <p:txBody>
-          <a:bodyPr anchorCtr="0" anchor="t" bIns="91425" lIns="91425" spcFirstLastPara="1" rIns="91425" wrap="square" tIns="91425">
+          <a:bodyPr spcFirstLastPara="1" wrap="square" lIns="91425" tIns="91425" rIns="91425" bIns="91425" anchor="t" anchorCtr="0">
             <a:noAutofit/>
           </a:bodyPr>
           <a:lstStyle/>
           <a:p>
-            <a:pPr indent="0" lvl="0" marL="0" rtl="0" algn="l">
+            <a:pPr marL="0" lvl="0" indent="0" algn="l" rtl="0">
               <a:spcBef>
                 <a:spcPts val="0"/>
               </a:spcBef>
@@ -2074,9 +2168,6 @@
               </a:spcAft>
               <a:buNone/>
             </a:pPr>
-            <a:r>
-              <a:t/>
-            </a:r>
             <a:endParaRPr/>
           </a:p>
         </p:txBody>
@@ -2089,12 +2180,12 @@
 </p:notes>
 </file>
 
-<file path=ppt/notesSlides/notesSlide6.xml><?xml version="1.0" encoding="utf-8"?>
-<p:notes xmlns:a="http://schemas.openxmlformats.org/drawingml/2006/main" xmlns:r="http://schemas.openxmlformats.org/officeDocument/2006/relationships" xmlns:mc="http://schemas.openxmlformats.org/markup-compatibility/2006" xmlns:mv="urn:schemas-microsoft-com:mac:vml" xmlns:p="http://schemas.openxmlformats.org/presentationml/2006/main" xmlns:c="http://schemas.openxmlformats.org/drawingml/2006/chart" xmlns:dgm="http://schemas.openxmlformats.org/drawingml/2006/diagram" xmlns:o="urn:schemas-microsoft-com:office:office" xmlns:v="urn:schemas-microsoft-com:vml" xmlns:pvml="urn:schemas-microsoft-com:office:powerpoint" xmlns:com="http://schemas.openxmlformats.org/drawingml/2006/compatibility" xmlns:p14="http://schemas.microsoft.com/office/powerpoint/2010/main" xmlns:p15="http://schemas.microsoft.com/office/powerpoint/2012/main" xmlns:ahyp="http://schemas.microsoft.com/office/drawing/2018/hyperlinkcolor" showMasterPhAnim="0" showMasterSp="0">
+<file path=ppt/notesSlides/notesSlide5.xml><?xml version="1.0" encoding="utf-8"?>
+<p:notes xmlns:a="http://schemas.openxmlformats.org/drawingml/2006/main" xmlns:r="http://schemas.openxmlformats.org/officeDocument/2006/relationships" xmlns:p="http://schemas.openxmlformats.org/presentationml/2006/main" showMasterSp="0" showMasterPhAnim="0">
   <p:cSld>
     <p:spTree>
       <p:nvGrpSpPr>
-        <p:cNvPr id="82" name="Shape 82"/>
+        <p:cNvPr id="1" name="Shape 75"/>
         <p:cNvGrpSpPr/>
         <p:nvPr/>
       </p:nvGrpSpPr>
@@ -2108,10 +2199,12 @@
       </p:grpSpPr>
       <p:sp>
         <p:nvSpPr>
-          <p:cNvPr id="83" name="Google Shape;83;g294cc789653_0_21:notes"/>
-          <p:cNvSpPr/>
+          <p:cNvPr id="76" name="Google Shape;76;g294cc789653_0_16:notes"/>
+          <p:cNvSpPr>
+            <a:spLocks noGrp="1" noRot="1" noChangeAspect="1"/>
+          </p:cNvSpPr>
           <p:nvPr>
-            <p:ph idx="2" type="sldImg"/>
+            <p:ph type="sldImg" idx="2"/>
           </p:nvPr>
         </p:nvSpPr>
         <p:spPr>
@@ -2120,9 +2213,13 @@
             <a:ext cx="6096000" cy="3429000"/>
           </a:xfrm>
           <a:custGeom>
-            <a:rect b="b" l="l" r="r" t="t"/>
+            <a:avLst/>
+            <a:gdLst/>
+            <a:ahLst/>
+            <a:cxnLst/>
+            <a:rect l="l" t="t" r="r" b="b"/>
             <a:pathLst>
-              <a:path extrusionOk="0" h="120000" w="120000">
+              <a:path w="120000" h="120000" extrusionOk="0">
                 <a:moveTo>
                   <a:pt x="0" y="0"/>
                 </a:moveTo>
@@ -2143,10 +2240,12 @@
       </p:sp>
       <p:sp>
         <p:nvSpPr>
-          <p:cNvPr id="84" name="Google Shape;84;g294cc789653_0_21:notes"/>
-          <p:cNvSpPr txBox="1"/>
+          <p:cNvPr id="77" name="Google Shape;77;g294cc789653_0_16:notes"/>
+          <p:cNvSpPr txBox="1">
+            <a:spLocks noGrp="1"/>
+          </p:cNvSpPr>
           <p:nvPr>
-            <p:ph idx="1" type="body"/>
+            <p:ph type="body" idx="1"/>
           </p:nvPr>
         </p:nvSpPr>
         <p:spPr>
@@ -2159,12 +2258,12 @@
           </a:prstGeom>
         </p:spPr>
         <p:txBody>
-          <a:bodyPr anchorCtr="0" anchor="t" bIns="91425" lIns="91425" spcFirstLastPara="1" rIns="91425" wrap="square" tIns="91425">
+          <a:bodyPr spcFirstLastPara="1" wrap="square" lIns="91425" tIns="91425" rIns="91425" bIns="91425" anchor="t" anchorCtr="0">
             <a:noAutofit/>
           </a:bodyPr>
           <a:lstStyle/>
           <a:p>
-            <a:pPr indent="0" lvl="0" marL="0" rtl="0" algn="l">
+            <a:pPr marL="0" lvl="0" indent="0" algn="l" rtl="0">
               <a:spcBef>
                 <a:spcPts val="0"/>
               </a:spcBef>
@@ -2173,9 +2272,6 @@
               </a:spcAft>
               <a:buNone/>
             </a:pPr>
-            <a:r>
-              <a:t/>
-            </a:r>
             <a:endParaRPr/>
           </a:p>
         </p:txBody>
@@ -2188,12 +2284,12 @@
 </p:notes>
 </file>
 
-<file path=ppt/notesSlides/notesSlide7.xml><?xml version="1.0" encoding="utf-8"?>
-<p:notes xmlns:a="http://schemas.openxmlformats.org/drawingml/2006/main" xmlns:r="http://schemas.openxmlformats.org/officeDocument/2006/relationships" xmlns:mc="http://schemas.openxmlformats.org/markup-compatibility/2006" xmlns:mv="urn:schemas-microsoft-com:mac:vml" xmlns:p="http://schemas.openxmlformats.org/presentationml/2006/main" xmlns:c="http://schemas.openxmlformats.org/drawingml/2006/chart" xmlns:dgm="http://schemas.openxmlformats.org/drawingml/2006/diagram" xmlns:o="urn:schemas-microsoft-com:office:office" xmlns:v="urn:schemas-microsoft-com:vml" xmlns:pvml="urn:schemas-microsoft-com:office:powerpoint" xmlns:com="http://schemas.openxmlformats.org/drawingml/2006/compatibility" xmlns:p14="http://schemas.microsoft.com/office/powerpoint/2010/main" xmlns:p15="http://schemas.microsoft.com/office/powerpoint/2012/main" xmlns:ahyp="http://schemas.microsoft.com/office/drawing/2018/hyperlinkcolor" showMasterPhAnim="0" showMasterSp="0">
+<file path=ppt/notesSlides/notesSlide6.xml><?xml version="1.0" encoding="utf-8"?>
+<p:notes xmlns:a="http://schemas.openxmlformats.org/drawingml/2006/main" xmlns:r="http://schemas.openxmlformats.org/officeDocument/2006/relationships" xmlns:p="http://schemas.openxmlformats.org/presentationml/2006/main" showMasterSp="0" showMasterPhAnim="0">
   <p:cSld>
     <p:spTree>
       <p:nvGrpSpPr>
-        <p:cNvPr id="89" name="Shape 89"/>
+        <p:cNvPr id="1" name="Shape 82"/>
         <p:cNvGrpSpPr/>
         <p:nvPr/>
       </p:nvGrpSpPr>
@@ -2207,10 +2303,12 @@
       </p:grpSpPr>
       <p:sp>
         <p:nvSpPr>
-          <p:cNvPr id="90" name="Google Shape;90;g294cc789653_0_28:notes"/>
-          <p:cNvSpPr/>
+          <p:cNvPr id="83" name="Google Shape;83;g294cc789653_0_21:notes"/>
+          <p:cNvSpPr>
+            <a:spLocks noGrp="1" noRot="1" noChangeAspect="1"/>
+          </p:cNvSpPr>
           <p:nvPr>
-            <p:ph idx="2" type="sldImg"/>
+            <p:ph type="sldImg" idx="2"/>
           </p:nvPr>
         </p:nvSpPr>
         <p:spPr>
@@ -2219,9 +2317,13 @@
             <a:ext cx="6096000" cy="3429000"/>
           </a:xfrm>
           <a:custGeom>
-            <a:rect b="b" l="l" r="r" t="t"/>
+            <a:avLst/>
+            <a:gdLst/>
+            <a:ahLst/>
+            <a:cxnLst/>
+            <a:rect l="l" t="t" r="r" b="b"/>
             <a:pathLst>
-              <a:path extrusionOk="0" h="120000" w="120000">
+              <a:path w="120000" h="120000" extrusionOk="0">
                 <a:moveTo>
                   <a:pt x="0" y="0"/>
                 </a:moveTo>
@@ -2242,10 +2344,12 @@
       </p:sp>
       <p:sp>
         <p:nvSpPr>
-          <p:cNvPr id="91" name="Google Shape;91;g294cc789653_0_28:notes"/>
-          <p:cNvSpPr txBox="1"/>
+          <p:cNvPr id="84" name="Google Shape;84;g294cc789653_0_21:notes"/>
+          <p:cNvSpPr txBox="1">
+            <a:spLocks noGrp="1"/>
+          </p:cNvSpPr>
           <p:nvPr>
-            <p:ph idx="1" type="body"/>
+            <p:ph type="body" idx="1"/>
           </p:nvPr>
         </p:nvSpPr>
         <p:spPr>
@@ -2258,12 +2362,12 @@
           </a:prstGeom>
         </p:spPr>
         <p:txBody>
-          <a:bodyPr anchorCtr="0" anchor="t" bIns="91425" lIns="91425" spcFirstLastPara="1" rIns="91425" wrap="square" tIns="91425">
+          <a:bodyPr spcFirstLastPara="1" wrap="square" lIns="91425" tIns="91425" rIns="91425" bIns="91425" anchor="t" anchorCtr="0">
             <a:noAutofit/>
           </a:bodyPr>
           <a:lstStyle/>
           <a:p>
-            <a:pPr indent="0" lvl="0" marL="0" rtl="0" algn="l">
+            <a:pPr marL="0" lvl="0" indent="0" algn="l" rtl="0">
               <a:spcBef>
                 <a:spcPts val="0"/>
               </a:spcBef>
@@ -2272,9 +2376,6 @@
               </a:spcAft>
               <a:buNone/>
             </a:pPr>
-            <a:r>
-              <a:t/>
-            </a:r>
             <a:endParaRPr/>
           </a:p>
         </p:txBody>
@@ -2287,12 +2388,12 @@
 </p:notes>
 </file>
 
-<file path=ppt/notesSlides/notesSlide8.xml><?xml version="1.0" encoding="utf-8"?>
-<p:notes xmlns:a="http://schemas.openxmlformats.org/drawingml/2006/main" xmlns:r="http://schemas.openxmlformats.org/officeDocument/2006/relationships" xmlns:mc="http://schemas.openxmlformats.org/markup-compatibility/2006" xmlns:mv="urn:schemas-microsoft-com:mac:vml" xmlns:p="http://schemas.openxmlformats.org/presentationml/2006/main" xmlns:c="http://schemas.openxmlformats.org/drawingml/2006/chart" xmlns:dgm="http://schemas.openxmlformats.org/drawingml/2006/diagram" xmlns:o="urn:schemas-microsoft-com:office:office" xmlns:v="urn:schemas-microsoft-com:vml" xmlns:pvml="urn:schemas-microsoft-com:office:powerpoint" xmlns:com="http://schemas.openxmlformats.org/drawingml/2006/compatibility" xmlns:p14="http://schemas.microsoft.com/office/powerpoint/2010/main" xmlns:p15="http://schemas.microsoft.com/office/powerpoint/2012/main" xmlns:ahyp="http://schemas.microsoft.com/office/drawing/2018/hyperlinkcolor" showMasterPhAnim="0" showMasterSp="0">
+<file path=ppt/notesSlides/notesSlide7.xml><?xml version="1.0" encoding="utf-8"?>
+<p:notes xmlns:a="http://schemas.openxmlformats.org/drawingml/2006/main" xmlns:r="http://schemas.openxmlformats.org/officeDocument/2006/relationships" xmlns:p="http://schemas.openxmlformats.org/presentationml/2006/main" showMasterSp="0" showMasterPhAnim="0">
   <p:cSld>
     <p:spTree>
       <p:nvGrpSpPr>
-        <p:cNvPr id="95" name="Shape 95"/>
+        <p:cNvPr id="1" name="Shape 89"/>
         <p:cNvGrpSpPr/>
         <p:nvPr/>
       </p:nvGrpSpPr>
@@ -2306,10 +2407,12 @@
       </p:grpSpPr>
       <p:sp>
         <p:nvSpPr>
-          <p:cNvPr id="96" name="Google Shape;96;g294cc789653_0_37:notes"/>
-          <p:cNvSpPr/>
+          <p:cNvPr id="90" name="Google Shape;90;g294cc789653_0_28:notes"/>
+          <p:cNvSpPr>
+            <a:spLocks noGrp="1" noRot="1" noChangeAspect="1"/>
+          </p:cNvSpPr>
           <p:nvPr>
-            <p:ph idx="2" type="sldImg"/>
+            <p:ph type="sldImg" idx="2"/>
           </p:nvPr>
         </p:nvSpPr>
         <p:spPr>
@@ -2318,9 +2421,13 @@
             <a:ext cx="6096000" cy="3429000"/>
           </a:xfrm>
           <a:custGeom>
-            <a:rect b="b" l="l" r="r" t="t"/>
+            <a:avLst/>
+            <a:gdLst/>
+            <a:ahLst/>
+            <a:cxnLst/>
+            <a:rect l="l" t="t" r="r" b="b"/>
             <a:pathLst>
-              <a:path extrusionOk="0" h="120000" w="120000">
+              <a:path w="120000" h="120000" extrusionOk="0">
                 <a:moveTo>
                   <a:pt x="0" y="0"/>
                 </a:moveTo>
@@ -2341,10 +2448,12 @@
       </p:sp>
       <p:sp>
         <p:nvSpPr>
-          <p:cNvPr id="97" name="Google Shape;97;g294cc789653_0_37:notes"/>
-          <p:cNvSpPr txBox="1"/>
+          <p:cNvPr id="91" name="Google Shape;91;g294cc789653_0_28:notes"/>
+          <p:cNvSpPr txBox="1">
+            <a:spLocks noGrp="1"/>
+          </p:cNvSpPr>
           <p:nvPr>
-            <p:ph idx="1" type="body"/>
+            <p:ph type="body" idx="1"/>
           </p:nvPr>
         </p:nvSpPr>
         <p:spPr>
@@ -2357,12 +2466,12 @@
           </a:prstGeom>
         </p:spPr>
         <p:txBody>
-          <a:bodyPr anchorCtr="0" anchor="t" bIns="91425" lIns="91425" spcFirstLastPara="1" rIns="91425" wrap="square" tIns="91425">
+          <a:bodyPr spcFirstLastPara="1" wrap="square" lIns="91425" tIns="91425" rIns="91425" bIns="91425" anchor="t" anchorCtr="0">
             <a:noAutofit/>
           </a:bodyPr>
           <a:lstStyle/>
           <a:p>
-            <a:pPr indent="0" lvl="0" marL="0" rtl="0" algn="l">
+            <a:pPr marL="0" lvl="0" indent="0" algn="l" rtl="0">
               <a:spcBef>
                 <a:spcPts val="0"/>
               </a:spcBef>
@@ -2371,9 +2480,6 @@
               </a:spcAft>
               <a:buNone/>
             </a:pPr>
-            <a:r>
-              <a:t/>
-            </a:r>
             <a:endParaRPr/>
           </a:p>
         </p:txBody>
@@ -2386,12 +2492,12 @@
 </p:notes>
 </file>
 
-<file path=ppt/notesSlides/notesSlide9.xml><?xml version="1.0" encoding="utf-8"?>
-<p:notes xmlns:a="http://schemas.openxmlformats.org/drawingml/2006/main" xmlns:r="http://schemas.openxmlformats.org/officeDocument/2006/relationships" xmlns:mc="http://schemas.openxmlformats.org/markup-compatibility/2006" xmlns:mv="urn:schemas-microsoft-com:mac:vml" xmlns:p="http://schemas.openxmlformats.org/presentationml/2006/main" xmlns:c="http://schemas.openxmlformats.org/drawingml/2006/chart" xmlns:dgm="http://schemas.openxmlformats.org/drawingml/2006/diagram" xmlns:o="urn:schemas-microsoft-com:office:office" xmlns:v="urn:schemas-microsoft-com:vml" xmlns:pvml="urn:schemas-microsoft-com:office:powerpoint" xmlns:com="http://schemas.openxmlformats.org/drawingml/2006/compatibility" xmlns:p14="http://schemas.microsoft.com/office/powerpoint/2010/main" xmlns:p15="http://schemas.microsoft.com/office/powerpoint/2012/main" xmlns:ahyp="http://schemas.microsoft.com/office/drawing/2018/hyperlinkcolor" showMasterPhAnim="0" showMasterSp="0">
+<file path=ppt/notesSlides/notesSlide8.xml><?xml version="1.0" encoding="utf-8"?>
+<p:notes xmlns:a="http://schemas.openxmlformats.org/drawingml/2006/main" xmlns:r="http://schemas.openxmlformats.org/officeDocument/2006/relationships" xmlns:p="http://schemas.openxmlformats.org/presentationml/2006/main" showMasterSp="0" showMasterPhAnim="0">
   <p:cSld>
     <p:spTree>
       <p:nvGrpSpPr>
-        <p:cNvPr id="102" name="Shape 102"/>
+        <p:cNvPr id="1" name="Shape 95"/>
         <p:cNvGrpSpPr/>
         <p:nvPr/>
       </p:nvGrpSpPr>
@@ -2405,10 +2511,12 @@
       </p:grpSpPr>
       <p:sp>
         <p:nvSpPr>
-          <p:cNvPr id="103" name="Google Shape;103;g294cc789653_0_42:notes"/>
-          <p:cNvSpPr/>
+          <p:cNvPr id="96" name="Google Shape;96;g294cc789653_0_37:notes"/>
+          <p:cNvSpPr>
+            <a:spLocks noGrp="1" noRot="1" noChangeAspect="1"/>
+          </p:cNvSpPr>
           <p:nvPr>
-            <p:ph idx="2" type="sldImg"/>
+            <p:ph type="sldImg" idx="2"/>
           </p:nvPr>
         </p:nvSpPr>
         <p:spPr>
@@ -2417,9 +2525,13 @@
             <a:ext cx="6096000" cy="3429000"/>
           </a:xfrm>
           <a:custGeom>
-            <a:rect b="b" l="l" r="r" t="t"/>
+            <a:avLst/>
+            <a:gdLst/>
+            <a:ahLst/>
+            <a:cxnLst/>
+            <a:rect l="l" t="t" r="r" b="b"/>
             <a:pathLst>
-              <a:path extrusionOk="0" h="120000" w="120000">
+              <a:path w="120000" h="120000" extrusionOk="0">
                 <a:moveTo>
                   <a:pt x="0" y="0"/>
                 </a:moveTo>
@@ -2440,10 +2552,12 @@
       </p:sp>
       <p:sp>
         <p:nvSpPr>
-          <p:cNvPr id="104" name="Google Shape;104;g294cc789653_0_42:notes"/>
-          <p:cNvSpPr txBox="1"/>
+          <p:cNvPr id="97" name="Google Shape;97;g294cc789653_0_37:notes"/>
+          <p:cNvSpPr txBox="1">
+            <a:spLocks noGrp="1"/>
+          </p:cNvSpPr>
           <p:nvPr>
-            <p:ph idx="1" type="body"/>
+            <p:ph type="body" idx="1"/>
           </p:nvPr>
         </p:nvSpPr>
         <p:spPr>
@@ -2456,12 +2570,12 @@
           </a:prstGeom>
         </p:spPr>
         <p:txBody>
-          <a:bodyPr anchorCtr="0" anchor="t" bIns="91425" lIns="91425" spcFirstLastPara="1" rIns="91425" wrap="square" tIns="91425">
+          <a:bodyPr spcFirstLastPara="1" wrap="square" lIns="91425" tIns="91425" rIns="91425" bIns="91425" anchor="t" anchorCtr="0">
             <a:noAutofit/>
           </a:bodyPr>
           <a:lstStyle/>
           <a:p>
-            <a:pPr indent="0" lvl="0" marL="0" rtl="0" algn="l">
+            <a:pPr marL="0" lvl="0" indent="0" algn="l" rtl="0">
               <a:spcBef>
                 <a:spcPts val="0"/>
               </a:spcBef>
@@ -2470,9 +2584,110 @@
               </a:spcAft>
               <a:buNone/>
             </a:pPr>
-            <a:r>
-              <a:t/>
-            </a:r>
+            <a:endParaRPr/>
+          </a:p>
+        </p:txBody>
+      </p:sp>
+    </p:spTree>
+  </p:cSld>
+  <p:clrMapOvr>
+    <a:masterClrMapping/>
+  </p:clrMapOvr>
+</p:notes>
+</file>
+
+<file path=ppt/notesSlides/notesSlide9.xml><?xml version="1.0" encoding="utf-8"?>
+<p:notes xmlns:a="http://schemas.openxmlformats.org/drawingml/2006/main" xmlns:r="http://schemas.openxmlformats.org/officeDocument/2006/relationships" xmlns:p="http://schemas.openxmlformats.org/presentationml/2006/main" showMasterSp="0" showMasterPhAnim="0">
+  <p:cSld>
+    <p:spTree>
+      <p:nvGrpSpPr>
+        <p:cNvPr id="1" name="Shape 102"/>
+        <p:cNvGrpSpPr/>
+        <p:nvPr/>
+      </p:nvGrpSpPr>
+      <p:grpSpPr>
+        <a:xfrm>
+          <a:off x="0" y="0"/>
+          <a:ext cx="0" cy="0"/>
+          <a:chOff x="0" y="0"/>
+          <a:chExt cx="0" cy="0"/>
+        </a:xfrm>
+      </p:grpSpPr>
+      <p:sp>
+        <p:nvSpPr>
+          <p:cNvPr id="103" name="Google Shape;103;g294cc789653_0_42:notes"/>
+          <p:cNvSpPr>
+            <a:spLocks noGrp="1" noRot="1" noChangeAspect="1"/>
+          </p:cNvSpPr>
+          <p:nvPr>
+            <p:ph type="sldImg" idx="2"/>
+          </p:nvPr>
+        </p:nvSpPr>
+        <p:spPr>
+          <a:xfrm>
+            <a:off x="381300" y="685800"/>
+            <a:ext cx="6096000" cy="3429000"/>
+          </a:xfrm>
+          <a:custGeom>
+            <a:avLst/>
+            <a:gdLst/>
+            <a:ahLst/>
+            <a:cxnLst/>
+            <a:rect l="l" t="t" r="r" b="b"/>
+            <a:pathLst>
+              <a:path w="120000" h="120000" extrusionOk="0">
+                <a:moveTo>
+                  <a:pt x="0" y="0"/>
+                </a:moveTo>
+                <a:lnTo>
+                  <a:pt x="120000" y="0"/>
+                </a:lnTo>
+                <a:lnTo>
+                  <a:pt x="120000" y="120000"/>
+                </a:lnTo>
+                <a:lnTo>
+                  <a:pt x="0" y="120000"/>
+                </a:lnTo>
+                <a:close/>
+              </a:path>
+            </a:pathLst>
+          </a:custGeom>
+        </p:spPr>
+      </p:sp>
+      <p:sp>
+        <p:nvSpPr>
+          <p:cNvPr id="104" name="Google Shape;104;g294cc789653_0_42:notes"/>
+          <p:cNvSpPr txBox="1">
+            <a:spLocks noGrp="1"/>
+          </p:cNvSpPr>
+          <p:nvPr>
+            <p:ph type="body" idx="1"/>
+          </p:nvPr>
+        </p:nvSpPr>
+        <p:spPr>
+          <a:xfrm>
+            <a:off x="685800" y="4343400"/>
+            <a:ext cx="5486400" cy="4114800"/>
+          </a:xfrm>
+          <a:prstGeom prst="rect">
+            <a:avLst/>
+          </a:prstGeom>
+        </p:spPr>
+        <p:txBody>
+          <a:bodyPr spcFirstLastPara="1" wrap="square" lIns="91425" tIns="91425" rIns="91425" bIns="91425" anchor="t" anchorCtr="0">
+            <a:noAutofit/>
+          </a:bodyPr>
+          <a:lstStyle/>
+          <a:p>
+            <a:pPr marL="0" lvl="0" indent="0" algn="l" rtl="0">
+              <a:spcBef>
+                <a:spcPts val="0"/>
+              </a:spcBef>
+              <a:spcAft>
+                <a:spcPts val="0"/>
+              </a:spcAft>
+              <a:buNone/>
+            </a:pPr>
             <a:endParaRPr/>
           </a:p>
         </p:txBody>
@@ -2486,11 +2701,11 @@
 </file>
 
 <file path=ppt/slideLayouts/slideLayout1.xml><?xml version="1.0" encoding="utf-8"?>
-<p:sldLayout xmlns:a="http://schemas.openxmlformats.org/drawingml/2006/main" xmlns:r="http://schemas.openxmlformats.org/officeDocument/2006/relationships" xmlns:mc="http://schemas.openxmlformats.org/markup-compatibility/2006" xmlns:mv="urn:schemas-microsoft-com:mac:vml" xmlns:p="http://schemas.openxmlformats.org/presentationml/2006/main" xmlns:c="http://schemas.openxmlformats.org/drawingml/2006/chart" xmlns:dgm="http://schemas.openxmlformats.org/drawingml/2006/diagram" xmlns:o="urn:schemas-microsoft-com:office:office" xmlns:v="urn:schemas-microsoft-com:vml" xmlns:pvml="urn:schemas-microsoft-com:office:powerpoint" xmlns:com="http://schemas.openxmlformats.org/drawingml/2006/compatibility" xmlns:p14="http://schemas.microsoft.com/office/powerpoint/2010/main" xmlns:p15="http://schemas.microsoft.com/office/powerpoint/2012/main" xmlns:ahyp="http://schemas.microsoft.com/office/drawing/2018/hyperlinkcolor" matchingName="Title slide" type="title">
+<p:sldLayout xmlns:a="http://schemas.openxmlformats.org/drawingml/2006/main" xmlns:r="http://schemas.openxmlformats.org/officeDocument/2006/relationships" xmlns:p="http://schemas.openxmlformats.org/presentationml/2006/main" matchingName="Title slide" type="title">
   <p:cSld name="TITLE">
     <p:spTree>
       <p:nvGrpSpPr>
-        <p:cNvPr id="9" name="Shape 9"/>
+        <p:cNvPr id="1" name="Shape 9"/>
         <p:cNvGrpSpPr/>
         <p:nvPr/>
       </p:nvGrpSpPr>
@@ -2505,7 +2720,9 @@
       <p:sp>
         <p:nvSpPr>
           <p:cNvPr id="10" name="Google Shape;10;p2"/>
-          <p:cNvSpPr txBox="1"/>
+          <p:cNvSpPr txBox="1">
+            <a:spLocks noGrp="1"/>
+          </p:cNvSpPr>
           <p:nvPr>
             <p:ph type="ctrTitle"/>
           </p:nvPr>
@@ -2520,7 +2737,7 @@
           </a:prstGeom>
         </p:spPr>
         <p:txBody>
-          <a:bodyPr anchorCtr="0" anchor="b" bIns="91425" lIns="91425" spcFirstLastPara="1" rIns="91425" wrap="square" tIns="91425">
+          <a:bodyPr spcFirstLastPara="1" wrap="square" lIns="91425" tIns="91425" rIns="91425" bIns="91425" anchor="b" anchorCtr="0">
             <a:normAutofit/>
           </a:bodyPr>
           <a:lstStyle>
@@ -2624,15 +2841,19 @@
               <a:defRPr sz="5200"/>
             </a:lvl9pPr>
           </a:lstStyle>
-          <a:p/>
+          <a:p>
+            <a:endParaRPr/>
+          </a:p>
         </p:txBody>
       </p:sp>
       <p:sp>
         <p:nvSpPr>
           <p:cNvPr id="11" name="Google Shape;11;p2"/>
-          <p:cNvSpPr txBox="1"/>
+          <p:cNvSpPr txBox="1">
+            <a:spLocks noGrp="1"/>
+          </p:cNvSpPr>
           <p:nvPr>
-            <p:ph idx="1" type="subTitle"/>
+            <p:ph type="subTitle" idx="1"/>
           </p:nvPr>
         </p:nvSpPr>
         <p:spPr>
@@ -2645,7 +2866,7 @@
           </a:prstGeom>
         </p:spPr>
         <p:txBody>
-          <a:bodyPr anchorCtr="0" anchor="t" bIns="91425" lIns="91425" spcFirstLastPara="1" rIns="91425" wrap="square" tIns="91425">
+          <a:bodyPr spcFirstLastPara="1" wrap="square" lIns="91425" tIns="91425" rIns="91425" bIns="91425" anchor="t" anchorCtr="0">
             <a:normAutofit/>
           </a:bodyPr>
           <a:lstStyle>
@@ -2776,15 +2997,19 @@
               <a:defRPr sz="2800"/>
             </a:lvl9pPr>
           </a:lstStyle>
-          <a:p/>
+          <a:p>
+            <a:endParaRPr/>
+          </a:p>
         </p:txBody>
       </p:sp>
       <p:sp>
         <p:nvSpPr>
           <p:cNvPr id="12" name="Google Shape;12;p2"/>
-          <p:cNvSpPr txBox="1"/>
+          <p:cNvSpPr txBox="1">
+            <a:spLocks noGrp="1"/>
+          </p:cNvSpPr>
           <p:nvPr>
-            <p:ph idx="12" type="sldNum"/>
+            <p:ph type="sldNum" idx="12"/>
           </p:nvPr>
         </p:nvSpPr>
         <p:spPr>
@@ -2797,7 +3022,7 @@
           </a:prstGeom>
         </p:spPr>
         <p:txBody>
-          <a:bodyPr anchorCtr="0" anchor="ctr" bIns="91425" lIns="91425" spcFirstLastPara="1" rIns="91425" wrap="square" tIns="91425">
+          <a:bodyPr spcFirstLastPara="1" wrap="square" lIns="91425" tIns="91425" rIns="91425" bIns="91425" anchor="ctr" anchorCtr="0">
             <a:normAutofit/>
           </a:bodyPr>
           <a:lstStyle>
@@ -2839,7 +3064,7 @@
             </a:lvl9pPr>
           </a:lstStyle>
           <a:p>
-            <a:pPr indent="0" lvl="0" marL="0" rtl="0" algn="r">
+            <a:pPr marL="0" lvl="0" indent="0" algn="r" rtl="0">
               <a:spcBef>
                 <a:spcPts val="0"/>
               </a:spcBef>
@@ -2865,11 +3090,11 @@
 </file>
 
 <file path=ppt/slideLayouts/slideLayout10.xml><?xml version="1.0" encoding="utf-8"?>
-<p:sldLayout xmlns:a="http://schemas.openxmlformats.org/drawingml/2006/main" xmlns:r="http://schemas.openxmlformats.org/officeDocument/2006/relationships" xmlns:mc="http://schemas.openxmlformats.org/markup-compatibility/2006" xmlns:mv="urn:schemas-microsoft-com:mac:vml" xmlns:p="http://schemas.openxmlformats.org/presentationml/2006/main" xmlns:c="http://schemas.openxmlformats.org/drawingml/2006/chart" xmlns:dgm="http://schemas.openxmlformats.org/drawingml/2006/diagram" xmlns:o="urn:schemas-microsoft-com:office:office" xmlns:v="urn:schemas-microsoft-com:vml" xmlns:pvml="urn:schemas-microsoft-com:office:powerpoint" xmlns:com="http://schemas.openxmlformats.org/drawingml/2006/compatibility" xmlns:p14="http://schemas.microsoft.com/office/powerpoint/2010/main" xmlns:p15="http://schemas.microsoft.com/office/powerpoint/2012/main" xmlns:ahyp="http://schemas.microsoft.com/office/drawing/2018/hyperlinkcolor" matchingName="Big number">
+<p:sldLayout xmlns:a="http://schemas.openxmlformats.org/drawingml/2006/main" xmlns:r="http://schemas.openxmlformats.org/officeDocument/2006/relationships" xmlns:p="http://schemas.openxmlformats.org/presentationml/2006/main" matchingName="Big number">
   <p:cSld name="BIG_NUMBER">
     <p:spTree>
       <p:nvGrpSpPr>
-        <p:cNvPr id="44" name="Shape 44"/>
+        <p:cNvPr id="1" name="Shape 44"/>
         <p:cNvGrpSpPr/>
         <p:nvPr/>
       </p:nvGrpSpPr>
@@ -2884,9 +3109,11 @@
       <p:sp>
         <p:nvSpPr>
           <p:cNvPr id="45" name="Google Shape;45;p11"/>
-          <p:cNvSpPr txBox="1"/>
+          <p:cNvSpPr txBox="1">
+            <a:spLocks noGrp="1"/>
+          </p:cNvSpPr>
           <p:nvPr>
-            <p:ph hasCustomPrompt="1" type="title"/>
+            <p:ph type="title" hasCustomPrompt="1"/>
           </p:nvPr>
         </p:nvSpPr>
         <p:spPr>
@@ -2899,7 +3126,7 @@
           </a:prstGeom>
         </p:spPr>
         <p:txBody>
-          <a:bodyPr anchorCtr="0" anchor="b" bIns="91425" lIns="91425" spcFirstLastPara="1" rIns="91425" wrap="square" tIns="91425">
+          <a:bodyPr spcFirstLastPara="1" wrap="square" lIns="91425" tIns="91425" rIns="91425" bIns="91425" anchor="b" anchorCtr="0">
             <a:normAutofit/>
           </a:bodyPr>
           <a:lstStyle>
@@ -3013,9 +3240,11 @@
       <p:sp>
         <p:nvSpPr>
           <p:cNvPr id="46" name="Google Shape;46;p11"/>
-          <p:cNvSpPr txBox="1"/>
+          <p:cNvSpPr txBox="1">
+            <a:spLocks noGrp="1"/>
+          </p:cNvSpPr>
           <p:nvPr>
-            <p:ph idx="1" type="body"/>
+            <p:ph type="body" idx="1"/>
           </p:nvPr>
         </p:nvSpPr>
         <p:spPr>
@@ -3028,11 +3257,11 @@
           </a:prstGeom>
         </p:spPr>
         <p:txBody>
-          <a:bodyPr anchorCtr="0" anchor="t" bIns="91425" lIns="91425" spcFirstLastPara="1" rIns="91425" wrap="square" tIns="91425">
+          <a:bodyPr spcFirstLastPara="1" wrap="square" lIns="91425" tIns="91425" rIns="91425" bIns="91425" anchor="t" anchorCtr="0">
             <a:normAutofit/>
           </a:bodyPr>
           <a:lstStyle>
-            <a:lvl1pPr indent="-342900" lvl="0" marL="457200" algn="ctr">
+            <a:lvl1pPr marL="457200" lvl="0" indent="-342900" algn="ctr">
               <a:spcBef>
                 <a:spcPts val="0"/>
               </a:spcBef>
@@ -3043,7 +3272,7 @@
               <a:buChar char="●"/>
               <a:defRPr/>
             </a:lvl1pPr>
-            <a:lvl2pPr indent="-317500" lvl="1" marL="914400" algn="ctr">
+            <a:lvl2pPr marL="914400" lvl="1" indent="-317500" algn="ctr">
               <a:spcBef>
                 <a:spcPts val="0"/>
               </a:spcBef>
@@ -3054,7 +3283,7 @@
               <a:buChar char="○"/>
               <a:defRPr/>
             </a:lvl2pPr>
-            <a:lvl3pPr indent="-317500" lvl="2" marL="1371600" algn="ctr">
+            <a:lvl3pPr marL="1371600" lvl="2" indent="-317500" algn="ctr">
               <a:spcBef>
                 <a:spcPts val="0"/>
               </a:spcBef>
@@ -3065,7 +3294,7 @@
               <a:buChar char="■"/>
               <a:defRPr/>
             </a:lvl3pPr>
-            <a:lvl4pPr indent="-317500" lvl="3" marL="1828800" algn="ctr">
+            <a:lvl4pPr marL="1828800" lvl="3" indent="-317500" algn="ctr">
               <a:spcBef>
                 <a:spcPts val="0"/>
               </a:spcBef>
@@ -3076,7 +3305,7 @@
               <a:buChar char="●"/>
               <a:defRPr/>
             </a:lvl4pPr>
-            <a:lvl5pPr indent="-317500" lvl="4" marL="2286000" algn="ctr">
+            <a:lvl5pPr marL="2286000" lvl="4" indent="-317500" algn="ctr">
               <a:spcBef>
                 <a:spcPts val="0"/>
               </a:spcBef>
@@ -3087,7 +3316,7 @@
               <a:buChar char="○"/>
               <a:defRPr/>
             </a:lvl5pPr>
-            <a:lvl6pPr indent="-317500" lvl="5" marL="2743200" algn="ctr">
+            <a:lvl6pPr marL="2743200" lvl="5" indent="-317500" algn="ctr">
               <a:spcBef>
                 <a:spcPts val="0"/>
               </a:spcBef>
@@ -3098,7 +3327,7 @@
               <a:buChar char="■"/>
               <a:defRPr/>
             </a:lvl6pPr>
-            <a:lvl7pPr indent="-317500" lvl="6" marL="3200400" algn="ctr">
+            <a:lvl7pPr marL="3200400" lvl="6" indent="-317500" algn="ctr">
               <a:spcBef>
                 <a:spcPts val="0"/>
               </a:spcBef>
@@ -3109,7 +3338,7 @@
               <a:buChar char="●"/>
               <a:defRPr/>
             </a:lvl7pPr>
-            <a:lvl8pPr indent="-317500" lvl="7" marL="3657600" algn="ctr">
+            <a:lvl8pPr marL="3657600" lvl="7" indent="-317500" algn="ctr">
               <a:spcBef>
                 <a:spcPts val="0"/>
               </a:spcBef>
@@ -3120,7 +3349,7 @@
               <a:buChar char="○"/>
               <a:defRPr/>
             </a:lvl8pPr>
-            <a:lvl9pPr indent="-317500" lvl="8" marL="4114800" algn="ctr">
+            <a:lvl9pPr marL="4114800" lvl="8" indent="-317500" algn="ctr">
               <a:spcBef>
                 <a:spcPts val="0"/>
               </a:spcBef>
@@ -3132,15 +3361,19 @@
               <a:defRPr/>
             </a:lvl9pPr>
           </a:lstStyle>
-          <a:p/>
+          <a:p>
+            <a:endParaRPr/>
+          </a:p>
         </p:txBody>
       </p:sp>
       <p:sp>
         <p:nvSpPr>
           <p:cNvPr id="47" name="Google Shape;47;p11"/>
-          <p:cNvSpPr txBox="1"/>
+          <p:cNvSpPr txBox="1">
+            <a:spLocks noGrp="1"/>
+          </p:cNvSpPr>
           <p:nvPr>
-            <p:ph idx="12" type="sldNum"/>
+            <p:ph type="sldNum" idx="12"/>
           </p:nvPr>
         </p:nvSpPr>
         <p:spPr>
@@ -3153,7 +3386,7 @@
           </a:prstGeom>
         </p:spPr>
         <p:txBody>
-          <a:bodyPr anchorCtr="0" anchor="ctr" bIns="91425" lIns="91425" spcFirstLastPara="1" rIns="91425" wrap="square" tIns="91425">
+          <a:bodyPr spcFirstLastPara="1" wrap="square" lIns="91425" tIns="91425" rIns="91425" bIns="91425" anchor="ctr" anchorCtr="0">
             <a:normAutofit/>
           </a:bodyPr>
           <a:lstStyle>
@@ -3195,7 +3428,7 @@
             </a:lvl9pPr>
           </a:lstStyle>
           <a:p>
-            <a:pPr indent="0" lvl="0" marL="0" rtl="0" algn="r">
+            <a:pPr marL="0" lvl="0" indent="0" algn="r" rtl="0">
               <a:spcBef>
                 <a:spcPts val="0"/>
               </a:spcBef>
@@ -3221,11 +3454,11 @@
 </file>
 
 <file path=ppt/slideLayouts/slideLayout11.xml><?xml version="1.0" encoding="utf-8"?>
-<p:sldLayout xmlns:a="http://schemas.openxmlformats.org/drawingml/2006/main" xmlns:r="http://schemas.openxmlformats.org/officeDocument/2006/relationships" xmlns:mc="http://schemas.openxmlformats.org/markup-compatibility/2006" xmlns:mv="urn:schemas-microsoft-com:mac:vml" xmlns:p="http://schemas.openxmlformats.org/presentationml/2006/main" xmlns:c="http://schemas.openxmlformats.org/drawingml/2006/chart" xmlns:dgm="http://schemas.openxmlformats.org/drawingml/2006/diagram" xmlns:o="urn:schemas-microsoft-com:office:office" xmlns:v="urn:schemas-microsoft-com:vml" xmlns:pvml="urn:schemas-microsoft-com:office:powerpoint" xmlns:com="http://schemas.openxmlformats.org/drawingml/2006/compatibility" xmlns:p14="http://schemas.microsoft.com/office/powerpoint/2010/main" xmlns:p15="http://schemas.microsoft.com/office/powerpoint/2012/main" xmlns:ahyp="http://schemas.microsoft.com/office/drawing/2018/hyperlinkcolor" matchingName="Blank" type="blank">
+<p:sldLayout xmlns:a="http://schemas.openxmlformats.org/drawingml/2006/main" xmlns:r="http://schemas.openxmlformats.org/officeDocument/2006/relationships" xmlns:p="http://schemas.openxmlformats.org/presentationml/2006/main" matchingName="Blank" type="blank">
   <p:cSld name="BLANK">
     <p:spTree>
       <p:nvGrpSpPr>
-        <p:cNvPr id="48" name="Shape 48"/>
+        <p:cNvPr id="1" name="Shape 48"/>
         <p:cNvGrpSpPr/>
         <p:nvPr/>
       </p:nvGrpSpPr>
@@ -3240,9 +3473,11 @@
       <p:sp>
         <p:nvSpPr>
           <p:cNvPr id="49" name="Google Shape;49;p12"/>
-          <p:cNvSpPr txBox="1"/>
+          <p:cNvSpPr txBox="1">
+            <a:spLocks noGrp="1"/>
+          </p:cNvSpPr>
           <p:nvPr>
-            <p:ph idx="12" type="sldNum"/>
+            <p:ph type="sldNum" idx="12"/>
           </p:nvPr>
         </p:nvSpPr>
         <p:spPr>
@@ -3255,7 +3490,7 @@
           </a:prstGeom>
         </p:spPr>
         <p:txBody>
-          <a:bodyPr anchorCtr="0" anchor="ctr" bIns="91425" lIns="91425" spcFirstLastPara="1" rIns="91425" wrap="square" tIns="91425">
+          <a:bodyPr spcFirstLastPara="1" wrap="square" lIns="91425" tIns="91425" rIns="91425" bIns="91425" anchor="ctr" anchorCtr="0">
             <a:normAutofit/>
           </a:bodyPr>
           <a:lstStyle>
@@ -3297,7 +3532,7 @@
             </a:lvl9pPr>
           </a:lstStyle>
           <a:p>
-            <a:pPr indent="0" lvl="0" marL="0" rtl="0" algn="r">
+            <a:pPr marL="0" lvl="0" indent="0" algn="r" rtl="0">
               <a:spcBef>
                 <a:spcPts val="0"/>
               </a:spcBef>
@@ -3323,11 +3558,11 @@
 </file>
 
 <file path=ppt/slideLayouts/slideLayout2.xml><?xml version="1.0" encoding="utf-8"?>
-<p:sldLayout xmlns:a="http://schemas.openxmlformats.org/drawingml/2006/main" xmlns:r="http://schemas.openxmlformats.org/officeDocument/2006/relationships" xmlns:mc="http://schemas.openxmlformats.org/markup-compatibility/2006" xmlns:mv="urn:schemas-microsoft-com:mac:vml" xmlns:p="http://schemas.openxmlformats.org/presentationml/2006/main" xmlns:c="http://schemas.openxmlformats.org/drawingml/2006/chart" xmlns:dgm="http://schemas.openxmlformats.org/drawingml/2006/diagram" xmlns:o="urn:schemas-microsoft-com:office:office" xmlns:v="urn:schemas-microsoft-com:vml" xmlns:pvml="urn:schemas-microsoft-com:office:powerpoint" xmlns:com="http://schemas.openxmlformats.org/drawingml/2006/compatibility" xmlns:p14="http://schemas.microsoft.com/office/powerpoint/2010/main" xmlns:p15="http://schemas.microsoft.com/office/powerpoint/2012/main" xmlns:ahyp="http://schemas.microsoft.com/office/drawing/2018/hyperlinkcolor" matchingName="Section header" type="secHead">
+<p:sldLayout xmlns:a="http://schemas.openxmlformats.org/drawingml/2006/main" xmlns:r="http://schemas.openxmlformats.org/officeDocument/2006/relationships" xmlns:p="http://schemas.openxmlformats.org/presentationml/2006/main" matchingName="Section header" type="secHead">
   <p:cSld name="SECTION_HEADER">
     <p:spTree>
       <p:nvGrpSpPr>
-        <p:cNvPr id="13" name="Shape 13"/>
+        <p:cNvPr id="1" name="Shape 13"/>
         <p:cNvGrpSpPr/>
         <p:nvPr/>
       </p:nvGrpSpPr>
@@ -3342,7 +3577,9 @@
       <p:sp>
         <p:nvSpPr>
           <p:cNvPr id="14" name="Google Shape;14;p3"/>
-          <p:cNvSpPr txBox="1"/>
+          <p:cNvSpPr txBox="1">
+            <a:spLocks noGrp="1"/>
+          </p:cNvSpPr>
           <p:nvPr>
             <p:ph type="title"/>
           </p:nvPr>
@@ -3357,7 +3594,7 @@
           </a:prstGeom>
         </p:spPr>
         <p:txBody>
-          <a:bodyPr anchorCtr="0" anchor="ctr" bIns="91425" lIns="91425" spcFirstLastPara="1" rIns="91425" wrap="square" tIns="91425">
+          <a:bodyPr spcFirstLastPara="1" wrap="square" lIns="91425" tIns="91425" rIns="91425" bIns="91425" anchor="ctr" anchorCtr="0">
             <a:normAutofit/>
           </a:bodyPr>
           <a:lstStyle>
@@ -3461,15 +3698,19 @@
               <a:defRPr sz="3600"/>
             </a:lvl9pPr>
           </a:lstStyle>
-          <a:p/>
+          <a:p>
+            <a:endParaRPr/>
+          </a:p>
         </p:txBody>
       </p:sp>
       <p:sp>
         <p:nvSpPr>
           <p:cNvPr id="15" name="Google Shape;15;p3"/>
-          <p:cNvSpPr txBox="1"/>
+          <p:cNvSpPr txBox="1">
+            <a:spLocks noGrp="1"/>
+          </p:cNvSpPr>
           <p:nvPr>
-            <p:ph idx="12" type="sldNum"/>
+            <p:ph type="sldNum" idx="12"/>
           </p:nvPr>
         </p:nvSpPr>
         <p:spPr>
@@ -3482,7 +3723,7 @@
           </a:prstGeom>
         </p:spPr>
         <p:txBody>
-          <a:bodyPr anchorCtr="0" anchor="ctr" bIns="91425" lIns="91425" spcFirstLastPara="1" rIns="91425" wrap="square" tIns="91425">
+          <a:bodyPr spcFirstLastPara="1" wrap="square" lIns="91425" tIns="91425" rIns="91425" bIns="91425" anchor="ctr" anchorCtr="0">
             <a:normAutofit/>
           </a:bodyPr>
           <a:lstStyle>
@@ -3524,7 +3765,7 @@
             </a:lvl9pPr>
           </a:lstStyle>
           <a:p>
-            <a:pPr indent="0" lvl="0" marL="0" rtl="0" algn="r">
+            <a:pPr marL="0" lvl="0" indent="0" algn="r" rtl="0">
               <a:spcBef>
                 <a:spcPts val="0"/>
               </a:spcBef>
@@ -3550,11 +3791,11 @@
 </file>
 
 <file path=ppt/slideLayouts/slideLayout3.xml><?xml version="1.0" encoding="utf-8"?>
-<p:sldLayout xmlns:a="http://schemas.openxmlformats.org/drawingml/2006/main" xmlns:r="http://schemas.openxmlformats.org/officeDocument/2006/relationships" xmlns:mc="http://schemas.openxmlformats.org/markup-compatibility/2006" xmlns:mv="urn:schemas-microsoft-com:mac:vml" xmlns:p="http://schemas.openxmlformats.org/presentationml/2006/main" xmlns:c="http://schemas.openxmlformats.org/drawingml/2006/chart" xmlns:dgm="http://schemas.openxmlformats.org/drawingml/2006/diagram" xmlns:o="urn:schemas-microsoft-com:office:office" xmlns:v="urn:schemas-microsoft-com:vml" xmlns:pvml="urn:schemas-microsoft-com:office:powerpoint" xmlns:com="http://schemas.openxmlformats.org/drawingml/2006/compatibility" xmlns:p14="http://schemas.microsoft.com/office/powerpoint/2010/main" xmlns:p15="http://schemas.microsoft.com/office/powerpoint/2012/main" xmlns:ahyp="http://schemas.microsoft.com/office/drawing/2018/hyperlinkcolor" matchingName="Title and body" type="tx">
+<p:sldLayout xmlns:a="http://schemas.openxmlformats.org/drawingml/2006/main" xmlns:r="http://schemas.openxmlformats.org/officeDocument/2006/relationships" xmlns:p="http://schemas.openxmlformats.org/presentationml/2006/main" matchingName="Title and body" type="tx">
   <p:cSld name="TITLE_AND_BODY">
     <p:spTree>
       <p:nvGrpSpPr>
-        <p:cNvPr id="16" name="Shape 16"/>
+        <p:cNvPr id="1" name="Shape 16"/>
         <p:cNvGrpSpPr/>
         <p:nvPr/>
       </p:nvGrpSpPr>
@@ -3569,7 +3810,9 @@
       <p:sp>
         <p:nvSpPr>
           <p:cNvPr id="17" name="Google Shape;17;p4"/>
-          <p:cNvSpPr txBox="1"/>
+          <p:cNvSpPr txBox="1">
+            <a:spLocks noGrp="1"/>
+          </p:cNvSpPr>
           <p:nvPr>
             <p:ph type="title"/>
           </p:nvPr>
@@ -3584,7 +3827,7 @@
           </a:prstGeom>
         </p:spPr>
         <p:txBody>
-          <a:bodyPr anchorCtr="0" anchor="t" bIns="91425" lIns="91425" spcFirstLastPara="1" rIns="91425" wrap="square" tIns="91425">
+          <a:bodyPr spcFirstLastPara="1" wrap="square" lIns="91425" tIns="91425" rIns="91425" bIns="91425" anchor="t" anchorCtr="0">
             <a:normAutofit/>
           </a:bodyPr>
           <a:lstStyle>
@@ -3688,15 +3931,19 @@
               <a:defRPr/>
             </a:lvl9pPr>
           </a:lstStyle>
-          <a:p/>
+          <a:p>
+            <a:endParaRPr/>
+          </a:p>
         </p:txBody>
       </p:sp>
       <p:sp>
         <p:nvSpPr>
           <p:cNvPr id="18" name="Google Shape;18;p4"/>
-          <p:cNvSpPr txBox="1"/>
+          <p:cNvSpPr txBox="1">
+            <a:spLocks noGrp="1"/>
+          </p:cNvSpPr>
           <p:nvPr>
-            <p:ph idx="1" type="body"/>
+            <p:ph type="body" idx="1"/>
           </p:nvPr>
         </p:nvSpPr>
         <p:spPr>
@@ -3709,11 +3956,11 @@
           </a:prstGeom>
         </p:spPr>
         <p:txBody>
-          <a:bodyPr anchorCtr="0" anchor="t" bIns="91425" lIns="91425" spcFirstLastPara="1" rIns="91425" wrap="square" tIns="91425">
+          <a:bodyPr spcFirstLastPara="1" wrap="square" lIns="91425" tIns="91425" rIns="91425" bIns="91425" anchor="t" anchorCtr="0">
             <a:normAutofit/>
           </a:bodyPr>
           <a:lstStyle>
-            <a:lvl1pPr indent="-342900" lvl="0" marL="457200">
+            <a:lvl1pPr marL="457200" lvl="0" indent="-342900">
               <a:spcBef>
                 <a:spcPts val="0"/>
               </a:spcBef>
@@ -3724,7 +3971,7 @@
               <a:buChar char="●"/>
               <a:defRPr/>
             </a:lvl1pPr>
-            <a:lvl2pPr indent="-317500" lvl="1" marL="914400">
+            <a:lvl2pPr marL="914400" lvl="1" indent="-317500">
               <a:spcBef>
                 <a:spcPts val="0"/>
               </a:spcBef>
@@ -3735,7 +3982,7 @@
               <a:buChar char="○"/>
               <a:defRPr/>
             </a:lvl2pPr>
-            <a:lvl3pPr indent="-317500" lvl="2" marL="1371600">
+            <a:lvl3pPr marL="1371600" lvl="2" indent="-317500">
               <a:spcBef>
                 <a:spcPts val="0"/>
               </a:spcBef>
@@ -3746,7 +3993,7 @@
               <a:buChar char="■"/>
               <a:defRPr/>
             </a:lvl3pPr>
-            <a:lvl4pPr indent="-317500" lvl="3" marL="1828800">
+            <a:lvl4pPr marL="1828800" lvl="3" indent="-317500">
               <a:spcBef>
                 <a:spcPts val="0"/>
               </a:spcBef>
@@ -3757,7 +4004,7 @@
               <a:buChar char="●"/>
               <a:defRPr/>
             </a:lvl4pPr>
-            <a:lvl5pPr indent="-317500" lvl="4" marL="2286000">
+            <a:lvl5pPr marL="2286000" lvl="4" indent="-317500">
               <a:spcBef>
                 <a:spcPts val="0"/>
               </a:spcBef>
@@ -3768,7 +4015,7 @@
               <a:buChar char="○"/>
               <a:defRPr/>
             </a:lvl5pPr>
-            <a:lvl6pPr indent="-317500" lvl="5" marL="2743200">
+            <a:lvl6pPr marL="2743200" lvl="5" indent="-317500">
               <a:spcBef>
                 <a:spcPts val="0"/>
               </a:spcBef>
@@ -3779,7 +4026,7 @@
               <a:buChar char="■"/>
               <a:defRPr/>
             </a:lvl6pPr>
-            <a:lvl7pPr indent="-317500" lvl="6" marL="3200400">
+            <a:lvl7pPr marL="3200400" lvl="6" indent="-317500">
               <a:spcBef>
                 <a:spcPts val="0"/>
               </a:spcBef>
@@ -3790,7 +4037,7 @@
               <a:buChar char="●"/>
               <a:defRPr/>
             </a:lvl7pPr>
-            <a:lvl8pPr indent="-317500" lvl="7" marL="3657600">
+            <a:lvl8pPr marL="3657600" lvl="7" indent="-317500">
               <a:spcBef>
                 <a:spcPts val="0"/>
               </a:spcBef>
@@ -3801,7 +4048,7 @@
               <a:buChar char="○"/>
               <a:defRPr/>
             </a:lvl8pPr>
-            <a:lvl9pPr indent="-317500" lvl="8" marL="4114800">
+            <a:lvl9pPr marL="4114800" lvl="8" indent="-317500">
               <a:spcBef>
                 <a:spcPts val="0"/>
               </a:spcBef>
@@ -3813,15 +4060,19 @@
               <a:defRPr/>
             </a:lvl9pPr>
           </a:lstStyle>
-          <a:p/>
+          <a:p>
+            <a:endParaRPr/>
+          </a:p>
         </p:txBody>
       </p:sp>
       <p:sp>
         <p:nvSpPr>
           <p:cNvPr id="19" name="Google Shape;19;p4"/>
-          <p:cNvSpPr txBox="1"/>
+          <p:cNvSpPr txBox="1">
+            <a:spLocks noGrp="1"/>
+          </p:cNvSpPr>
           <p:nvPr>
-            <p:ph idx="12" type="sldNum"/>
+            <p:ph type="sldNum" idx="12"/>
           </p:nvPr>
         </p:nvSpPr>
         <p:spPr>
@@ -3834,7 +4085,7 @@
           </a:prstGeom>
         </p:spPr>
         <p:txBody>
-          <a:bodyPr anchorCtr="0" anchor="ctr" bIns="91425" lIns="91425" spcFirstLastPara="1" rIns="91425" wrap="square" tIns="91425">
+          <a:bodyPr spcFirstLastPara="1" wrap="square" lIns="91425" tIns="91425" rIns="91425" bIns="91425" anchor="ctr" anchorCtr="0">
             <a:normAutofit/>
           </a:bodyPr>
           <a:lstStyle>
@@ -3876,7 +4127,7 @@
             </a:lvl9pPr>
           </a:lstStyle>
           <a:p>
-            <a:pPr indent="0" lvl="0" marL="0" rtl="0" algn="r">
+            <a:pPr marL="0" lvl="0" indent="0" algn="r" rtl="0">
               <a:spcBef>
                 <a:spcPts val="0"/>
               </a:spcBef>
@@ -3902,11 +4153,11 @@
 </file>
 
 <file path=ppt/slideLayouts/slideLayout4.xml><?xml version="1.0" encoding="utf-8"?>
-<p:sldLayout xmlns:a="http://schemas.openxmlformats.org/drawingml/2006/main" xmlns:r="http://schemas.openxmlformats.org/officeDocument/2006/relationships" xmlns:mc="http://schemas.openxmlformats.org/markup-compatibility/2006" xmlns:mv="urn:schemas-microsoft-com:mac:vml" xmlns:p="http://schemas.openxmlformats.org/presentationml/2006/main" xmlns:c="http://schemas.openxmlformats.org/drawingml/2006/chart" xmlns:dgm="http://schemas.openxmlformats.org/drawingml/2006/diagram" xmlns:o="urn:schemas-microsoft-com:office:office" xmlns:v="urn:schemas-microsoft-com:vml" xmlns:pvml="urn:schemas-microsoft-com:office:powerpoint" xmlns:com="http://schemas.openxmlformats.org/drawingml/2006/compatibility" xmlns:p14="http://schemas.microsoft.com/office/powerpoint/2010/main" xmlns:p15="http://schemas.microsoft.com/office/powerpoint/2012/main" xmlns:ahyp="http://schemas.microsoft.com/office/drawing/2018/hyperlinkcolor" matchingName="Title and two columns" type="twoColTx">
+<p:sldLayout xmlns:a="http://schemas.openxmlformats.org/drawingml/2006/main" xmlns:r="http://schemas.openxmlformats.org/officeDocument/2006/relationships" xmlns:p="http://schemas.openxmlformats.org/presentationml/2006/main" matchingName="Title and two columns" type="twoColTx">
   <p:cSld name="TITLE_AND_TWO_COLUMNS">
     <p:spTree>
       <p:nvGrpSpPr>
-        <p:cNvPr id="20" name="Shape 20"/>
+        <p:cNvPr id="1" name="Shape 20"/>
         <p:cNvGrpSpPr/>
         <p:nvPr/>
       </p:nvGrpSpPr>
@@ -3921,7 +4172,9 @@
       <p:sp>
         <p:nvSpPr>
           <p:cNvPr id="21" name="Google Shape;21;p5"/>
-          <p:cNvSpPr txBox="1"/>
+          <p:cNvSpPr txBox="1">
+            <a:spLocks noGrp="1"/>
+          </p:cNvSpPr>
           <p:nvPr>
             <p:ph type="title"/>
           </p:nvPr>
@@ -3936,7 +4189,7 @@
           </a:prstGeom>
         </p:spPr>
         <p:txBody>
-          <a:bodyPr anchorCtr="0" anchor="t" bIns="91425" lIns="91425" spcFirstLastPara="1" rIns="91425" wrap="square" tIns="91425">
+          <a:bodyPr spcFirstLastPara="1" wrap="square" lIns="91425" tIns="91425" rIns="91425" bIns="91425" anchor="t" anchorCtr="0">
             <a:normAutofit/>
           </a:bodyPr>
           <a:lstStyle>
@@ -4040,15 +4293,19 @@
               <a:defRPr/>
             </a:lvl9pPr>
           </a:lstStyle>
-          <a:p/>
+          <a:p>
+            <a:endParaRPr/>
+          </a:p>
         </p:txBody>
       </p:sp>
       <p:sp>
         <p:nvSpPr>
           <p:cNvPr id="22" name="Google Shape;22;p5"/>
-          <p:cNvSpPr txBox="1"/>
+          <p:cNvSpPr txBox="1">
+            <a:spLocks noGrp="1"/>
+          </p:cNvSpPr>
           <p:nvPr>
-            <p:ph idx="1" type="body"/>
+            <p:ph type="body" idx="1"/>
           </p:nvPr>
         </p:nvSpPr>
         <p:spPr>
@@ -4061,11 +4318,11 @@
           </a:prstGeom>
         </p:spPr>
         <p:txBody>
-          <a:bodyPr anchorCtr="0" anchor="t" bIns="91425" lIns="91425" spcFirstLastPara="1" rIns="91425" wrap="square" tIns="91425">
+          <a:bodyPr spcFirstLastPara="1" wrap="square" lIns="91425" tIns="91425" rIns="91425" bIns="91425" anchor="t" anchorCtr="0">
             <a:normAutofit/>
           </a:bodyPr>
           <a:lstStyle>
-            <a:lvl1pPr indent="-317500" lvl="0" marL="457200">
+            <a:lvl1pPr marL="457200" lvl="0" indent="-317500">
               <a:spcBef>
                 <a:spcPts val="0"/>
               </a:spcBef>
@@ -4076,7 +4333,7 @@
               <a:buChar char="●"/>
               <a:defRPr sz="1400"/>
             </a:lvl1pPr>
-            <a:lvl2pPr indent="-304800" lvl="1" marL="914400">
+            <a:lvl2pPr marL="914400" lvl="1" indent="-304800">
               <a:spcBef>
                 <a:spcPts val="0"/>
               </a:spcBef>
@@ -4087,7 +4344,7 @@
               <a:buChar char="○"/>
               <a:defRPr sz="1200"/>
             </a:lvl2pPr>
-            <a:lvl3pPr indent="-304800" lvl="2" marL="1371600">
+            <a:lvl3pPr marL="1371600" lvl="2" indent="-304800">
               <a:spcBef>
                 <a:spcPts val="0"/>
               </a:spcBef>
@@ -4098,7 +4355,7 @@
               <a:buChar char="■"/>
               <a:defRPr sz="1200"/>
             </a:lvl3pPr>
-            <a:lvl4pPr indent="-304800" lvl="3" marL="1828800">
+            <a:lvl4pPr marL="1828800" lvl="3" indent="-304800">
               <a:spcBef>
                 <a:spcPts val="0"/>
               </a:spcBef>
@@ -4109,7 +4366,7 @@
               <a:buChar char="●"/>
               <a:defRPr sz="1200"/>
             </a:lvl4pPr>
-            <a:lvl5pPr indent="-304800" lvl="4" marL="2286000">
+            <a:lvl5pPr marL="2286000" lvl="4" indent="-304800">
               <a:spcBef>
                 <a:spcPts val="0"/>
               </a:spcBef>
@@ -4120,7 +4377,7 @@
               <a:buChar char="○"/>
               <a:defRPr sz="1200"/>
             </a:lvl5pPr>
-            <a:lvl6pPr indent="-304800" lvl="5" marL="2743200">
+            <a:lvl6pPr marL="2743200" lvl="5" indent="-304800">
               <a:spcBef>
                 <a:spcPts val="0"/>
               </a:spcBef>
@@ -4131,7 +4388,7 @@
               <a:buChar char="■"/>
               <a:defRPr sz="1200"/>
             </a:lvl6pPr>
-            <a:lvl7pPr indent="-304800" lvl="6" marL="3200400">
+            <a:lvl7pPr marL="3200400" lvl="6" indent="-304800">
               <a:spcBef>
                 <a:spcPts val="0"/>
               </a:spcBef>
@@ -4142,7 +4399,7 @@
               <a:buChar char="●"/>
               <a:defRPr sz="1200"/>
             </a:lvl7pPr>
-            <a:lvl8pPr indent="-304800" lvl="7" marL="3657600">
+            <a:lvl8pPr marL="3657600" lvl="7" indent="-304800">
               <a:spcBef>
                 <a:spcPts val="0"/>
               </a:spcBef>
@@ -4153,7 +4410,7 @@
               <a:buChar char="○"/>
               <a:defRPr sz="1200"/>
             </a:lvl8pPr>
-            <a:lvl9pPr indent="-304800" lvl="8" marL="4114800">
+            <a:lvl9pPr marL="4114800" lvl="8" indent="-304800">
               <a:spcBef>
                 <a:spcPts val="0"/>
               </a:spcBef>
@@ -4165,15 +4422,19 @@
               <a:defRPr sz="1200"/>
             </a:lvl9pPr>
           </a:lstStyle>
-          <a:p/>
+          <a:p>
+            <a:endParaRPr/>
+          </a:p>
         </p:txBody>
       </p:sp>
       <p:sp>
         <p:nvSpPr>
           <p:cNvPr id="23" name="Google Shape;23;p5"/>
-          <p:cNvSpPr txBox="1"/>
+          <p:cNvSpPr txBox="1">
+            <a:spLocks noGrp="1"/>
+          </p:cNvSpPr>
           <p:nvPr>
-            <p:ph idx="2" type="body"/>
+            <p:ph type="body" idx="2"/>
           </p:nvPr>
         </p:nvSpPr>
         <p:spPr>
@@ -4186,11 +4447,11 @@
           </a:prstGeom>
         </p:spPr>
         <p:txBody>
-          <a:bodyPr anchorCtr="0" anchor="t" bIns="91425" lIns="91425" spcFirstLastPara="1" rIns="91425" wrap="square" tIns="91425">
+          <a:bodyPr spcFirstLastPara="1" wrap="square" lIns="91425" tIns="91425" rIns="91425" bIns="91425" anchor="t" anchorCtr="0">
             <a:normAutofit/>
           </a:bodyPr>
           <a:lstStyle>
-            <a:lvl1pPr indent="-317500" lvl="0" marL="457200">
+            <a:lvl1pPr marL="457200" lvl="0" indent="-317500">
               <a:spcBef>
                 <a:spcPts val="0"/>
               </a:spcBef>
@@ -4201,7 +4462,7 @@
               <a:buChar char="●"/>
               <a:defRPr sz="1400"/>
             </a:lvl1pPr>
-            <a:lvl2pPr indent="-304800" lvl="1" marL="914400">
+            <a:lvl2pPr marL="914400" lvl="1" indent="-304800">
               <a:spcBef>
                 <a:spcPts val="0"/>
               </a:spcBef>
@@ -4212,7 +4473,7 @@
               <a:buChar char="○"/>
               <a:defRPr sz="1200"/>
             </a:lvl2pPr>
-            <a:lvl3pPr indent="-304800" lvl="2" marL="1371600">
+            <a:lvl3pPr marL="1371600" lvl="2" indent="-304800">
               <a:spcBef>
                 <a:spcPts val="0"/>
               </a:spcBef>
@@ -4223,7 +4484,7 @@
               <a:buChar char="■"/>
               <a:defRPr sz="1200"/>
             </a:lvl3pPr>
-            <a:lvl4pPr indent="-304800" lvl="3" marL="1828800">
+            <a:lvl4pPr marL="1828800" lvl="3" indent="-304800">
               <a:spcBef>
                 <a:spcPts val="0"/>
               </a:spcBef>
@@ -4234,7 +4495,7 @@
               <a:buChar char="●"/>
               <a:defRPr sz="1200"/>
             </a:lvl4pPr>
-            <a:lvl5pPr indent="-304800" lvl="4" marL="2286000">
+            <a:lvl5pPr marL="2286000" lvl="4" indent="-304800">
               <a:spcBef>
                 <a:spcPts val="0"/>
               </a:spcBef>
@@ -4245,7 +4506,7 @@
               <a:buChar char="○"/>
               <a:defRPr sz="1200"/>
             </a:lvl5pPr>
-            <a:lvl6pPr indent="-304800" lvl="5" marL="2743200">
+            <a:lvl6pPr marL="2743200" lvl="5" indent="-304800">
               <a:spcBef>
                 <a:spcPts val="0"/>
               </a:spcBef>
@@ -4256,7 +4517,7 @@
               <a:buChar char="■"/>
               <a:defRPr sz="1200"/>
             </a:lvl6pPr>
-            <a:lvl7pPr indent="-304800" lvl="6" marL="3200400">
+            <a:lvl7pPr marL="3200400" lvl="6" indent="-304800">
               <a:spcBef>
                 <a:spcPts val="0"/>
               </a:spcBef>
@@ -4267,7 +4528,7 @@
               <a:buChar char="●"/>
               <a:defRPr sz="1200"/>
             </a:lvl7pPr>
-            <a:lvl8pPr indent="-304800" lvl="7" marL="3657600">
+            <a:lvl8pPr marL="3657600" lvl="7" indent="-304800">
               <a:spcBef>
                 <a:spcPts val="0"/>
               </a:spcBef>
@@ -4278,7 +4539,7 @@
               <a:buChar char="○"/>
               <a:defRPr sz="1200"/>
             </a:lvl8pPr>
-            <a:lvl9pPr indent="-304800" lvl="8" marL="4114800">
+            <a:lvl9pPr marL="4114800" lvl="8" indent="-304800">
               <a:spcBef>
                 <a:spcPts val="0"/>
               </a:spcBef>
@@ -4290,15 +4551,19 @@
               <a:defRPr sz="1200"/>
             </a:lvl9pPr>
           </a:lstStyle>
-          <a:p/>
+          <a:p>
+            <a:endParaRPr/>
+          </a:p>
         </p:txBody>
       </p:sp>
       <p:sp>
         <p:nvSpPr>
           <p:cNvPr id="24" name="Google Shape;24;p5"/>
-          <p:cNvSpPr txBox="1"/>
+          <p:cNvSpPr txBox="1">
+            <a:spLocks noGrp="1"/>
+          </p:cNvSpPr>
           <p:nvPr>
-            <p:ph idx="12" type="sldNum"/>
+            <p:ph type="sldNum" idx="12"/>
           </p:nvPr>
         </p:nvSpPr>
         <p:spPr>
@@ -4311,7 +4576,7 @@
           </a:prstGeom>
         </p:spPr>
         <p:txBody>
-          <a:bodyPr anchorCtr="0" anchor="ctr" bIns="91425" lIns="91425" spcFirstLastPara="1" rIns="91425" wrap="square" tIns="91425">
+          <a:bodyPr spcFirstLastPara="1" wrap="square" lIns="91425" tIns="91425" rIns="91425" bIns="91425" anchor="ctr" anchorCtr="0">
             <a:normAutofit/>
           </a:bodyPr>
           <a:lstStyle>
@@ -4353,7 +4618,7 @@
             </a:lvl9pPr>
           </a:lstStyle>
           <a:p>
-            <a:pPr indent="0" lvl="0" marL="0" rtl="0" algn="r">
+            <a:pPr marL="0" lvl="0" indent="0" algn="r" rtl="0">
               <a:spcBef>
                 <a:spcPts val="0"/>
               </a:spcBef>
@@ -4379,11 +4644,11 @@
 </file>
 
 <file path=ppt/slideLayouts/slideLayout5.xml><?xml version="1.0" encoding="utf-8"?>
-<p:sldLayout xmlns:a="http://schemas.openxmlformats.org/drawingml/2006/main" xmlns:r="http://schemas.openxmlformats.org/officeDocument/2006/relationships" xmlns:mc="http://schemas.openxmlformats.org/markup-compatibility/2006" xmlns:mv="urn:schemas-microsoft-com:mac:vml" xmlns:p="http://schemas.openxmlformats.org/presentationml/2006/main" xmlns:c="http://schemas.openxmlformats.org/drawingml/2006/chart" xmlns:dgm="http://schemas.openxmlformats.org/drawingml/2006/diagram" xmlns:o="urn:schemas-microsoft-com:office:office" xmlns:v="urn:schemas-microsoft-com:vml" xmlns:pvml="urn:schemas-microsoft-com:office:powerpoint" xmlns:com="http://schemas.openxmlformats.org/drawingml/2006/compatibility" xmlns:p14="http://schemas.microsoft.com/office/powerpoint/2010/main" xmlns:p15="http://schemas.microsoft.com/office/powerpoint/2012/main" xmlns:ahyp="http://schemas.microsoft.com/office/drawing/2018/hyperlinkcolor" matchingName="Title only" type="titleOnly">
+<p:sldLayout xmlns:a="http://schemas.openxmlformats.org/drawingml/2006/main" xmlns:r="http://schemas.openxmlformats.org/officeDocument/2006/relationships" xmlns:p="http://schemas.openxmlformats.org/presentationml/2006/main" matchingName="Title only" type="titleOnly">
   <p:cSld name="TITLE_ONLY">
     <p:spTree>
       <p:nvGrpSpPr>
-        <p:cNvPr id="25" name="Shape 25"/>
+        <p:cNvPr id="1" name="Shape 25"/>
         <p:cNvGrpSpPr/>
         <p:nvPr/>
       </p:nvGrpSpPr>
@@ -4398,7 +4663,9 @@
       <p:sp>
         <p:nvSpPr>
           <p:cNvPr id="26" name="Google Shape;26;p6"/>
-          <p:cNvSpPr txBox="1"/>
+          <p:cNvSpPr txBox="1">
+            <a:spLocks noGrp="1"/>
+          </p:cNvSpPr>
           <p:nvPr>
             <p:ph type="title"/>
           </p:nvPr>
@@ -4413,7 +4680,7 @@
           </a:prstGeom>
         </p:spPr>
         <p:txBody>
-          <a:bodyPr anchorCtr="0" anchor="t" bIns="91425" lIns="91425" spcFirstLastPara="1" rIns="91425" wrap="square" tIns="91425">
+          <a:bodyPr spcFirstLastPara="1" wrap="square" lIns="91425" tIns="91425" rIns="91425" bIns="91425" anchor="t" anchorCtr="0">
             <a:normAutofit/>
           </a:bodyPr>
           <a:lstStyle>
@@ -4517,15 +4784,19 @@
               <a:defRPr/>
             </a:lvl9pPr>
           </a:lstStyle>
-          <a:p/>
+          <a:p>
+            <a:endParaRPr/>
+          </a:p>
         </p:txBody>
       </p:sp>
       <p:sp>
         <p:nvSpPr>
           <p:cNvPr id="27" name="Google Shape;27;p6"/>
-          <p:cNvSpPr txBox="1"/>
+          <p:cNvSpPr txBox="1">
+            <a:spLocks noGrp="1"/>
+          </p:cNvSpPr>
           <p:nvPr>
-            <p:ph idx="12" type="sldNum"/>
+            <p:ph type="sldNum" idx="12"/>
           </p:nvPr>
         </p:nvSpPr>
         <p:spPr>
@@ -4538,7 +4809,7 @@
           </a:prstGeom>
         </p:spPr>
         <p:txBody>
-          <a:bodyPr anchorCtr="0" anchor="ctr" bIns="91425" lIns="91425" spcFirstLastPara="1" rIns="91425" wrap="square" tIns="91425">
+          <a:bodyPr spcFirstLastPara="1" wrap="square" lIns="91425" tIns="91425" rIns="91425" bIns="91425" anchor="ctr" anchorCtr="0">
             <a:normAutofit/>
           </a:bodyPr>
           <a:lstStyle>
@@ -4580,7 +4851,7 @@
             </a:lvl9pPr>
           </a:lstStyle>
           <a:p>
-            <a:pPr indent="0" lvl="0" marL="0" rtl="0" algn="r">
+            <a:pPr marL="0" lvl="0" indent="0" algn="r" rtl="0">
               <a:spcBef>
                 <a:spcPts val="0"/>
               </a:spcBef>
@@ -4606,11 +4877,11 @@
 </file>
 
 <file path=ppt/slideLayouts/slideLayout6.xml><?xml version="1.0" encoding="utf-8"?>
-<p:sldLayout xmlns:a="http://schemas.openxmlformats.org/drawingml/2006/main" xmlns:r="http://schemas.openxmlformats.org/officeDocument/2006/relationships" xmlns:mc="http://schemas.openxmlformats.org/markup-compatibility/2006" xmlns:mv="urn:schemas-microsoft-com:mac:vml" xmlns:p="http://schemas.openxmlformats.org/presentationml/2006/main" xmlns:c="http://schemas.openxmlformats.org/drawingml/2006/chart" xmlns:dgm="http://schemas.openxmlformats.org/drawingml/2006/diagram" xmlns:o="urn:schemas-microsoft-com:office:office" xmlns:v="urn:schemas-microsoft-com:vml" xmlns:pvml="urn:schemas-microsoft-com:office:powerpoint" xmlns:com="http://schemas.openxmlformats.org/drawingml/2006/compatibility" xmlns:p14="http://schemas.microsoft.com/office/powerpoint/2010/main" xmlns:p15="http://schemas.microsoft.com/office/powerpoint/2012/main" xmlns:ahyp="http://schemas.microsoft.com/office/drawing/2018/hyperlinkcolor" matchingName="One column text">
+<p:sldLayout xmlns:a="http://schemas.openxmlformats.org/drawingml/2006/main" xmlns:r="http://schemas.openxmlformats.org/officeDocument/2006/relationships" xmlns:p="http://schemas.openxmlformats.org/presentationml/2006/main" matchingName="One column text">
   <p:cSld name="ONE_COLUMN_TEXT">
     <p:spTree>
       <p:nvGrpSpPr>
-        <p:cNvPr id="28" name="Shape 28"/>
+        <p:cNvPr id="1" name="Shape 28"/>
         <p:cNvGrpSpPr/>
         <p:nvPr/>
       </p:nvGrpSpPr>
@@ -4625,7 +4896,9 @@
       <p:sp>
         <p:nvSpPr>
           <p:cNvPr id="29" name="Google Shape;29;p7"/>
-          <p:cNvSpPr txBox="1"/>
+          <p:cNvSpPr txBox="1">
+            <a:spLocks noGrp="1"/>
+          </p:cNvSpPr>
           <p:nvPr>
             <p:ph type="title"/>
           </p:nvPr>
@@ -4640,7 +4913,7 @@
           </a:prstGeom>
         </p:spPr>
         <p:txBody>
-          <a:bodyPr anchorCtr="0" anchor="b" bIns="91425" lIns="91425" spcFirstLastPara="1" rIns="91425" wrap="square" tIns="91425">
+          <a:bodyPr spcFirstLastPara="1" wrap="square" lIns="91425" tIns="91425" rIns="91425" bIns="91425" anchor="b" anchorCtr="0">
             <a:normAutofit/>
           </a:bodyPr>
           <a:lstStyle>
@@ -4744,15 +5017,19 @@
               <a:defRPr sz="2400"/>
             </a:lvl9pPr>
           </a:lstStyle>
-          <a:p/>
+          <a:p>
+            <a:endParaRPr/>
+          </a:p>
         </p:txBody>
       </p:sp>
       <p:sp>
         <p:nvSpPr>
           <p:cNvPr id="30" name="Google Shape;30;p7"/>
-          <p:cNvSpPr txBox="1"/>
+          <p:cNvSpPr txBox="1">
+            <a:spLocks noGrp="1"/>
+          </p:cNvSpPr>
           <p:nvPr>
-            <p:ph idx="1" type="body"/>
+            <p:ph type="body" idx="1"/>
           </p:nvPr>
         </p:nvSpPr>
         <p:spPr>
@@ -4765,11 +5042,11 @@
           </a:prstGeom>
         </p:spPr>
         <p:txBody>
-          <a:bodyPr anchorCtr="0" anchor="t" bIns="91425" lIns="91425" spcFirstLastPara="1" rIns="91425" wrap="square" tIns="91425">
+          <a:bodyPr spcFirstLastPara="1" wrap="square" lIns="91425" tIns="91425" rIns="91425" bIns="91425" anchor="t" anchorCtr="0">
             <a:normAutofit/>
           </a:bodyPr>
           <a:lstStyle>
-            <a:lvl1pPr indent="-304800" lvl="0" marL="457200">
+            <a:lvl1pPr marL="457200" lvl="0" indent="-304800">
               <a:spcBef>
                 <a:spcPts val="0"/>
               </a:spcBef>
@@ -4780,7 +5057,7 @@
               <a:buChar char="●"/>
               <a:defRPr sz="1200"/>
             </a:lvl1pPr>
-            <a:lvl2pPr indent="-304800" lvl="1" marL="914400">
+            <a:lvl2pPr marL="914400" lvl="1" indent="-304800">
               <a:spcBef>
                 <a:spcPts val="0"/>
               </a:spcBef>
@@ -4791,7 +5068,7 @@
               <a:buChar char="○"/>
               <a:defRPr sz="1200"/>
             </a:lvl2pPr>
-            <a:lvl3pPr indent="-304800" lvl="2" marL="1371600">
+            <a:lvl3pPr marL="1371600" lvl="2" indent="-304800">
               <a:spcBef>
                 <a:spcPts val="0"/>
               </a:spcBef>
@@ -4802,7 +5079,7 @@
               <a:buChar char="■"/>
               <a:defRPr sz="1200"/>
             </a:lvl3pPr>
-            <a:lvl4pPr indent="-304800" lvl="3" marL="1828800">
+            <a:lvl4pPr marL="1828800" lvl="3" indent="-304800">
               <a:spcBef>
                 <a:spcPts val="0"/>
               </a:spcBef>
@@ -4813,7 +5090,7 @@
               <a:buChar char="●"/>
               <a:defRPr sz="1200"/>
             </a:lvl4pPr>
-            <a:lvl5pPr indent="-304800" lvl="4" marL="2286000">
+            <a:lvl5pPr marL="2286000" lvl="4" indent="-304800">
               <a:spcBef>
                 <a:spcPts val="0"/>
               </a:spcBef>
@@ -4824,7 +5101,7 @@
               <a:buChar char="○"/>
               <a:defRPr sz="1200"/>
             </a:lvl5pPr>
-            <a:lvl6pPr indent="-304800" lvl="5" marL="2743200">
+            <a:lvl6pPr marL="2743200" lvl="5" indent="-304800">
               <a:spcBef>
                 <a:spcPts val="0"/>
               </a:spcBef>
@@ -4835,7 +5112,7 @@
               <a:buChar char="■"/>
               <a:defRPr sz="1200"/>
             </a:lvl6pPr>
-            <a:lvl7pPr indent="-304800" lvl="6" marL="3200400">
+            <a:lvl7pPr marL="3200400" lvl="6" indent="-304800">
               <a:spcBef>
                 <a:spcPts val="0"/>
               </a:spcBef>
@@ -4846,7 +5123,7 @@
               <a:buChar char="●"/>
               <a:defRPr sz="1200"/>
             </a:lvl7pPr>
-            <a:lvl8pPr indent="-304800" lvl="7" marL="3657600">
+            <a:lvl8pPr marL="3657600" lvl="7" indent="-304800">
               <a:spcBef>
                 <a:spcPts val="0"/>
               </a:spcBef>
@@ -4857,7 +5134,7 @@
               <a:buChar char="○"/>
               <a:defRPr sz="1200"/>
             </a:lvl8pPr>
-            <a:lvl9pPr indent="-304800" lvl="8" marL="4114800">
+            <a:lvl9pPr marL="4114800" lvl="8" indent="-304800">
               <a:spcBef>
                 <a:spcPts val="0"/>
               </a:spcBef>
@@ -4869,15 +5146,19 @@
               <a:defRPr sz="1200"/>
             </a:lvl9pPr>
           </a:lstStyle>
-          <a:p/>
+          <a:p>
+            <a:endParaRPr/>
+          </a:p>
         </p:txBody>
       </p:sp>
       <p:sp>
         <p:nvSpPr>
           <p:cNvPr id="31" name="Google Shape;31;p7"/>
-          <p:cNvSpPr txBox="1"/>
+          <p:cNvSpPr txBox="1">
+            <a:spLocks noGrp="1"/>
+          </p:cNvSpPr>
           <p:nvPr>
-            <p:ph idx="12" type="sldNum"/>
+            <p:ph type="sldNum" idx="12"/>
           </p:nvPr>
         </p:nvSpPr>
         <p:spPr>
@@ -4890,7 +5171,7 @@
           </a:prstGeom>
         </p:spPr>
         <p:txBody>
-          <a:bodyPr anchorCtr="0" anchor="ctr" bIns="91425" lIns="91425" spcFirstLastPara="1" rIns="91425" wrap="square" tIns="91425">
+          <a:bodyPr spcFirstLastPara="1" wrap="square" lIns="91425" tIns="91425" rIns="91425" bIns="91425" anchor="ctr" anchorCtr="0">
             <a:normAutofit/>
           </a:bodyPr>
           <a:lstStyle>
@@ -4932,7 +5213,7 @@
             </a:lvl9pPr>
           </a:lstStyle>
           <a:p>
-            <a:pPr indent="0" lvl="0" marL="0" rtl="0" algn="r">
+            <a:pPr marL="0" lvl="0" indent="0" algn="r" rtl="0">
               <a:spcBef>
                 <a:spcPts val="0"/>
               </a:spcBef>
@@ -4958,11 +5239,11 @@
 </file>
 
 <file path=ppt/slideLayouts/slideLayout7.xml><?xml version="1.0" encoding="utf-8"?>
-<p:sldLayout xmlns:a="http://schemas.openxmlformats.org/drawingml/2006/main" xmlns:r="http://schemas.openxmlformats.org/officeDocument/2006/relationships" xmlns:mc="http://schemas.openxmlformats.org/markup-compatibility/2006" xmlns:mv="urn:schemas-microsoft-com:mac:vml" xmlns:p="http://schemas.openxmlformats.org/presentationml/2006/main" xmlns:c="http://schemas.openxmlformats.org/drawingml/2006/chart" xmlns:dgm="http://schemas.openxmlformats.org/drawingml/2006/diagram" xmlns:o="urn:schemas-microsoft-com:office:office" xmlns:v="urn:schemas-microsoft-com:vml" xmlns:pvml="urn:schemas-microsoft-com:office:powerpoint" xmlns:com="http://schemas.openxmlformats.org/drawingml/2006/compatibility" xmlns:p14="http://schemas.microsoft.com/office/powerpoint/2010/main" xmlns:p15="http://schemas.microsoft.com/office/powerpoint/2012/main" xmlns:ahyp="http://schemas.microsoft.com/office/drawing/2018/hyperlinkcolor" matchingName="Main point">
+<p:sldLayout xmlns:a="http://schemas.openxmlformats.org/drawingml/2006/main" xmlns:r="http://schemas.openxmlformats.org/officeDocument/2006/relationships" xmlns:p="http://schemas.openxmlformats.org/presentationml/2006/main" matchingName="Main point">
   <p:cSld name="MAIN_POINT">
     <p:spTree>
       <p:nvGrpSpPr>
-        <p:cNvPr id="32" name="Shape 32"/>
+        <p:cNvPr id="1" name="Shape 32"/>
         <p:cNvGrpSpPr/>
         <p:nvPr/>
       </p:nvGrpSpPr>
@@ -4977,7 +5258,9 @@
       <p:sp>
         <p:nvSpPr>
           <p:cNvPr id="33" name="Google Shape;33;p8"/>
-          <p:cNvSpPr txBox="1"/>
+          <p:cNvSpPr txBox="1">
+            <a:spLocks noGrp="1"/>
+          </p:cNvSpPr>
           <p:nvPr>
             <p:ph type="title"/>
           </p:nvPr>
@@ -4992,7 +5275,7 @@
           </a:prstGeom>
         </p:spPr>
         <p:txBody>
-          <a:bodyPr anchorCtr="0" anchor="ctr" bIns="91425" lIns="91425" spcFirstLastPara="1" rIns="91425" wrap="square" tIns="91425">
+          <a:bodyPr spcFirstLastPara="1" wrap="square" lIns="91425" tIns="91425" rIns="91425" bIns="91425" anchor="ctr" anchorCtr="0">
             <a:normAutofit/>
           </a:bodyPr>
           <a:lstStyle>
@@ -5096,15 +5379,19 @@
               <a:defRPr sz="4800"/>
             </a:lvl9pPr>
           </a:lstStyle>
-          <a:p/>
+          <a:p>
+            <a:endParaRPr/>
+          </a:p>
         </p:txBody>
       </p:sp>
       <p:sp>
         <p:nvSpPr>
           <p:cNvPr id="34" name="Google Shape;34;p8"/>
-          <p:cNvSpPr txBox="1"/>
+          <p:cNvSpPr txBox="1">
+            <a:spLocks noGrp="1"/>
+          </p:cNvSpPr>
           <p:nvPr>
-            <p:ph idx="12" type="sldNum"/>
+            <p:ph type="sldNum" idx="12"/>
           </p:nvPr>
         </p:nvSpPr>
         <p:spPr>
@@ -5117,7 +5404,7 @@
           </a:prstGeom>
         </p:spPr>
         <p:txBody>
-          <a:bodyPr anchorCtr="0" anchor="ctr" bIns="91425" lIns="91425" spcFirstLastPara="1" rIns="91425" wrap="square" tIns="91425">
+          <a:bodyPr spcFirstLastPara="1" wrap="square" lIns="91425" tIns="91425" rIns="91425" bIns="91425" anchor="ctr" anchorCtr="0">
             <a:normAutofit/>
           </a:bodyPr>
           <a:lstStyle>
@@ -5159,7 +5446,7 @@
             </a:lvl9pPr>
           </a:lstStyle>
           <a:p>
-            <a:pPr indent="0" lvl="0" marL="0" rtl="0" algn="r">
+            <a:pPr marL="0" lvl="0" indent="0" algn="r" rtl="0">
               <a:spcBef>
                 <a:spcPts val="0"/>
               </a:spcBef>
@@ -5185,11 +5472,11 @@
 </file>
 
 <file path=ppt/slideLayouts/slideLayout8.xml><?xml version="1.0" encoding="utf-8"?>
-<p:sldLayout xmlns:a="http://schemas.openxmlformats.org/drawingml/2006/main" xmlns:r="http://schemas.openxmlformats.org/officeDocument/2006/relationships" xmlns:mc="http://schemas.openxmlformats.org/markup-compatibility/2006" xmlns:mv="urn:schemas-microsoft-com:mac:vml" xmlns:p="http://schemas.openxmlformats.org/presentationml/2006/main" xmlns:c="http://schemas.openxmlformats.org/drawingml/2006/chart" xmlns:dgm="http://schemas.openxmlformats.org/drawingml/2006/diagram" xmlns:o="urn:schemas-microsoft-com:office:office" xmlns:v="urn:schemas-microsoft-com:vml" xmlns:pvml="urn:schemas-microsoft-com:office:powerpoint" xmlns:com="http://schemas.openxmlformats.org/drawingml/2006/compatibility" xmlns:p14="http://schemas.microsoft.com/office/powerpoint/2010/main" xmlns:p15="http://schemas.microsoft.com/office/powerpoint/2012/main" xmlns:ahyp="http://schemas.microsoft.com/office/drawing/2018/hyperlinkcolor" matchingName="Section title and description">
+<p:sldLayout xmlns:a="http://schemas.openxmlformats.org/drawingml/2006/main" xmlns:r="http://schemas.openxmlformats.org/officeDocument/2006/relationships" xmlns:p="http://schemas.openxmlformats.org/presentationml/2006/main" matchingName="Section title and description">
   <p:cSld name="SECTION_TITLE_AND_DESCRIPTION">
     <p:spTree>
       <p:nvGrpSpPr>
-        <p:cNvPr id="35" name="Shape 35"/>
+        <p:cNvPr id="1" name="Shape 35"/>
         <p:cNvGrpSpPr/>
         <p:nvPr/>
       </p:nvGrpSpPr>
@@ -5223,12 +5510,12 @@
           </a:ln>
         </p:spPr>
         <p:txBody>
-          <a:bodyPr anchorCtr="0" anchor="ctr" bIns="91425" lIns="91425" spcFirstLastPara="1" rIns="91425" wrap="square" tIns="91425">
+          <a:bodyPr spcFirstLastPara="1" wrap="square" lIns="91425" tIns="91425" rIns="91425" bIns="91425" anchor="ctr" anchorCtr="0">
             <a:noAutofit/>
           </a:bodyPr>
           <a:lstStyle/>
           <a:p>
-            <a:pPr indent="0" lvl="0" marL="0" rtl="0" algn="l">
+            <a:pPr marL="0" lvl="0" indent="0" algn="l" rtl="0">
               <a:spcBef>
                 <a:spcPts val="0"/>
               </a:spcBef>
@@ -5237,9 +5524,6 @@
               </a:spcAft>
               <a:buNone/>
             </a:pPr>
-            <a:r>
-              <a:t/>
-            </a:r>
             <a:endParaRPr/>
           </a:p>
         </p:txBody>
@@ -5247,7 +5531,9 @@
       <p:sp>
         <p:nvSpPr>
           <p:cNvPr id="37" name="Google Shape;37;p9"/>
-          <p:cNvSpPr txBox="1"/>
+          <p:cNvSpPr txBox="1">
+            <a:spLocks noGrp="1"/>
+          </p:cNvSpPr>
           <p:nvPr>
             <p:ph type="title"/>
           </p:nvPr>
@@ -5262,7 +5548,7 @@
           </a:prstGeom>
         </p:spPr>
         <p:txBody>
-          <a:bodyPr anchorCtr="0" anchor="b" bIns="91425" lIns="91425" spcFirstLastPara="1" rIns="91425" wrap="square" tIns="91425">
+          <a:bodyPr spcFirstLastPara="1" wrap="square" lIns="91425" tIns="91425" rIns="91425" bIns="91425" anchor="b" anchorCtr="0">
             <a:normAutofit/>
           </a:bodyPr>
           <a:lstStyle>
@@ -5366,15 +5652,19 @@
               <a:defRPr sz="4200"/>
             </a:lvl9pPr>
           </a:lstStyle>
-          <a:p/>
+          <a:p>
+            <a:endParaRPr/>
+          </a:p>
         </p:txBody>
       </p:sp>
       <p:sp>
         <p:nvSpPr>
           <p:cNvPr id="38" name="Google Shape;38;p9"/>
-          <p:cNvSpPr txBox="1"/>
+          <p:cNvSpPr txBox="1">
+            <a:spLocks noGrp="1"/>
+          </p:cNvSpPr>
           <p:nvPr>
-            <p:ph idx="1" type="subTitle"/>
+            <p:ph type="subTitle" idx="1"/>
           </p:nvPr>
         </p:nvSpPr>
         <p:spPr>
@@ -5387,7 +5677,7 @@
           </a:prstGeom>
         </p:spPr>
         <p:txBody>
-          <a:bodyPr anchorCtr="0" anchor="t" bIns="91425" lIns="91425" spcFirstLastPara="1" rIns="91425" wrap="square" tIns="91425">
+          <a:bodyPr spcFirstLastPara="1" wrap="square" lIns="91425" tIns="91425" rIns="91425" bIns="91425" anchor="t" anchorCtr="0">
             <a:normAutofit/>
           </a:bodyPr>
           <a:lstStyle>
@@ -5518,15 +5808,19 @@
               <a:defRPr sz="2100"/>
             </a:lvl9pPr>
           </a:lstStyle>
-          <a:p/>
+          <a:p>
+            <a:endParaRPr/>
+          </a:p>
         </p:txBody>
       </p:sp>
       <p:sp>
         <p:nvSpPr>
           <p:cNvPr id="39" name="Google Shape;39;p9"/>
-          <p:cNvSpPr txBox="1"/>
+          <p:cNvSpPr txBox="1">
+            <a:spLocks noGrp="1"/>
+          </p:cNvSpPr>
           <p:nvPr>
-            <p:ph idx="2" type="body"/>
+            <p:ph type="body" idx="2"/>
           </p:nvPr>
         </p:nvSpPr>
         <p:spPr>
@@ -5539,11 +5833,11 @@
           </a:prstGeom>
         </p:spPr>
         <p:txBody>
-          <a:bodyPr anchorCtr="0" anchor="ctr" bIns="91425" lIns="91425" spcFirstLastPara="1" rIns="91425" wrap="square" tIns="91425">
+          <a:bodyPr spcFirstLastPara="1" wrap="square" lIns="91425" tIns="91425" rIns="91425" bIns="91425" anchor="ctr" anchorCtr="0">
             <a:normAutofit/>
           </a:bodyPr>
           <a:lstStyle>
-            <a:lvl1pPr indent="-342900" lvl="0" marL="457200">
+            <a:lvl1pPr marL="457200" lvl="0" indent="-342900">
               <a:spcBef>
                 <a:spcPts val="0"/>
               </a:spcBef>
@@ -5554,7 +5848,7 @@
               <a:buChar char="●"/>
               <a:defRPr/>
             </a:lvl1pPr>
-            <a:lvl2pPr indent="-317500" lvl="1" marL="914400">
+            <a:lvl2pPr marL="914400" lvl="1" indent="-317500">
               <a:spcBef>
                 <a:spcPts val="0"/>
               </a:spcBef>
@@ -5565,7 +5859,7 @@
               <a:buChar char="○"/>
               <a:defRPr/>
             </a:lvl2pPr>
-            <a:lvl3pPr indent="-317500" lvl="2" marL="1371600">
+            <a:lvl3pPr marL="1371600" lvl="2" indent="-317500">
               <a:spcBef>
                 <a:spcPts val="0"/>
               </a:spcBef>
@@ -5576,7 +5870,7 @@
               <a:buChar char="■"/>
               <a:defRPr/>
             </a:lvl3pPr>
-            <a:lvl4pPr indent="-317500" lvl="3" marL="1828800">
+            <a:lvl4pPr marL="1828800" lvl="3" indent="-317500">
               <a:spcBef>
                 <a:spcPts val="0"/>
               </a:spcBef>
@@ -5587,7 +5881,7 @@
               <a:buChar char="●"/>
               <a:defRPr/>
             </a:lvl4pPr>
-            <a:lvl5pPr indent="-317500" lvl="4" marL="2286000">
+            <a:lvl5pPr marL="2286000" lvl="4" indent="-317500">
               <a:spcBef>
                 <a:spcPts val="0"/>
               </a:spcBef>
@@ -5598,7 +5892,7 @@
               <a:buChar char="○"/>
               <a:defRPr/>
             </a:lvl5pPr>
-            <a:lvl6pPr indent="-317500" lvl="5" marL="2743200">
+            <a:lvl6pPr marL="2743200" lvl="5" indent="-317500">
               <a:spcBef>
                 <a:spcPts val="0"/>
               </a:spcBef>
@@ -5609,7 +5903,7 @@
               <a:buChar char="■"/>
               <a:defRPr/>
             </a:lvl6pPr>
-            <a:lvl7pPr indent="-317500" lvl="6" marL="3200400">
+            <a:lvl7pPr marL="3200400" lvl="6" indent="-317500">
               <a:spcBef>
                 <a:spcPts val="0"/>
               </a:spcBef>
@@ -5620,7 +5914,7 @@
               <a:buChar char="●"/>
               <a:defRPr/>
             </a:lvl7pPr>
-            <a:lvl8pPr indent="-317500" lvl="7" marL="3657600">
+            <a:lvl8pPr marL="3657600" lvl="7" indent="-317500">
               <a:spcBef>
                 <a:spcPts val="0"/>
               </a:spcBef>
@@ -5631,7 +5925,7 @@
               <a:buChar char="○"/>
               <a:defRPr/>
             </a:lvl8pPr>
-            <a:lvl9pPr indent="-317500" lvl="8" marL="4114800">
+            <a:lvl9pPr marL="4114800" lvl="8" indent="-317500">
               <a:spcBef>
                 <a:spcPts val="0"/>
               </a:spcBef>
@@ -5643,15 +5937,19 @@
               <a:defRPr/>
             </a:lvl9pPr>
           </a:lstStyle>
-          <a:p/>
+          <a:p>
+            <a:endParaRPr/>
+          </a:p>
         </p:txBody>
       </p:sp>
       <p:sp>
         <p:nvSpPr>
           <p:cNvPr id="40" name="Google Shape;40;p9"/>
-          <p:cNvSpPr txBox="1"/>
+          <p:cNvSpPr txBox="1">
+            <a:spLocks noGrp="1"/>
+          </p:cNvSpPr>
           <p:nvPr>
-            <p:ph idx="12" type="sldNum"/>
+            <p:ph type="sldNum" idx="12"/>
           </p:nvPr>
         </p:nvSpPr>
         <p:spPr>
@@ -5664,7 +5962,7 @@
           </a:prstGeom>
         </p:spPr>
         <p:txBody>
-          <a:bodyPr anchorCtr="0" anchor="ctr" bIns="91425" lIns="91425" spcFirstLastPara="1" rIns="91425" wrap="square" tIns="91425">
+          <a:bodyPr spcFirstLastPara="1" wrap="square" lIns="91425" tIns="91425" rIns="91425" bIns="91425" anchor="ctr" anchorCtr="0">
             <a:normAutofit/>
           </a:bodyPr>
           <a:lstStyle>
@@ -5706,7 +6004,7 @@
             </a:lvl9pPr>
           </a:lstStyle>
           <a:p>
-            <a:pPr indent="0" lvl="0" marL="0" rtl="0" algn="r">
+            <a:pPr marL="0" lvl="0" indent="0" algn="r" rtl="0">
               <a:spcBef>
                 <a:spcPts val="0"/>
               </a:spcBef>
@@ -5732,11 +6030,11 @@
 </file>
 
 <file path=ppt/slideLayouts/slideLayout9.xml><?xml version="1.0" encoding="utf-8"?>
-<p:sldLayout xmlns:a="http://schemas.openxmlformats.org/drawingml/2006/main" xmlns:r="http://schemas.openxmlformats.org/officeDocument/2006/relationships" xmlns:mc="http://schemas.openxmlformats.org/markup-compatibility/2006" xmlns:mv="urn:schemas-microsoft-com:mac:vml" xmlns:p="http://schemas.openxmlformats.org/presentationml/2006/main" xmlns:c="http://schemas.openxmlformats.org/drawingml/2006/chart" xmlns:dgm="http://schemas.openxmlformats.org/drawingml/2006/diagram" xmlns:o="urn:schemas-microsoft-com:office:office" xmlns:v="urn:schemas-microsoft-com:vml" xmlns:pvml="urn:schemas-microsoft-com:office:powerpoint" xmlns:com="http://schemas.openxmlformats.org/drawingml/2006/compatibility" xmlns:p14="http://schemas.microsoft.com/office/powerpoint/2010/main" xmlns:p15="http://schemas.microsoft.com/office/powerpoint/2012/main" xmlns:ahyp="http://schemas.microsoft.com/office/drawing/2018/hyperlinkcolor" matchingName="Caption">
+<p:sldLayout xmlns:a="http://schemas.openxmlformats.org/drawingml/2006/main" xmlns:r="http://schemas.openxmlformats.org/officeDocument/2006/relationships" xmlns:p="http://schemas.openxmlformats.org/presentationml/2006/main" matchingName="Caption">
   <p:cSld name="CAPTION_ONLY">
     <p:spTree>
       <p:nvGrpSpPr>
-        <p:cNvPr id="41" name="Shape 41"/>
+        <p:cNvPr id="1" name="Shape 41"/>
         <p:cNvGrpSpPr/>
         <p:nvPr/>
       </p:nvGrpSpPr>
@@ -5751,9 +6049,11 @@
       <p:sp>
         <p:nvSpPr>
           <p:cNvPr id="42" name="Google Shape;42;p10"/>
-          <p:cNvSpPr txBox="1"/>
+          <p:cNvSpPr txBox="1">
+            <a:spLocks noGrp="1"/>
+          </p:cNvSpPr>
           <p:nvPr>
-            <p:ph idx="1" type="body"/>
+            <p:ph type="body" idx="1"/>
           </p:nvPr>
         </p:nvSpPr>
         <p:spPr>
@@ -5766,11 +6066,11 @@
           </a:prstGeom>
         </p:spPr>
         <p:txBody>
-          <a:bodyPr anchorCtr="0" anchor="ctr" bIns="91425" lIns="91425" spcFirstLastPara="1" rIns="91425" wrap="square" tIns="91425">
+          <a:bodyPr spcFirstLastPara="1" wrap="square" lIns="91425" tIns="91425" rIns="91425" bIns="91425" anchor="ctr" anchorCtr="0">
             <a:normAutofit/>
           </a:bodyPr>
           <a:lstStyle>
-            <a:lvl1pPr indent="-228600" lvl="0" marL="457200">
+            <a:lvl1pPr marL="457200" lvl="0" indent="-228600">
               <a:lnSpc>
                 <a:spcPct val="100000"/>
               </a:lnSpc>
@@ -5785,15 +6085,19 @@
               <a:defRPr/>
             </a:lvl1pPr>
           </a:lstStyle>
-          <a:p/>
+          <a:p>
+            <a:endParaRPr/>
+          </a:p>
         </p:txBody>
       </p:sp>
       <p:sp>
         <p:nvSpPr>
           <p:cNvPr id="43" name="Google Shape;43;p10"/>
-          <p:cNvSpPr txBox="1"/>
+          <p:cNvSpPr txBox="1">
+            <a:spLocks noGrp="1"/>
+          </p:cNvSpPr>
           <p:nvPr>
-            <p:ph idx="12" type="sldNum"/>
+            <p:ph type="sldNum" idx="12"/>
           </p:nvPr>
         </p:nvSpPr>
         <p:spPr>
@@ -5806,7 +6110,7 @@
           </a:prstGeom>
         </p:spPr>
         <p:txBody>
-          <a:bodyPr anchorCtr="0" anchor="ctr" bIns="91425" lIns="91425" spcFirstLastPara="1" rIns="91425" wrap="square" tIns="91425">
+          <a:bodyPr spcFirstLastPara="1" wrap="square" lIns="91425" tIns="91425" rIns="91425" bIns="91425" anchor="ctr" anchorCtr="0">
             <a:normAutofit/>
           </a:bodyPr>
           <a:lstStyle>
@@ -5848,7 +6152,7 @@
             </a:lvl9pPr>
           </a:lstStyle>
           <a:p>
-            <a:pPr indent="0" lvl="0" marL="0" rtl="0" algn="r">
+            <a:pPr marL="0" lvl="0" indent="0" algn="r" rtl="0">
               <a:spcBef>
                 <a:spcPts val="0"/>
               </a:spcBef>
@@ -5874,18 +6178,19 @@
 </file>
 
 <file path=ppt/slideMasters/slideMaster1.xml><?xml version="1.0" encoding="utf-8"?>
-<p:sldMaster xmlns:a="http://schemas.openxmlformats.org/drawingml/2006/main" xmlns:r="http://schemas.openxmlformats.org/officeDocument/2006/relationships" xmlns:mc="http://schemas.openxmlformats.org/markup-compatibility/2006" xmlns:mv="urn:schemas-microsoft-com:mac:vml" xmlns:p="http://schemas.openxmlformats.org/presentationml/2006/main" xmlns:c="http://schemas.openxmlformats.org/drawingml/2006/chart" xmlns:dgm="http://schemas.openxmlformats.org/drawingml/2006/diagram" xmlns:o="urn:schemas-microsoft-com:office:office" xmlns:v="urn:schemas-microsoft-com:vml" xmlns:pvml="urn:schemas-microsoft-com:office:powerpoint" xmlns:com="http://schemas.openxmlformats.org/drawingml/2006/compatibility" xmlns:p14="http://schemas.microsoft.com/office/powerpoint/2010/main" xmlns:p15="http://schemas.microsoft.com/office/powerpoint/2012/main" xmlns:ahyp="http://schemas.microsoft.com/office/drawing/2018/hyperlinkcolor">
+<p:sldMaster xmlns:a="http://schemas.openxmlformats.org/drawingml/2006/main" xmlns:r="http://schemas.openxmlformats.org/officeDocument/2006/relationships" xmlns:p="http://schemas.openxmlformats.org/presentationml/2006/main">
   <p:cSld name="simple-light-2">
     <p:bg>
       <p:bgPr>
         <a:solidFill>
           <a:schemeClr val="lt1"/>
         </a:solidFill>
+        <a:effectLst/>
       </p:bgPr>
     </p:bg>
     <p:spTree>
       <p:nvGrpSpPr>
-        <p:cNvPr id="5" name="Shape 5"/>
+        <p:cNvPr id="1" name="Shape 5"/>
         <p:cNvGrpSpPr/>
         <p:nvPr/>
       </p:nvGrpSpPr>
@@ -5900,7 +6205,9 @@
       <p:sp>
         <p:nvSpPr>
           <p:cNvPr id="6" name="Google Shape;6;p1"/>
-          <p:cNvSpPr txBox="1"/>
+          <p:cNvSpPr txBox="1">
+            <a:spLocks noGrp="1"/>
+          </p:cNvSpPr>
           <p:nvPr>
             <p:ph type="title"/>
           </p:nvPr>
@@ -5919,7 +6226,7 @@
           </a:ln>
         </p:spPr>
         <p:txBody>
-          <a:bodyPr anchorCtr="0" anchor="t" bIns="91425" lIns="91425" spcFirstLastPara="1" rIns="91425" wrap="square" tIns="91425">
+          <a:bodyPr spcFirstLastPara="1" wrap="square" lIns="91425" tIns="91425" rIns="91425" bIns="91425" anchor="t" anchorCtr="0">
             <a:normAutofit/>
           </a:bodyPr>
           <a:lstStyle>
@@ -6086,15 +6393,19 @@
               </a:defRPr>
             </a:lvl9pPr>
           </a:lstStyle>
-          <a:p/>
+          <a:p>
+            <a:endParaRPr/>
+          </a:p>
         </p:txBody>
       </p:sp>
       <p:sp>
         <p:nvSpPr>
           <p:cNvPr id="7" name="Google Shape;7;p1"/>
-          <p:cNvSpPr txBox="1"/>
+          <p:cNvSpPr txBox="1">
+            <a:spLocks noGrp="1"/>
+          </p:cNvSpPr>
           <p:nvPr>
-            <p:ph idx="1" type="body"/>
+            <p:ph type="body" idx="1"/>
           </p:nvPr>
         </p:nvSpPr>
         <p:spPr>
@@ -6111,11 +6422,11 @@
           </a:ln>
         </p:spPr>
         <p:txBody>
-          <a:bodyPr anchorCtr="0" anchor="t" bIns="91425" lIns="91425" spcFirstLastPara="1" rIns="91425" wrap="square" tIns="91425">
+          <a:bodyPr spcFirstLastPara="1" wrap="square" lIns="91425" tIns="91425" rIns="91425" bIns="91425" anchor="t" anchorCtr="0">
             <a:normAutofit/>
           </a:bodyPr>
           <a:lstStyle>
-            <a:lvl1pPr indent="-342900" lvl="0" marL="457200">
+            <a:lvl1pPr marL="457200" lvl="0" indent="-342900">
               <a:lnSpc>
                 <a:spcPct val="115000"/>
               </a:lnSpc>
@@ -6136,7 +6447,7 @@
                 </a:solidFill>
               </a:defRPr>
             </a:lvl1pPr>
-            <a:lvl2pPr indent="-317500" lvl="1" marL="914400">
+            <a:lvl2pPr marL="914400" lvl="1" indent="-317500">
               <a:lnSpc>
                 <a:spcPct val="115000"/>
               </a:lnSpc>
@@ -6157,7 +6468,7 @@
                 </a:solidFill>
               </a:defRPr>
             </a:lvl2pPr>
-            <a:lvl3pPr indent="-317500" lvl="2" marL="1371600">
+            <a:lvl3pPr marL="1371600" lvl="2" indent="-317500">
               <a:lnSpc>
                 <a:spcPct val="115000"/>
               </a:lnSpc>
@@ -6178,7 +6489,7 @@
                 </a:solidFill>
               </a:defRPr>
             </a:lvl3pPr>
-            <a:lvl4pPr indent="-317500" lvl="3" marL="1828800">
+            <a:lvl4pPr marL="1828800" lvl="3" indent="-317500">
               <a:lnSpc>
                 <a:spcPct val="115000"/>
               </a:lnSpc>
@@ -6199,7 +6510,7 @@
                 </a:solidFill>
               </a:defRPr>
             </a:lvl4pPr>
-            <a:lvl5pPr indent="-317500" lvl="4" marL="2286000">
+            <a:lvl5pPr marL="2286000" lvl="4" indent="-317500">
               <a:lnSpc>
                 <a:spcPct val="115000"/>
               </a:lnSpc>
@@ -6220,7 +6531,7 @@
                 </a:solidFill>
               </a:defRPr>
             </a:lvl5pPr>
-            <a:lvl6pPr indent="-317500" lvl="5" marL="2743200">
+            <a:lvl6pPr marL="2743200" lvl="5" indent="-317500">
               <a:lnSpc>
                 <a:spcPct val="115000"/>
               </a:lnSpc>
@@ -6241,7 +6552,7 @@
                 </a:solidFill>
               </a:defRPr>
             </a:lvl6pPr>
-            <a:lvl7pPr indent="-317500" lvl="6" marL="3200400">
+            <a:lvl7pPr marL="3200400" lvl="6" indent="-317500">
               <a:lnSpc>
                 <a:spcPct val="115000"/>
               </a:lnSpc>
@@ -6262,7 +6573,7 @@
                 </a:solidFill>
               </a:defRPr>
             </a:lvl7pPr>
-            <a:lvl8pPr indent="-317500" lvl="7" marL="3657600">
+            <a:lvl8pPr marL="3657600" lvl="7" indent="-317500">
               <a:lnSpc>
                 <a:spcPct val="115000"/>
               </a:lnSpc>
@@ -6283,7 +6594,7 @@
                 </a:solidFill>
               </a:defRPr>
             </a:lvl8pPr>
-            <a:lvl9pPr indent="-317500" lvl="8" marL="4114800">
+            <a:lvl9pPr marL="4114800" lvl="8" indent="-317500">
               <a:lnSpc>
                 <a:spcPct val="115000"/>
               </a:lnSpc>
@@ -6305,15 +6616,19 @@
               </a:defRPr>
             </a:lvl9pPr>
           </a:lstStyle>
-          <a:p/>
+          <a:p>
+            <a:endParaRPr/>
+          </a:p>
         </p:txBody>
       </p:sp>
       <p:sp>
         <p:nvSpPr>
           <p:cNvPr id="8" name="Google Shape;8;p1"/>
-          <p:cNvSpPr txBox="1"/>
+          <p:cNvSpPr txBox="1">
+            <a:spLocks noGrp="1"/>
+          </p:cNvSpPr>
           <p:nvPr>
-            <p:ph idx="12" type="sldNum"/>
+            <p:ph type="sldNum" idx="12"/>
           </p:nvPr>
         </p:nvSpPr>
         <p:spPr>
@@ -6330,7 +6645,7 @@
           </a:ln>
         </p:spPr>
         <p:txBody>
-          <a:bodyPr anchorCtr="0" anchor="ctr" bIns="91425" lIns="91425" spcFirstLastPara="1" rIns="91425" wrap="square" tIns="91425">
+          <a:bodyPr spcFirstLastPara="1" wrap="square" lIns="91425" tIns="91425" rIns="91425" bIns="91425" anchor="ctr" anchorCtr="0">
             <a:normAutofit/>
           </a:bodyPr>
           <a:lstStyle>
@@ -6408,7 +6723,7 @@
             </a:lvl9pPr>
           </a:lstStyle>
           <a:p>
-            <a:pPr indent="0" lvl="0" marL="0" rtl="0" algn="r">
+            <a:pPr marL="0" lvl="0" indent="0" algn="r" rtl="0">
               <a:spcBef>
                 <a:spcPts val="0"/>
               </a:spcBef>
@@ -6427,7 +6742,7 @@
       </p:sp>
     </p:spTree>
   </p:cSld>
-  <p:clrMap accent1="accent1" accent2="accent2" accent3="accent3" accent4="accent4" accent5="accent5" accent6="accent6" bg1="lt1" bg2="dk2" tx1="dk1" tx2="lt2" folHlink="folHlink" hlink="hlink"/>
+  <p:clrMap bg1="lt1" tx1="dk1" bg2="dk2" tx2="lt2" accent1="accent1" accent2="accent2" accent3="accent3" accent4="accent4" accent5="accent5" accent6="accent6" hlink="hlink" folHlink="folHlink"/>
   <p:sldLayoutIdLst>
     <p:sldLayoutId id="2147483648" r:id="rId1"/>
     <p:sldLayoutId id="2147483649" r:id="rId2"/>
@@ -6441,10 +6756,10 @@
     <p:sldLayoutId id="2147483657" r:id="rId10"/>
     <p:sldLayoutId id="2147483658" r:id="rId11"/>
   </p:sldLayoutIdLst>
-  <p:hf dt="0" ftr="0" hdr="0" sldNum="0"/>
+  <p:hf sldNum="0" hdr="0" ftr="0" dt="0"/>
   <p:txStyles>
     <p:titleStyle>
-      <a:defPPr lvl="0" marR="0" rtl="0" algn="l">
+      <a:defPPr marR="0" lvl="0" algn="l" rtl="0">
         <a:lnSpc>
           <a:spcPct val="100000"/>
         </a:lnSpc>
@@ -6455,7 +6770,7 @@
           <a:spcPts val="0"/>
         </a:spcAft>
       </a:defPPr>
-      <a:lvl1pPr lvl="0" marR="0" rtl="0" algn="l">
+      <a:lvl1pPr marR="0" lvl="0" algn="l" rtl="0">
         <a:lnSpc>
           <a:spcPct val="100000"/>
         </a:lnSpc>
@@ -6469,7 +6784,7 @@
           <a:srgbClr val="000000"/>
         </a:buClr>
         <a:buFont typeface="Arial"/>
-        <a:defRPr b="0" i="0" sz="1400" u="none" cap="none" strike="noStrike">
+        <a:defRPr sz="1400" b="0" i="0" u="none" strike="noStrike" cap="none">
           <a:solidFill>
             <a:srgbClr val="000000"/>
           </a:solidFill>
@@ -6479,7 +6794,7 @@
           <a:sym typeface="Arial"/>
         </a:defRPr>
       </a:lvl1pPr>
-      <a:lvl2pPr lvl="1" marR="0" rtl="0" algn="l">
+      <a:lvl2pPr marR="0" lvl="1" algn="l" rtl="0">
         <a:lnSpc>
           <a:spcPct val="100000"/>
         </a:lnSpc>
@@ -6493,7 +6808,7 @@
           <a:srgbClr val="000000"/>
         </a:buClr>
         <a:buFont typeface="Arial"/>
-        <a:defRPr b="0" i="0" sz="1400" u="none" cap="none" strike="noStrike">
+        <a:defRPr sz="1400" b="0" i="0" u="none" strike="noStrike" cap="none">
           <a:solidFill>
             <a:srgbClr val="000000"/>
           </a:solidFill>
@@ -6503,7 +6818,7 @@
           <a:sym typeface="Arial"/>
         </a:defRPr>
       </a:lvl2pPr>
-      <a:lvl3pPr lvl="2" marR="0" rtl="0" algn="l">
+      <a:lvl3pPr marR="0" lvl="2" algn="l" rtl="0">
         <a:lnSpc>
           <a:spcPct val="100000"/>
         </a:lnSpc>
@@ -6517,7 +6832,7 @@
           <a:srgbClr val="000000"/>
         </a:buClr>
         <a:buFont typeface="Arial"/>
-        <a:defRPr b="0" i="0" sz="1400" u="none" cap="none" strike="noStrike">
+        <a:defRPr sz="1400" b="0" i="0" u="none" strike="noStrike" cap="none">
           <a:solidFill>
             <a:srgbClr val="000000"/>
           </a:solidFill>
@@ -6527,7 +6842,7 @@
           <a:sym typeface="Arial"/>
         </a:defRPr>
       </a:lvl3pPr>
-      <a:lvl4pPr lvl="3" marR="0" rtl="0" algn="l">
+      <a:lvl4pPr marR="0" lvl="3" algn="l" rtl="0">
         <a:lnSpc>
           <a:spcPct val="100000"/>
         </a:lnSpc>
@@ -6541,7 +6856,7 @@
           <a:srgbClr val="000000"/>
         </a:buClr>
         <a:buFont typeface="Arial"/>
-        <a:defRPr b="0" i="0" sz="1400" u="none" cap="none" strike="noStrike">
+        <a:defRPr sz="1400" b="0" i="0" u="none" strike="noStrike" cap="none">
           <a:solidFill>
             <a:srgbClr val="000000"/>
           </a:solidFill>
@@ -6551,7 +6866,7 @@
           <a:sym typeface="Arial"/>
         </a:defRPr>
       </a:lvl4pPr>
-      <a:lvl5pPr lvl="4" marR="0" rtl="0" algn="l">
+      <a:lvl5pPr marR="0" lvl="4" algn="l" rtl="0">
         <a:lnSpc>
           <a:spcPct val="100000"/>
         </a:lnSpc>
@@ -6565,7 +6880,7 @@
           <a:srgbClr val="000000"/>
         </a:buClr>
         <a:buFont typeface="Arial"/>
-        <a:defRPr b="0" i="0" sz="1400" u="none" cap="none" strike="noStrike">
+        <a:defRPr sz="1400" b="0" i="0" u="none" strike="noStrike" cap="none">
           <a:solidFill>
             <a:srgbClr val="000000"/>
           </a:solidFill>
@@ -6575,7 +6890,7 @@
           <a:sym typeface="Arial"/>
         </a:defRPr>
       </a:lvl5pPr>
-      <a:lvl6pPr lvl="5" marR="0" rtl="0" algn="l">
+      <a:lvl6pPr marR="0" lvl="5" algn="l" rtl="0">
         <a:lnSpc>
           <a:spcPct val="100000"/>
         </a:lnSpc>
@@ -6589,7 +6904,7 @@
           <a:srgbClr val="000000"/>
         </a:buClr>
         <a:buFont typeface="Arial"/>
-        <a:defRPr b="0" i="0" sz="1400" u="none" cap="none" strike="noStrike">
+        <a:defRPr sz="1400" b="0" i="0" u="none" strike="noStrike" cap="none">
           <a:solidFill>
             <a:srgbClr val="000000"/>
           </a:solidFill>
@@ -6599,7 +6914,7 @@
           <a:sym typeface="Arial"/>
         </a:defRPr>
       </a:lvl6pPr>
-      <a:lvl7pPr lvl="6" marR="0" rtl="0" algn="l">
+      <a:lvl7pPr marR="0" lvl="6" algn="l" rtl="0">
         <a:lnSpc>
           <a:spcPct val="100000"/>
         </a:lnSpc>
@@ -6613,7 +6928,7 @@
           <a:srgbClr val="000000"/>
         </a:buClr>
         <a:buFont typeface="Arial"/>
-        <a:defRPr b="0" i="0" sz="1400" u="none" cap="none" strike="noStrike">
+        <a:defRPr sz="1400" b="0" i="0" u="none" strike="noStrike" cap="none">
           <a:solidFill>
             <a:srgbClr val="000000"/>
           </a:solidFill>
@@ -6623,7 +6938,7 @@
           <a:sym typeface="Arial"/>
         </a:defRPr>
       </a:lvl7pPr>
-      <a:lvl8pPr lvl="7" marR="0" rtl="0" algn="l">
+      <a:lvl8pPr marR="0" lvl="7" algn="l" rtl="0">
         <a:lnSpc>
           <a:spcPct val="100000"/>
         </a:lnSpc>
@@ -6637,7 +6952,7 @@
           <a:srgbClr val="000000"/>
         </a:buClr>
         <a:buFont typeface="Arial"/>
-        <a:defRPr b="0" i="0" sz="1400" u="none" cap="none" strike="noStrike">
+        <a:defRPr sz="1400" b="0" i="0" u="none" strike="noStrike" cap="none">
           <a:solidFill>
             <a:srgbClr val="000000"/>
           </a:solidFill>
@@ -6647,7 +6962,7 @@
           <a:sym typeface="Arial"/>
         </a:defRPr>
       </a:lvl8pPr>
-      <a:lvl9pPr lvl="8" marR="0" rtl="0" algn="l">
+      <a:lvl9pPr marR="0" lvl="8" algn="l" rtl="0">
         <a:lnSpc>
           <a:spcPct val="100000"/>
         </a:lnSpc>
@@ -6661,7 +6976,7 @@
           <a:srgbClr val="000000"/>
         </a:buClr>
         <a:buFont typeface="Arial"/>
-        <a:defRPr b="0" i="0" sz="1400" u="none" cap="none" strike="noStrike">
+        <a:defRPr sz="1400" b="0" i="0" u="none" strike="noStrike" cap="none">
           <a:solidFill>
             <a:srgbClr val="000000"/>
           </a:solidFill>
@@ -6673,7 +6988,7 @@
       </a:lvl9pPr>
     </p:titleStyle>
     <p:bodyStyle>
-      <a:defPPr lvl="0" marR="0" rtl="0" algn="l">
+      <a:defPPr marR="0" lvl="0" algn="l" rtl="0">
         <a:lnSpc>
           <a:spcPct val="100000"/>
         </a:lnSpc>
@@ -6684,7 +6999,7 @@
           <a:spcPts val="0"/>
         </a:spcAft>
       </a:defPPr>
-      <a:lvl1pPr lvl="0" marR="0" rtl="0" algn="l">
+      <a:lvl1pPr marR="0" lvl="0" algn="l" rtl="0">
         <a:lnSpc>
           <a:spcPct val="100000"/>
         </a:lnSpc>
@@ -6698,7 +7013,7 @@
           <a:srgbClr val="000000"/>
         </a:buClr>
         <a:buFont typeface="Arial"/>
-        <a:defRPr b="0" i="0" sz="1400" u="none" cap="none" strike="noStrike">
+        <a:defRPr sz="1400" b="0" i="0" u="none" strike="noStrike" cap="none">
           <a:solidFill>
             <a:srgbClr val="000000"/>
           </a:solidFill>
@@ -6708,7 +7023,7 @@
           <a:sym typeface="Arial"/>
         </a:defRPr>
       </a:lvl1pPr>
-      <a:lvl2pPr lvl="1" marR="0" rtl="0" algn="l">
+      <a:lvl2pPr marR="0" lvl="1" algn="l" rtl="0">
         <a:lnSpc>
           <a:spcPct val="100000"/>
         </a:lnSpc>
@@ -6722,7 +7037,7 @@
           <a:srgbClr val="000000"/>
         </a:buClr>
         <a:buFont typeface="Arial"/>
-        <a:defRPr b="0" i="0" sz="1400" u="none" cap="none" strike="noStrike">
+        <a:defRPr sz="1400" b="0" i="0" u="none" strike="noStrike" cap="none">
           <a:solidFill>
             <a:srgbClr val="000000"/>
           </a:solidFill>
@@ -6732,7 +7047,7 @@
           <a:sym typeface="Arial"/>
         </a:defRPr>
       </a:lvl2pPr>
-      <a:lvl3pPr lvl="2" marR="0" rtl="0" algn="l">
+      <a:lvl3pPr marR="0" lvl="2" algn="l" rtl="0">
         <a:lnSpc>
           <a:spcPct val="100000"/>
         </a:lnSpc>
@@ -6746,7 +7061,7 @@
           <a:srgbClr val="000000"/>
         </a:buClr>
         <a:buFont typeface="Arial"/>
-        <a:defRPr b="0" i="0" sz="1400" u="none" cap="none" strike="noStrike">
+        <a:defRPr sz="1400" b="0" i="0" u="none" strike="noStrike" cap="none">
           <a:solidFill>
             <a:srgbClr val="000000"/>
           </a:solidFill>
@@ -6756,7 +7071,7 @@
           <a:sym typeface="Arial"/>
         </a:defRPr>
       </a:lvl3pPr>
-      <a:lvl4pPr lvl="3" marR="0" rtl="0" algn="l">
+      <a:lvl4pPr marR="0" lvl="3" algn="l" rtl="0">
         <a:lnSpc>
           <a:spcPct val="100000"/>
         </a:lnSpc>
@@ -6770,7 +7085,7 @@
           <a:srgbClr val="000000"/>
         </a:buClr>
         <a:buFont typeface="Arial"/>
-        <a:defRPr b="0" i="0" sz="1400" u="none" cap="none" strike="noStrike">
+        <a:defRPr sz="1400" b="0" i="0" u="none" strike="noStrike" cap="none">
           <a:solidFill>
             <a:srgbClr val="000000"/>
           </a:solidFill>
@@ -6780,7 +7095,7 @@
           <a:sym typeface="Arial"/>
         </a:defRPr>
       </a:lvl4pPr>
-      <a:lvl5pPr lvl="4" marR="0" rtl="0" algn="l">
+      <a:lvl5pPr marR="0" lvl="4" algn="l" rtl="0">
         <a:lnSpc>
           <a:spcPct val="100000"/>
         </a:lnSpc>
@@ -6794,7 +7109,7 @@
           <a:srgbClr val="000000"/>
         </a:buClr>
         <a:buFont typeface="Arial"/>
-        <a:defRPr b="0" i="0" sz="1400" u="none" cap="none" strike="noStrike">
+        <a:defRPr sz="1400" b="0" i="0" u="none" strike="noStrike" cap="none">
           <a:solidFill>
             <a:srgbClr val="000000"/>
           </a:solidFill>
@@ -6804,7 +7119,7 @@
           <a:sym typeface="Arial"/>
         </a:defRPr>
       </a:lvl5pPr>
-      <a:lvl6pPr lvl="5" marR="0" rtl="0" algn="l">
+      <a:lvl6pPr marR="0" lvl="5" algn="l" rtl="0">
         <a:lnSpc>
           <a:spcPct val="100000"/>
         </a:lnSpc>
@@ -6818,7 +7133,7 @@
           <a:srgbClr val="000000"/>
         </a:buClr>
         <a:buFont typeface="Arial"/>
-        <a:defRPr b="0" i="0" sz="1400" u="none" cap="none" strike="noStrike">
+        <a:defRPr sz="1400" b="0" i="0" u="none" strike="noStrike" cap="none">
           <a:solidFill>
             <a:srgbClr val="000000"/>
           </a:solidFill>
@@ -6828,7 +7143,7 @@
           <a:sym typeface="Arial"/>
         </a:defRPr>
       </a:lvl6pPr>
-      <a:lvl7pPr lvl="6" marR="0" rtl="0" algn="l">
+      <a:lvl7pPr marR="0" lvl="6" algn="l" rtl="0">
         <a:lnSpc>
           <a:spcPct val="100000"/>
         </a:lnSpc>
@@ -6842,7 +7157,7 @@
           <a:srgbClr val="000000"/>
         </a:buClr>
         <a:buFont typeface="Arial"/>
-        <a:defRPr b="0" i="0" sz="1400" u="none" cap="none" strike="noStrike">
+        <a:defRPr sz="1400" b="0" i="0" u="none" strike="noStrike" cap="none">
           <a:solidFill>
             <a:srgbClr val="000000"/>
           </a:solidFill>
@@ -6852,7 +7167,7 @@
           <a:sym typeface="Arial"/>
         </a:defRPr>
       </a:lvl7pPr>
-      <a:lvl8pPr lvl="7" marR="0" rtl="0" algn="l">
+      <a:lvl8pPr marR="0" lvl="7" algn="l" rtl="0">
         <a:lnSpc>
           <a:spcPct val="100000"/>
         </a:lnSpc>
@@ -6866,7 +7181,7 @@
           <a:srgbClr val="000000"/>
         </a:buClr>
         <a:buFont typeface="Arial"/>
-        <a:defRPr b="0" i="0" sz="1400" u="none" cap="none" strike="noStrike">
+        <a:defRPr sz="1400" b="0" i="0" u="none" strike="noStrike" cap="none">
           <a:solidFill>
             <a:srgbClr val="000000"/>
           </a:solidFill>
@@ -6876,7 +7191,7 @@
           <a:sym typeface="Arial"/>
         </a:defRPr>
       </a:lvl8pPr>
-      <a:lvl9pPr lvl="8" marR="0" rtl="0" algn="l">
+      <a:lvl9pPr marR="0" lvl="8" algn="l" rtl="0">
         <a:lnSpc>
           <a:spcPct val="100000"/>
         </a:lnSpc>
@@ -6890,7 +7205,7 @@
           <a:srgbClr val="000000"/>
         </a:buClr>
         <a:buFont typeface="Arial"/>
-        <a:defRPr b="0" i="0" sz="1400" u="none" cap="none" strike="noStrike">
+        <a:defRPr sz="1400" b="0" i="0" u="none" strike="noStrike" cap="none">
           <a:solidFill>
             <a:srgbClr val="000000"/>
           </a:solidFill>
@@ -6902,7 +7217,7 @@
       </a:lvl9pPr>
     </p:bodyStyle>
     <p:otherStyle>
-      <a:defPPr lvl="0" marR="0" rtl="0" algn="l">
+      <a:defPPr marR="0" lvl="0" algn="l" rtl="0">
         <a:lnSpc>
           <a:spcPct val="100000"/>
         </a:lnSpc>
@@ -6913,7 +7228,7 @@
           <a:spcPts val="0"/>
         </a:spcAft>
       </a:defPPr>
-      <a:lvl1pPr lvl="0" marR="0" rtl="0" algn="l">
+      <a:lvl1pPr marR="0" lvl="0" algn="l" rtl="0">
         <a:lnSpc>
           <a:spcPct val="100000"/>
         </a:lnSpc>
@@ -6927,7 +7242,7 @@
           <a:srgbClr val="000000"/>
         </a:buClr>
         <a:buFont typeface="Arial"/>
-        <a:defRPr b="0" i="0" sz="1400" u="none" cap="none" strike="noStrike">
+        <a:defRPr sz="1400" b="0" i="0" u="none" strike="noStrike" cap="none">
           <a:solidFill>
             <a:srgbClr val="000000"/>
           </a:solidFill>
@@ -6937,7 +7252,7 @@
           <a:sym typeface="Arial"/>
         </a:defRPr>
       </a:lvl1pPr>
-      <a:lvl2pPr lvl="1" marR="0" rtl="0" algn="l">
+      <a:lvl2pPr marR="0" lvl="1" algn="l" rtl="0">
         <a:lnSpc>
           <a:spcPct val="100000"/>
         </a:lnSpc>
@@ -6951,7 +7266,7 @@
           <a:srgbClr val="000000"/>
         </a:buClr>
         <a:buFont typeface="Arial"/>
-        <a:defRPr b="0" i="0" sz="1400" u="none" cap="none" strike="noStrike">
+        <a:defRPr sz="1400" b="0" i="0" u="none" strike="noStrike" cap="none">
           <a:solidFill>
             <a:srgbClr val="000000"/>
           </a:solidFill>
@@ -6961,7 +7276,7 @@
           <a:sym typeface="Arial"/>
         </a:defRPr>
       </a:lvl2pPr>
-      <a:lvl3pPr lvl="2" marR="0" rtl="0" algn="l">
+      <a:lvl3pPr marR="0" lvl="2" algn="l" rtl="0">
         <a:lnSpc>
           <a:spcPct val="100000"/>
         </a:lnSpc>
@@ -6975,7 +7290,7 @@
           <a:srgbClr val="000000"/>
         </a:buClr>
         <a:buFont typeface="Arial"/>
-        <a:defRPr b="0" i="0" sz="1400" u="none" cap="none" strike="noStrike">
+        <a:defRPr sz="1400" b="0" i="0" u="none" strike="noStrike" cap="none">
           <a:solidFill>
             <a:srgbClr val="000000"/>
           </a:solidFill>
@@ -6985,7 +7300,7 @@
           <a:sym typeface="Arial"/>
         </a:defRPr>
       </a:lvl3pPr>
-      <a:lvl4pPr lvl="3" marR="0" rtl="0" algn="l">
+      <a:lvl4pPr marR="0" lvl="3" algn="l" rtl="0">
         <a:lnSpc>
           <a:spcPct val="100000"/>
         </a:lnSpc>
@@ -6999,7 +7314,7 @@
           <a:srgbClr val="000000"/>
         </a:buClr>
         <a:buFont typeface="Arial"/>
-        <a:defRPr b="0" i="0" sz="1400" u="none" cap="none" strike="noStrike">
+        <a:defRPr sz="1400" b="0" i="0" u="none" strike="noStrike" cap="none">
           <a:solidFill>
             <a:srgbClr val="000000"/>
           </a:solidFill>
@@ -7009,7 +7324,7 @@
           <a:sym typeface="Arial"/>
         </a:defRPr>
       </a:lvl4pPr>
-      <a:lvl5pPr lvl="4" marR="0" rtl="0" algn="l">
+      <a:lvl5pPr marR="0" lvl="4" algn="l" rtl="0">
         <a:lnSpc>
           <a:spcPct val="100000"/>
         </a:lnSpc>
@@ -7023,7 +7338,7 @@
           <a:srgbClr val="000000"/>
         </a:buClr>
         <a:buFont typeface="Arial"/>
-        <a:defRPr b="0" i="0" sz="1400" u="none" cap="none" strike="noStrike">
+        <a:defRPr sz="1400" b="0" i="0" u="none" strike="noStrike" cap="none">
           <a:solidFill>
             <a:srgbClr val="000000"/>
           </a:solidFill>
@@ -7033,7 +7348,7 @@
           <a:sym typeface="Arial"/>
         </a:defRPr>
       </a:lvl5pPr>
-      <a:lvl6pPr lvl="5" marR="0" rtl="0" algn="l">
+      <a:lvl6pPr marR="0" lvl="5" algn="l" rtl="0">
         <a:lnSpc>
           <a:spcPct val="100000"/>
         </a:lnSpc>
@@ -7047,7 +7362,7 @@
           <a:srgbClr val="000000"/>
         </a:buClr>
         <a:buFont typeface="Arial"/>
-        <a:defRPr b="0" i="0" sz="1400" u="none" cap="none" strike="noStrike">
+        <a:defRPr sz="1400" b="0" i="0" u="none" strike="noStrike" cap="none">
           <a:solidFill>
             <a:srgbClr val="000000"/>
           </a:solidFill>
@@ -7057,7 +7372,7 @@
           <a:sym typeface="Arial"/>
         </a:defRPr>
       </a:lvl6pPr>
-      <a:lvl7pPr lvl="6" marR="0" rtl="0" algn="l">
+      <a:lvl7pPr marR="0" lvl="6" algn="l" rtl="0">
         <a:lnSpc>
           <a:spcPct val="100000"/>
         </a:lnSpc>
@@ -7071,7 +7386,7 @@
           <a:srgbClr val="000000"/>
         </a:buClr>
         <a:buFont typeface="Arial"/>
-        <a:defRPr b="0" i="0" sz="1400" u="none" cap="none" strike="noStrike">
+        <a:defRPr sz="1400" b="0" i="0" u="none" strike="noStrike" cap="none">
           <a:solidFill>
             <a:srgbClr val="000000"/>
           </a:solidFill>
@@ -7081,7 +7396,7 @@
           <a:sym typeface="Arial"/>
         </a:defRPr>
       </a:lvl7pPr>
-      <a:lvl8pPr lvl="7" marR="0" rtl="0" algn="l">
+      <a:lvl8pPr marR="0" lvl="7" algn="l" rtl="0">
         <a:lnSpc>
           <a:spcPct val="100000"/>
         </a:lnSpc>
@@ -7095,7 +7410,7 @@
           <a:srgbClr val="000000"/>
         </a:buClr>
         <a:buFont typeface="Arial"/>
-        <a:defRPr b="0" i="0" sz="1400" u="none" cap="none" strike="noStrike">
+        <a:defRPr sz="1400" b="0" i="0" u="none" strike="noStrike" cap="none">
           <a:solidFill>
             <a:srgbClr val="000000"/>
           </a:solidFill>
@@ -7105,7 +7420,7 @@
           <a:sym typeface="Arial"/>
         </a:defRPr>
       </a:lvl8pPr>
-      <a:lvl9pPr lvl="8" marR="0" rtl="0" algn="l">
+      <a:lvl9pPr marR="0" lvl="8" algn="l" rtl="0">
         <a:lnSpc>
           <a:spcPct val="100000"/>
         </a:lnSpc>
@@ -7119,7 +7434,7 @@
           <a:srgbClr val="000000"/>
         </a:buClr>
         <a:buFont typeface="Arial"/>
-        <a:defRPr b="0" i="0" sz="1400" u="none" cap="none" strike="noStrike">
+        <a:defRPr sz="1400" b="0" i="0" u="none" strike="noStrike" cap="none">
           <a:solidFill>
             <a:srgbClr val="000000"/>
           </a:solidFill>
@@ -7135,11 +7450,11 @@
 </file>
 
 <file path=ppt/slides/slide1.xml><?xml version="1.0" encoding="utf-8"?>
-<p:sld xmlns:a="http://schemas.openxmlformats.org/drawingml/2006/main" xmlns:r="http://schemas.openxmlformats.org/officeDocument/2006/relationships" xmlns:mc="http://schemas.openxmlformats.org/markup-compatibility/2006" xmlns:mv="urn:schemas-microsoft-com:mac:vml" xmlns:p="http://schemas.openxmlformats.org/presentationml/2006/main" xmlns:c="http://schemas.openxmlformats.org/drawingml/2006/chart" xmlns:dgm="http://schemas.openxmlformats.org/drawingml/2006/diagram" xmlns:o="urn:schemas-microsoft-com:office:office" xmlns:v="urn:schemas-microsoft-com:vml" xmlns:pvml="urn:schemas-microsoft-com:office:powerpoint" xmlns:com="http://schemas.openxmlformats.org/drawingml/2006/compatibility" xmlns:p14="http://schemas.microsoft.com/office/powerpoint/2010/main" xmlns:p15="http://schemas.microsoft.com/office/powerpoint/2012/main" xmlns:ahyp="http://schemas.microsoft.com/office/drawing/2018/hyperlinkcolor">
+<p:sld xmlns:a="http://schemas.openxmlformats.org/drawingml/2006/main" xmlns:r="http://schemas.openxmlformats.org/officeDocument/2006/relationships" xmlns:p="http://schemas.openxmlformats.org/presentationml/2006/main">
   <p:cSld>
     <p:spTree>
       <p:nvGrpSpPr>
-        <p:cNvPr id="53" name="Shape 53"/>
+        <p:cNvPr id="1" name="Shape 53"/>
         <p:cNvGrpSpPr/>
         <p:nvPr/>
       </p:nvGrpSpPr>
@@ -7154,7 +7469,9 @@
       <p:sp>
         <p:nvSpPr>
           <p:cNvPr id="54" name="Google Shape;54;p13"/>
-          <p:cNvSpPr txBox="1"/>
+          <p:cNvSpPr txBox="1">
+            <a:spLocks noGrp="1"/>
+          </p:cNvSpPr>
           <p:nvPr>
             <p:ph type="ctrTitle"/>
           </p:nvPr>
@@ -7169,12 +7486,12 @@
           </a:prstGeom>
         </p:spPr>
         <p:txBody>
-          <a:bodyPr anchorCtr="0" anchor="b" bIns="91425" lIns="91425" spcFirstLastPara="1" rIns="91425" wrap="square" tIns="91425">
+          <a:bodyPr spcFirstLastPara="1" wrap="square" lIns="91425" tIns="91425" rIns="91425" bIns="91425" anchor="b" anchorCtr="0">
             <a:normAutofit/>
           </a:bodyPr>
           <a:lstStyle/>
           <a:p>
-            <a:pPr indent="0" lvl="0" marL="0" rtl="0" algn="ctr">
+            <a:pPr marL="0" lvl="0" indent="0" algn="ctr" rtl="0">
               <a:spcBef>
                 <a:spcPts val="0"/>
               </a:spcBef>
@@ -7194,9 +7511,11 @@
       <p:sp>
         <p:nvSpPr>
           <p:cNvPr id="55" name="Google Shape;55;p13"/>
-          <p:cNvSpPr txBox="1"/>
+          <p:cNvSpPr txBox="1">
+            <a:spLocks noGrp="1"/>
+          </p:cNvSpPr>
           <p:nvPr>
-            <p:ph idx="1" type="subTitle"/>
+            <p:ph type="subTitle" idx="1"/>
           </p:nvPr>
         </p:nvSpPr>
         <p:spPr>
@@ -7209,12 +7528,12 @@
           </a:prstGeom>
         </p:spPr>
         <p:txBody>
-          <a:bodyPr anchorCtr="0" anchor="t" bIns="91425" lIns="91425" spcFirstLastPara="1" rIns="91425" wrap="square" tIns="91425">
+          <a:bodyPr spcFirstLastPara="1" wrap="square" lIns="91425" tIns="91425" rIns="91425" bIns="91425" anchor="t" anchorCtr="0">
             <a:normAutofit/>
           </a:bodyPr>
           <a:lstStyle/>
           <a:p>
-            <a:pPr indent="0" lvl="0" marL="0" rtl="0" algn="ctr">
+            <a:pPr marL="0" lvl="0" indent="0" algn="ctr" rtl="0">
               <a:spcBef>
                 <a:spcPts val="0"/>
               </a:spcBef>
@@ -7223,9 +7542,6 @@
               </a:spcAft>
               <a:buNone/>
             </a:pPr>
-            <a:r>
-              <a:t/>
-            </a:r>
             <a:endParaRPr/>
           </a:p>
         </p:txBody>
@@ -7239,11 +7555,11 @@
 </file>
 
 <file path=ppt/slides/slide10.xml><?xml version="1.0" encoding="utf-8"?>
-<p:sld xmlns:a="http://schemas.openxmlformats.org/drawingml/2006/main" xmlns:r="http://schemas.openxmlformats.org/officeDocument/2006/relationships" xmlns:mc="http://schemas.openxmlformats.org/markup-compatibility/2006" xmlns:mv="urn:schemas-microsoft-com:mac:vml" xmlns:p="http://schemas.openxmlformats.org/presentationml/2006/main" xmlns:c="http://schemas.openxmlformats.org/drawingml/2006/chart" xmlns:dgm="http://schemas.openxmlformats.org/drawingml/2006/diagram" xmlns:o="urn:schemas-microsoft-com:office:office" xmlns:v="urn:schemas-microsoft-com:vml" xmlns:pvml="urn:schemas-microsoft-com:office:powerpoint" xmlns:com="http://schemas.openxmlformats.org/drawingml/2006/compatibility" xmlns:p14="http://schemas.microsoft.com/office/powerpoint/2010/main" xmlns:p15="http://schemas.microsoft.com/office/powerpoint/2012/main" xmlns:ahyp="http://schemas.microsoft.com/office/drawing/2018/hyperlinkcolor">
+<p:sld xmlns:a="http://schemas.openxmlformats.org/drawingml/2006/main" xmlns:r="http://schemas.openxmlformats.org/officeDocument/2006/relationships" xmlns:p="http://schemas.openxmlformats.org/presentationml/2006/main">
   <p:cSld>
     <p:spTree>
       <p:nvGrpSpPr>
-        <p:cNvPr id="112" name="Shape 112"/>
+        <p:cNvPr id="1" name="Shape 112"/>
         <p:cNvGrpSpPr/>
         <p:nvPr/>
       </p:nvGrpSpPr>
@@ -7258,7 +7574,9 @@
       <p:sp>
         <p:nvSpPr>
           <p:cNvPr id="113" name="Google Shape;113;p22"/>
-          <p:cNvSpPr txBox="1"/>
+          <p:cNvSpPr txBox="1">
+            <a:spLocks noGrp="1"/>
+          </p:cNvSpPr>
           <p:nvPr>
             <p:ph type="title"/>
           </p:nvPr>
@@ -7273,12 +7591,12 @@
           </a:prstGeom>
         </p:spPr>
         <p:txBody>
-          <a:bodyPr anchorCtr="0" anchor="t" bIns="91425" lIns="91425" spcFirstLastPara="1" rIns="91425" wrap="square" tIns="91425">
+          <a:bodyPr spcFirstLastPara="1" wrap="square" lIns="91425" tIns="91425" rIns="91425" bIns="91425" anchor="t" anchorCtr="0">
             <a:normAutofit fontScale="90000"/>
           </a:bodyPr>
           <a:lstStyle/>
           <a:p>
-            <a:pPr indent="0" lvl="0" marL="0" rtl="0" algn="l">
+            <a:pPr marL="0" lvl="0" indent="0" algn="l" rtl="0">
               <a:spcBef>
                 <a:spcPts val="0"/>
               </a:spcBef>
@@ -7298,9 +7616,11 @@
       <p:sp>
         <p:nvSpPr>
           <p:cNvPr id="114" name="Google Shape;114;p22"/>
-          <p:cNvSpPr txBox="1"/>
+          <p:cNvSpPr txBox="1">
+            <a:spLocks noGrp="1"/>
+          </p:cNvSpPr>
           <p:nvPr>
-            <p:ph idx="1" type="body"/>
+            <p:ph type="body" idx="1"/>
           </p:nvPr>
         </p:nvSpPr>
         <p:spPr>
@@ -7313,12 +7633,12 @@
           </a:prstGeom>
         </p:spPr>
         <p:txBody>
-          <a:bodyPr anchorCtr="0" anchor="t" bIns="91425" lIns="91425" spcFirstLastPara="1" rIns="91425" wrap="square" tIns="91425">
+          <a:bodyPr spcFirstLastPara="1" wrap="square" lIns="91425" tIns="91425" rIns="91425" bIns="91425" anchor="t" anchorCtr="0">
             <a:normAutofit/>
           </a:bodyPr>
           <a:lstStyle/>
           <a:p>
-            <a:pPr indent="0" lvl="0" marL="0" rtl="0" algn="l">
+            <a:pPr marL="0" lvl="0" indent="0" algn="l" rtl="0">
               <a:spcBef>
                 <a:spcPts val="0"/>
               </a:spcBef>
@@ -7347,7 +7667,7 @@
             </a:endParaRPr>
           </a:p>
           <a:p>
-            <a:pPr indent="0" lvl="0" marL="0" rtl="0" algn="l">
+            <a:pPr marL="0" lvl="0" indent="0" algn="l" rtl="0">
               <a:spcBef>
                 <a:spcPts val="0"/>
               </a:spcBef>
@@ -7389,11 +7709,11 @@
 </file>
 
 <file path=ppt/slides/slide11.xml><?xml version="1.0" encoding="utf-8"?>
-<p:sld xmlns:a="http://schemas.openxmlformats.org/drawingml/2006/main" xmlns:r="http://schemas.openxmlformats.org/officeDocument/2006/relationships" xmlns:mc="http://schemas.openxmlformats.org/markup-compatibility/2006" xmlns:mv="urn:schemas-microsoft-com:mac:vml" xmlns:p="http://schemas.openxmlformats.org/presentationml/2006/main" xmlns:c="http://schemas.openxmlformats.org/drawingml/2006/chart" xmlns:dgm="http://schemas.openxmlformats.org/drawingml/2006/diagram" xmlns:o="urn:schemas-microsoft-com:office:office" xmlns:v="urn:schemas-microsoft-com:vml" xmlns:pvml="urn:schemas-microsoft-com:office:powerpoint" xmlns:com="http://schemas.openxmlformats.org/drawingml/2006/compatibility" xmlns:p14="http://schemas.microsoft.com/office/powerpoint/2010/main" xmlns:p15="http://schemas.microsoft.com/office/powerpoint/2012/main" xmlns:ahyp="http://schemas.microsoft.com/office/drawing/2018/hyperlinkcolor">
+<p:sld xmlns:a="http://schemas.openxmlformats.org/drawingml/2006/main" xmlns:r="http://schemas.openxmlformats.org/officeDocument/2006/relationships" xmlns:p="http://schemas.openxmlformats.org/presentationml/2006/main">
   <p:cSld>
     <p:spTree>
       <p:nvGrpSpPr>
-        <p:cNvPr id="118" name="Shape 118"/>
+        <p:cNvPr id="1" name="Shape 118"/>
         <p:cNvGrpSpPr/>
         <p:nvPr/>
       </p:nvGrpSpPr>
@@ -7408,7 +7728,9 @@
       <p:sp>
         <p:nvSpPr>
           <p:cNvPr id="119" name="Google Shape;119;p23"/>
-          <p:cNvSpPr txBox="1"/>
+          <p:cNvSpPr txBox="1">
+            <a:spLocks noGrp="1"/>
+          </p:cNvSpPr>
           <p:nvPr>
             <p:ph type="title"/>
           </p:nvPr>
@@ -7423,12 +7745,12 @@
           </a:prstGeom>
         </p:spPr>
         <p:txBody>
-          <a:bodyPr anchorCtr="0" anchor="t" bIns="91425" lIns="91425" spcFirstLastPara="1" rIns="91425" wrap="square" tIns="91425">
+          <a:bodyPr spcFirstLastPara="1" wrap="square" lIns="91425" tIns="91425" rIns="91425" bIns="91425" anchor="t" anchorCtr="0">
             <a:normAutofit fontScale="90000"/>
           </a:bodyPr>
           <a:lstStyle/>
           <a:p>
-            <a:pPr indent="0" lvl="0" marL="0" rtl="0" algn="l">
+            <a:pPr marL="0" lvl="0" indent="0" algn="l" rtl="0">
               <a:spcBef>
                 <a:spcPts val="0"/>
               </a:spcBef>
@@ -7448,9 +7770,11 @@
       <p:sp>
         <p:nvSpPr>
           <p:cNvPr id="120" name="Google Shape;120;p23"/>
-          <p:cNvSpPr txBox="1"/>
+          <p:cNvSpPr txBox="1">
+            <a:spLocks noGrp="1"/>
+          </p:cNvSpPr>
           <p:nvPr>
-            <p:ph idx="1" type="body"/>
+            <p:ph type="body" idx="1"/>
           </p:nvPr>
         </p:nvSpPr>
         <p:spPr>
@@ -7463,12 +7787,12 @@
           </a:prstGeom>
         </p:spPr>
         <p:txBody>
-          <a:bodyPr anchorCtr="0" anchor="t" bIns="91425" lIns="91425" spcFirstLastPara="1" rIns="91425" wrap="square" tIns="91425">
+          <a:bodyPr spcFirstLastPara="1" wrap="square" lIns="91425" tIns="91425" rIns="91425" bIns="91425" anchor="t" anchorCtr="0">
             <a:normAutofit/>
           </a:bodyPr>
           <a:lstStyle/>
           <a:p>
-            <a:pPr indent="0" lvl="0" marL="0" rtl="0" algn="l">
+            <a:pPr marL="0" lvl="0" indent="0" algn="l" rtl="0">
               <a:spcBef>
                 <a:spcPts val="1800"/>
               </a:spcBef>
@@ -7559,11 +7883,11 @@
 </file>
 
 <file path=ppt/slides/slide12.xml><?xml version="1.0" encoding="utf-8"?>
-<p:sld xmlns:a="http://schemas.openxmlformats.org/drawingml/2006/main" xmlns:r="http://schemas.openxmlformats.org/officeDocument/2006/relationships" xmlns:mc="http://schemas.openxmlformats.org/markup-compatibility/2006" xmlns:mv="urn:schemas-microsoft-com:mac:vml" xmlns:p="http://schemas.openxmlformats.org/presentationml/2006/main" xmlns:c="http://schemas.openxmlformats.org/drawingml/2006/chart" xmlns:dgm="http://schemas.openxmlformats.org/drawingml/2006/diagram" xmlns:o="urn:schemas-microsoft-com:office:office" xmlns:v="urn:schemas-microsoft-com:vml" xmlns:pvml="urn:schemas-microsoft-com:office:powerpoint" xmlns:com="http://schemas.openxmlformats.org/drawingml/2006/compatibility" xmlns:p14="http://schemas.microsoft.com/office/powerpoint/2010/main" xmlns:p15="http://schemas.microsoft.com/office/powerpoint/2012/main" xmlns:ahyp="http://schemas.microsoft.com/office/drawing/2018/hyperlinkcolor">
+<p:sld xmlns:a="http://schemas.openxmlformats.org/drawingml/2006/main" xmlns:r="http://schemas.openxmlformats.org/officeDocument/2006/relationships" xmlns:p="http://schemas.openxmlformats.org/presentationml/2006/main">
   <p:cSld>
     <p:spTree>
       <p:nvGrpSpPr>
-        <p:cNvPr id="126" name="Shape 126"/>
+        <p:cNvPr id="1" name="Shape 126"/>
         <p:cNvGrpSpPr/>
         <p:nvPr/>
       </p:nvGrpSpPr>
@@ -7578,7 +7902,9 @@
       <p:sp>
         <p:nvSpPr>
           <p:cNvPr id="127" name="Google Shape;127;p24"/>
-          <p:cNvSpPr txBox="1"/>
+          <p:cNvSpPr txBox="1">
+            <a:spLocks noGrp="1"/>
+          </p:cNvSpPr>
           <p:nvPr>
             <p:ph type="title"/>
           </p:nvPr>
@@ -7593,12 +7919,12 @@
           </a:prstGeom>
         </p:spPr>
         <p:txBody>
-          <a:bodyPr anchorCtr="0" anchor="t" bIns="91425" lIns="91425" spcFirstLastPara="1" rIns="91425" wrap="square" tIns="91425">
+          <a:bodyPr spcFirstLastPara="1" wrap="square" lIns="91425" tIns="91425" rIns="91425" bIns="91425" anchor="t" anchorCtr="0">
             <a:normAutofit fontScale="90000"/>
           </a:bodyPr>
           <a:lstStyle/>
           <a:p>
-            <a:pPr indent="0" lvl="0" marL="0" rtl="0" algn="l">
+            <a:pPr marL="0" lvl="0" indent="0" algn="l" rtl="0">
               <a:spcBef>
                 <a:spcPts val="0"/>
               </a:spcBef>
@@ -7618,9 +7944,11 @@
       <p:sp>
         <p:nvSpPr>
           <p:cNvPr id="128" name="Google Shape;128;p24"/>
-          <p:cNvSpPr txBox="1"/>
+          <p:cNvSpPr txBox="1">
+            <a:spLocks noGrp="1"/>
+          </p:cNvSpPr>
           <p:nvPr>
-            <p:ph idx="1" type="body"/>
+            <p:ph type="body" idx="1"/>
           </p:nvPr>
         </p:nvSpPr>
         <p:spPr>
@@ -7633,12 +7961,12 @@
           </a:prstGeom>
         </p:spPr>
         <p:txBody>
-          <a:bodyPr anchorCtr="0" anchor="t" bIns="91425" lIns="91425" spcFirstLastPara="1" rIns="91425" wrap="square" tIns="91425">
+          <a:bodyPr spcFirstLastPara="1" wrap="square" lIns="91425" tIns="91425" rIns="91425" bIns="91425" anchor="t" anchorCtr="0">
             <a:normAutofit/>
           </a:bodyPr>
           <a:lstStyle/>
           <a:p>
-            <a:pPr indent="0" lvl="0" marL="0" rtl="0" algn="l">
+            <a:pPr marL="0" lvl="0" indent="0" algn="l" rtl="0">
               <a:spcBef>
                 <a:spcPts val="0"/>
               </a:spcBef>
@@ -7647,10 +7975,7 @@
               </a:spcAft>
               <a:buNone/>
             </a:pPr>
-            <a:r>
-              <a:t/>
-            </a:r>
-            <a:endParaRPr/>
+            <a:endParaRPr dirty="0"/>
           </a:p>
         </p:txBody>
       </p:sp>
@@ -7684,30 +8009,32 @@
       </p:pic>
       <p:pic>
         <p:nvPicPr>
-          <p:cNvPr id="130" name="Google Shape;130;p24"/>
-          <p:cNvPicPr preferRelativeResize="0"/>
+          <p:cNvPr id="5" name="Рисунок 4">
+            <a:extLst>
+              <a:ext uri="{FF2B5EF4-FFF2-40B4-BE49-F238E27FC236}">
+                <a16:creationId xmlns:a16="http://schemas.microsoft.com/office/drawing/2014/main" id="{6B11B8EC-7451-A1BD-04C9-AA2483604110}"/>
+              </a:ext>
+            </a:extLst>
+          </p:cNvPr>
+          <p:cNvPicPr>
+            <a:picLocks noChangeAspect="1"/>
+          </p:cNvPicPr>
           <p:nvPr/>
         </p:nvPicPr>
         <p:blipFill>
-          <a:blip r:embed="rId4">
-            <a:alphaModFix/>
-          </a:blip>
+          <a:blip r:embed="rId4"/>
           <a:stretch>
             <a:fillRect/>
           </a:stretch>
         </p:blipFill>
         <p:spPr>
           <a:xfrm>
-            <a:off x="1908247" y="863550"/>
-            <a:ext cx="1563178" cy="3416400"/>
+            <a:off x="311700" y="996200"/>
+            <a:ext cx="3275118" cy="3844705"/>
           </a:xfrm>
           <a:prstGeom prst="rect">
             <a:avLst/>
           </a:prstGeom>
-          <a:noFill/>
-          <a:ln>
-            <a:noFill/>
-          </a:ln>
         </p:spPr>
       </p:pic>
     </p:spTree>
@@ -7719,11 +8046,179 @@
 </file>
 
 <file path=ppt/slides/slide13.xml><?xml version="1.0" encoding="utf-8"?>
-<p:sld xmlns:a="http://schemas.openxmlformats.org/drawingml/2006/main" xmlns:r="http://schemas.openxmlformats.org/officeDocument/2006/relationships" xmlns:mc="http://schemas.openxmlformats.org/markup-compatibility/2006" xmlns:mv="urn:schemas-microsoft-com:mac:vml" xmlns:p="http://schemas.openxmlformats.org/presentationml/2006/main" xmlns:c="http://schemas.openxmlformats.org/drawingml/2006/chart" xmlns:dgm="http://schemas.openxmlformats.org/drawingml/2006/diagram" xmlns:o="urn:schemas-microsoft-com:office:office" xmlns:v="urn:schemas-microsoft-com:vml" xmlns:pvml="urn:schemas-microsoft-com:office:powerpoint" xmlns:com="http://schemas.openxmlformats.org/drawingml/2006/compatibility" xmlns:p14="http://schemas.microsoft.com/office/powerpoint/2010/main" xmlns:p15="http://schemas.microsoft.com/office/powerpoint/2012/main" xmlns:ahyp="http://schemas.microsoft.com/office/drawing/2018/hyperlinkcolor">
+<p:sld xmlns:a="http://schemas.openxmlformats.org/drawingml/2006/main" xmlns:r="http://schemas.openxmlformats.org/officeDocument/2006/relationships" xmlns:p="http://schemas.openxmlformats.org/presentationml/2006/main">
   <p:cSld>
     <p:spTree>
       <p:nvGrpSpPr>
-        <p:cNvPr id="134" name="Shape 134"/>
+        <p:cNvPr id="1" name="Shape 126"/>
+        <p:cNvGrpSpPr/>
+        <p:nvPr/>
+      </p:nvGrpSpPr>
+      <p:grpSpPr>
+        <a:xfrm>
+          <a:off x="0" y="0"/>
+          <a:ext cx="0" cy="0"/>
+          <a:chOff x="0" y="0"/>
+          <a:chExt cx="0" cy="0"/>
+        </a:xfrm>
+      </p:grpSpPr>
+      <p:sp>
+        <p:nvSpPr>
+          <p:cNvPr id="127" name="Google Shape;127;p24"/>
+          <p:cNvSpPr txBox="1">
+            <a:spLocks noGrp="1"/>
+          </p:cNvSpPr>
+          <p:nvPr>
+            <p:ph type="title"/>
+          </p:nvPr>
+        </p:nvSpPr>
+        <p:spPr>
+          <a:xfrm>
+            <a:off x="311700" y="445025"/>
+            <a:ext cx="8520600" cy="572700"/>
+          </a:xfrm>
+          <a:prstGeom prst="rect">
+            <a:avLst/>
+          </a:prstGeom>
+        </p:spPr>
+        <p:txBody>
+          <a:bodyPr spcFirstLastPara="1" wrap="square" lIns="91425" tIns="91425" rIns="91425" bIns="91425" anchor="t" anchorCtr="0">
+            <a:normAutofit fontScale="90000"/>
+          </a:bodyPr>
+          <a:lstStyle/>
+          <a:p>
+            <a:pPr marL="0" lvl="0" indent="0" algn="l" rtl="0">
+              <a:spcBef>
+                <a:spcPts val="0"/>
+              </a:spcBef>
+              <a:spcAft>
+                <a:spcPts val="0"/>
+              </a:spcAft>
+              <a:buNone/>
+            </a:pPr>
+            <a:r>
+              <a:rPr lang="ru"/>
+              <a:t>Пример</a:t>
+            </a:r>
+            <a:endParaRPr/>
+          </a:p>
+        </p:txBody>
+      </p:sp>
+      <p:sp>
+        <p:nvSpPr>
+          <p:cNvPr id="128" name="Google Shape;128;p24"/>
+          <p:cNvSpPr txBox="1">
+            <a:spLocks noGrp="1"/>
+          </p:cNvSpPr>
+          <p:nvPr>
+            <p:ph type="body" idx="1"/>
+          </p:nvPr>
+        </p:nvSpPr>
+        <p:spPr>
+          <a:xfrm>
+            <a:off x="311700" y="1152475"/>
+            <a:ext cx="8520600" cy="3416400"/>
+          </a:xfrm>
+          <a:prstGeom prst="rect">
+            <a:avLst/>
+          </a:prstGeom>
+        </p:spPr>
+        <p:txBody>
+          <a:bodyPr spcFirstLastPara="1" wrap="square" lIns="91425" tIns="91425" rIns="91425" bIns="91425" anchor="t" anchorCtr="0">
+            <a:normAutofit/>
+          </a:bodyPr>
+          <a:lstStyle/>
+          <a:p>
+            <a:pPr marL="0" lvl="0" indent="0" algn="l" rtl="0">
+              <a:spcBef>
+                <a:spcPts val="0"/>
+              </a:spcBef>
+              <a:spcAft>
+                <a:spcPts val="1200"/>
+              </a:spcAft>
+              <a:buNone/>
+            </a:pPr>
+            <a:endParaRPr dirty="0"/>
+          </a:p>
+        </p:txBody>
+      </p:sp>
+      <p:pic>
+        <p:nvPicPr>
+          <p:cNvPr id="129" name="Google Shape;129;p24"/>
+          <p:cNvPicPr preferRelativeResize="0"/>
+          <p:nvPr/>
+        </p:nvPicPr>
+        <p:blipFill>
+          <a:blip r:embed="rId3">
+            <a:alphaModFix/>
+          </a:blip>
+          <a:stretch>
+            <a:fillRect/>
+          </a:stretch>
+        </p:blipFill>
+        <p:spPr>
+          <a:xfrm>
+            <a:off x="3924751" y="660450"/>
+            <a:ext cx="4611626" cy="3822599"/>
+          </a:xfrm>
+          <a:prstGeom prst="rect">
+            <a:avLst/>
+          </a:prstGeom>
+          <a:noFill/>
+          <a:ln>
+            <a:noFill/>
+          </a:ln>
+        </p:spPr>
+      </p:pic>
+      <p:pic>
+        <p:nvPicPr>
+          <p:cNvPr id="3" name="Рисунок 2">
+            <a:extLst>
+              <a:ext uri="{FF2B5EF4-FFF2-40B4-BE49-F238E27FC236}">
+                <a16:creationId xmlns:a16="http://schemas.microsoft.com/office/drawing/2014/main" id="{D8B58FEE-C68B-0C9B-BA56-F9F6D23501C2}"/>
+              </a:ext>
+            </a:extLst>
+          </p:cNvPr>
+          <p:cNvPicPr>
+            <a:picLocks noChangeAspect="1"/>
+          </p:cNvPicPr>
+          <p:nvPr/>
+        </p:nvPicPr>
+        <p:blipFill>
+          <a:blip r:embed="rId4"/>
+          <a:stretch>
+            <a:fillRect/>
+          </a:stretch>
+        </p:blipFill>
+        <p:spPr>
+          <a:xfrm>
+            <a:off x="311700" y="1152476"/>
+            <a:ext cx="3346796" cy="2342092"/>
+          </a:xfrm>
+          <a:prstGeom prst="rect">
+            <a:avLst/>
+          </a:prstGeom>
+        </p:spPr>
+      </p:pic>
+    </p:spTree>
+    <p:extLst>
+      <p:ext uri="{BB962C8B-B14F-4D97-AF65-F5344CB8AC3E}">
+        <p14:creationId xmlns:p14="http://schemas.microsoft.com/office/powerpoint/2010/main" val="2592735387"/>
+      </p:ext>
+    </p:extLst>
+  </p:cSld>
+  <p:clrMapOvr>
+    <a:masterClrMapping/>
+  </p:clrMapOvr>
+</p:sld>
+</file>
+
+<file path=ppt/slides/slide14.xml><?xml version="1.0" encoding="utf-8"?>
+<p:sld xmlns:a="http://schemas.openxmlformats.org/drawingml/2006/main" xmlns:r="http://schemas.openxmlformats.org/officeDocument/2006/relationships" xmlns:p="http://schemas.openxmlformats.org/presentationml/2006/main">
+  <p:cSld>
+    <p:spTree>
+      <p:nvGrpSpPr>
+        <p:cNvPr id="1" name="Shape 134"/>
         <p:cNvGrpSpPr/>
         <p:nvPr/>
       </p:nvGrpSpPr>
@@ -7738,7 +8233,9 @@
       <p:sp>
         <p:nvSpPr>
           <p:cNvPr id="135" name="Google Shape;135;p25"/>
-          <p:cNvSpPr txBox="1"/>
+          <p:cNvSpPr txBox="1">
+            <a:spLocks noGrp="1"/>
+          </p:cNvSpPr>
           <p:nvPr>
             <p:ph type="title"/>
           </p:nvPr>
@@ -7753,12 +8250,12 @@
           </a:prstGeom>
         </p:spPr>
         <p:txBody>
-          <a:bodyPr anchorCtr="0" anchor="t" bIns="91425" lIns="91425" spcFirstLastPara="1" rIns="91425" wrap="square" tIns="91425">
+          <a:bodyPr spcFirstLastPara="1" wrap="square" lIns="91425" tIns="91425" rIns="91425" bIns="91425" anchor="t" anchorCtr="0">
             <a:normAutofit fontScale="90000"/>
           </a:bodyPr>
           <a:lstStyle/>
           <a:p>
-            <a:pPr indent="0" lvl="0" marL="0" rtl="0" algn="l">
+            <a:pPr marL="0" lvl="0" indent="0" algn="l" rtl="0">
               <a:spcBef>
                 <a:spcPts val="0"/>
               </a:spcBef>
@@ -7778,9 +8275,11 @@
       <p:sp>
         <p:nvSpPr>
           <p:cNvPr id="136" name="Google Shape;136;p25"/>
-          <p:cNvSpPr txBox="1"/>
+          <p:cNvSpPr txBox="1">
+            <a:spLocks noGrp="1"/>
+          </p:cNvSpPr>
           <p:nvPr>
-            <p:ph idx="1" type="body"/>
+            <p:ph type="body" idx="1"/>
           </p:nvPr>
         </p:nvSpPr>
         <p:spPr>
@@ -7793,12 +8292,12 @@
           </a:prstGeom>
         </p:spPr>
         <p:txBody>
-          <a:bodyPr anchorCtr="0" anchor="t" bIns="91425" lIns="91425" spcFirstLastPara="1" rIns="91425" wrap="square" tIns="91425">
+          <a:bodyPr spcFirstLastPara="1" wrap="square" lIns="91425" tIns="91425" rIns="91425" bIns="91425" anchor="t" anchorCtr="0">
             <a:normAutofit/>
           </a:bodyPr>
           <a:lstStyle/>
           <a:p>
-            <a:pPr indent="0" lvl="0" marL="0" rtl="0" algn="l">
+            <a:pPr marL="0" lvl="0" indent="0" algn="l" rtl="0">
               <a:spcBef>
                 <a:spcPts val="0"/>
               </a:spcBef>
@@ -7827,7 +8326,7 @@
             </a:endParaRPr>
           </a:p>
           <a:p>
-            <a:pPr indent="0" lvl="0" marL="0" rtl="0" algn="l">
+            <a:pPr marL="0" lvl="0" indent="0" algn="l" rtl="0">
               <a:spcBef>
                 <a:spcPts val="0"/>
               </a:spcBef>
@@ -7856,7 +8355,7 @@
             </a:endParaRPr>
           </a:p>
           <a:p>
-            <a:pPr indent="0" lvl="0" marL="0" rtl="0" algn="l">
+            <a:pPr marL="0" lvl="0" indent="0" algn="l" rtl="0">
               <a:spcBef>
                 <a:spcPts val="0"/>
               </a:spcBef>
@@ -7885,7 +8384,7 @@
             </a:endParaRPr>
           </a:p>
           <a:p>
-            <a:pPr indent="0" lvl="0" marL="0" rtl="0" algn="l">
+            <a:pPr marL="0" lvl="0" indent="0" algn="l" rtl="0">
               <a:spcBef>
                 <a:spcPts val="0"/>
               </a:spcBef>
@@ -7894,9 +8393,6 @@
               </a:spcAft>
               <a:buNone/>
             </a:pPr>
-            <a:r>
-              <a:t/>
-            </a:r>
             <a:endParaRPr sz="1500"/>
           </a:p>
         </p:txBody>
@@ -7909,12 +8405,12 @@
 </p:sld>
 </file>
 
-<file path=ppt/slides/slide14.xml><?xml version="1.0" encoding="utf-8"?>
-<p:sld xmlns:a="http://schemas.openxmlformats.org/drawingml/2006/main" xmlns:r="http://schemas.openxmlformats.org/officeDocument/2006/relationships" xmlns:mc="http://schemas.openxmlformats.org/markup-compatibility/2006" xmlns:mv="urn:schemas-microsoft-com:mac:vml" xmlns:p="http://schemas.openxmlformats.org/presentationml/2006/main" xmlns:c="http://schemas.openxmlformats.org/drawingml/2006/chart" xmlns:dgm="http://schemas.openxmlformats.org/drawingml/2006/diagram" xmlns:o="urn:schemas-microsoft-com:office:office" xmlns:v="urn:schemas-microsoft-com:vml" xmlns:pvml="urn:schemas-microsoft-com:office:powerpoint" xmlns:com="http://schemas.openxmlformats.org/drawingml/2006/compatibility" xmlns:p14="http://schemas.microsoft.com/office/powerpoint/2010/main" xmlns:p15="http://schemas.microsoft.com/office/powerpoint/2012/main" xmlns:ahyp="http://schemas.microsoft.com/office/drawing/2018/hyperlinkcolor">
+<file path=ppt/slides/slide15.xml><?xml version="1.0" encoding="utf-8"?>
+<p:sld xmlns:a="http://schemas.openxmlformats.org/drawingml/2006/main" xmlns:r="http://schemas.openxmlformats.org/officeDocument/2006/relationships" xmlns:p="http://schemas.openxmlformats.org/presentationml/2006/main">
   <p:cSld>
     <p:spTree>
       <p:nvGrpSpPr>
-        <p:cNvPr id="140" name="Shape 140"/>
+        <p:cNvPr id="1" name="Shape 140"/>
         <p:cNvGrpSpPr/>
         <p:nvPr/>
       </p:nvGrpSpPr>
@@ -7929,7 +8425,9 @@
       <p:sp>
         <p:nvSpPr>
           <p:cNvPr id="141" name="Google Shape;141;p26"/>
-          <p:cNvSpPr txBox="1"/>
+          <p:cNvSpPr txBox="1">
+            <a:spLocks noGrp="1"/>
+          </p:cNvSpPr>
           <p:nvPr>
             <p:ph type="title"/>
           </p:nvPr>
@@ -7944,12 +8442,12 @@
           </a:prstGeom>
         </p:spPr>
         <p:txBody>
-          <a:bodyPr anchorCtr="0" anchor="t" bIns="91425" lIns="91425" spcFirstLastPara="1" rIns="91425" wrap="square" tIns="91425">
-            <a:normAutofit/>
+          <a:bodyPr spcFirstLastPara="1" wrap="square" lIns="91425" tIns="91425" rIns="91425" bIns="91425" anchor="t" anchorCtr="0">
+            <a:normAutofit fontScale="90000"/>
           </a:bodyPr>
           <a:lstStyle/>
           <a:p>
-            <a:pPr indent="0" lvl="0" marL="0" rtl="0" algn="l">
+            <a:pPr marL="0" lvl="0" indent="0" algn="l" rtl="0">
               <a:lnSpc>
                 <a:spcPct val="115000"/>
               </a:lnSpc>
@@ -7968,15 +8466,7 @@
             </a:pPr>
             <a:r>
               <a:rPr lang="ru" sz="2500"/>
-              <a:t>Register (</a:t>
-            </a:r>
-            <a:r>
-              <a:rPr lang="ru" sz="2500"/>
-              <a:t>1/2</a:t>
-            </a:r>
-            <a:r>
-              <a:rPr lang="ru" sz="2500"/>
-              <a:t>)</a:t>
+              <a:t>Register (1/2)</a:t>
             </a:r>
             <a:endParaRPr sz="2500"/>
           </a:p>
@@ -7985,9 +8475,11 @@
       <p:sp>
         <p:nvSpPr>
           <p:cNvPr id="142" name="Google Shape;142;p26"/>
-          <p:cNvSpPr txBox="1"/>
+          <p:cNvSpPr txBox="1">
+            <a:spLocks noGrp="1"/>
+          </p:cNvSpPr>
           <p:nvPr>
-            <p:ph idx="1" type="body"/>
+            <p:ph type="body" idx="1"/>
           </p:nvPr>
         </p:nvSpPr>
         <p:spPr>
@@ -8000,12 +8492,12 @@
           </a:prstGeom>
         </p:spPr>
         <p:txBody>
-          <a:bodyPr anchorCtr="0" anchor="t" bIns="91425" lIns="91425" spcFirstLastPara="1" rIns="91425" wrap="square" tIns="91425">
+          <a:bodyPr spcFirstLastPara="1" wrap="square" lIns="91425" tIns="91425" rIns="91425" bIns="91425" anchor="t" anchorCtr="0">
             <a:normAutofit/>
           </a:bodyPr>
           <a:lstStyle/>
           <a:p>
-            <a:pPr indent="0" lvl="0" marL="0" rtl="0" algn="l">
+            <a:pPr marL="0" lvl="0" indent="0" algn="l" rtl="0">
               <a:spcBef>
                 <a:spcPts val="0"/>
               </a:spcBef>
@@ -8034,7 +8526,7 @@
             </a:endParaRPr>
           </a:p>
           <a:p>
-            <a:pPr indent="0" lvl="0" marL="0" rtl="0" algn="l">
+            <a:pPr marL="0" lvl="0" indent="0" algn="l" rtl="0">
               <a:spcBef>
                 <a:spcPts val="0"/>
               </a:spcBef>
@@ -8048,9 +8540,6 @@
               <a:buFont typeface="Arial"/>
               <a:buNone/>
             </a:pPr>
-            <a:r>
-              <a:t/>
-            </a:r>
             <a:endParaRPr sz="1500">
               <a:solidFill>
                 <a:schemeClr val="dk1"/>
@@ -8058,7 +8547,7 @@
             </a:endParaRPr>
           </a:p>
           <a:p>
-            <a:pPr indent="0" lvl="0" marL="0" rtl="0" algn="l">
+            <a:pPr marL="0" lvl="0" indent="0" algn="l" rtl="0">
               <a:spcBef>
                 <a:spcPts val="0"/>
               </a:spcBef>
@@ -8087,7 +8576,7 @@
             </a:endParaRPr>
           </a:p>
           <a:p>
-            <a:pPr indent="0" lvl="0" marL="0" rtl="0" algn="l">
+            <a:pPr marL="0" lvl="0" indent="0" algn="l" rtl="0">
               <a:spcBef>
                 <a:spcPts val="0"/>
               </a:spcBef>
@@ -8101,9 +8590,6 @@
               <a:buFont typeface="Arial"/>
               <a:buNone/>
             </a:pPr>
-            <a:r>
-              <a:t/>
-            </a:r>
             <a:endParaRPr sz="1500">
               <a:solidFill>
                 <a:schemeClr val="dk1"/>
@@ -8111,7 +8597,7 @@
             </a:endParaRPr>
           </a:p>
           <a:p>
-            <a:pPr indent="0" lvl="0" marL="0" rtl="0" algn="l">
+            <a:pPr marL="0" lvl="0" indent="0" algn="l" rtl="0">
               <a:spcBef>
                 <a:spcPts val="0"/>
               </a:spcBef>
@@ -8140,7 +8626,7 @@
             </a:endParaRPr>
           </a:p>
           <a:p>
-            <a:pPr indent="0" lvl="0" marL="0" rtl="0" algn="l">
+            <a:pPr marL="0" lvl="0" indent="0" algn="l" rtl="0">
               <a:spcBef>
                 <a:spcPts val="0"/>
               </a:spcBef>
@@ -8169,7 +8655,7 @@
             </a:endParaRPr>
           </a:p>
           <a:p>
-            <a:pPr indent="0" lvl="0" marL="0" rtl="0" algn="l">
+            <a:pPr marL="0" lvl="0" indent="0" algn="l" rtl="0">
               <a:spcBef>
                 <a:spcPts val="0"/>
               </a:spcBef>
@@ -8178,9 +8664,6 @@
               </a:spcAft>
               <a:buNone/>
             </a:pPr>
-            <a:r>
-              <a:t/>
-            </a:r>
             <a:endParaRPr sz="1500"/>
           </a:p>
         </p:txBody>
@@ -8193,12 +8676,12 @@
 </p:sld>
 </file>
 
-<file path=ppt/slides/slide15.xml><?xml version="1.0" encoding="utf-8"?>
-<p:sld xmlns:a="http://schemas.openxmlformats.org/drawingml/2006/main" xmlns:r="http://schemas.openxmlformats.org/officeDocument/2006/relationships" xmlns:mc="http://schemas.openxmlformats.org/markup-compatibility/2006" xmlns:mv="urn:schemas-microsoft-com:mac:vml" xmlns:p="http://schemas.openxmlformats.org/presentationml/2006/main" xmlns:c="http://schemas.openxmlformats.org/drawingml/2006/chart" xmlns:dgm="http://schemas.openxmlformats.org/drawingml/2006/diagram" xmlns:o="urn:schemas-microsoft-com:office:office" xmlns:v="urn:schemas-microsoft-com:vml" xmlns:pvml="urn:schemas-microsoft-com:office:powerpoint" xmlns:com="http://schemas.openxmlformats.org/drawingml/2006/compatibility" xmlns:p14="http://schemas.microsoft.com/office/powerpoint/2010/main" xmlns:p15="http://schemas.microsoft.com/office/powerpoint/2012/main" xmlns:ahyp="http://schemas.microsoft.com/office/drawing/2018/hyperlinkcolor">
+<file path=ppt/slides/slide16.xml><?xml version="1.0" encoding="utf-8"?>
+<p:sld xmlns:a="http://schemas.openxmlformats.org/drawingml/2006/main" xmlns:r="http://schemas.openxmlformats.org/officeDocument/2006/relationships" xmlns:p="http://schemas.openxmlformats.org/presentationml/2006/main">
   <p:cSld>
     <p:spTree>
       <p:nvGrpSpPr>
-        <p:cNvPr id="146" name="Shape 146"/>
+        <p:cNvPr id="1" name="Shape 146"/>
         <p:cNvGrpSpPr/>
         <p:nvPr/>
       </p:nvGrpSpPr>
@@ -8213,7 +8696,9 @@
       <p:sp>
         <p:nvSpPr>
           <p:cNvPr id="147" name="Google Shape;147;p27"/>
-          <p:cNvSpPr txBox="1"/>
+          <p:cNvSpPr txBox="1">
+            <a:spLocks noGrp="1"/>
+          </p:cNvSpPr>
           <p:nvPr>
             <p:ph type="title"/>
           </p:nvPr>
@@ -8228,12 +8713,12 @@
           </a:prstGeom>
         </p:spPr>
         <p:txBody>
-          <a:bodyPr anchorCtr="0" anchor="t" bIns="91425" lIns="91425" spcFirstLastPara="1" rIns="91425" wrap="square" tIns="91425">
+          <a:bodyPr spcFirstLastPara="1" wrap="square" lIns="91425" tIns="91425" rIns="91425" bIns="91425" anchor="t" anchorCtr="0">
             <a:normAutofit fontScale="90000"/>
           </a:bodyPr>
           <a:lstStyle/>
           <a:p>
-            <a:pPr indent="0" lvl="0" marL="0" rtl="0" algn="l">
+            <a:pPr marL="0" lvl="0" indent="0" algn="l" rtl="0">
               <a:lnSpc>
                 <a:spcPct val="115000"/>
               </a:lnSpc>
@@ -8257,7 +8742,7 @@
             <a:endParaRPr sz="2750"/>
           </a:p>
           <a:p>
-            <a:pPr indent="0" lvl="0" marL="0" rtl="0" algn="l">
+            <a:pPr marL="0" lvl="0" indent="0" algn="l" rtl="0">
               <a:spcBef>
                 <a:spcPts val="600"/>
               </a:spcBef>
@@ -8266,9 +8751,6 @@
               </a:spcAft>
               <a:buNone/>
             </a:pPr>
-            <a:r>
-              <a:t/>
-            </a:r>
             <a:endParaRPr/>
           </a:p>
         </p:txBody>
@@ -8276,9 +8758,11 @@
       <p:sp>
         <p:nvSpPr>
           <p:cNvPr id="148" name="Google Shape;148;p27"/>
-          <p:cNvSpPr txBox="1"/>
+          <p:cNvSpPr txBox="1">
+            <a:spLocks noGrp="1"/>
+          </p:cNvSpPr>
           <p:nvPr>
-            <p:ph idx="1" type="body"/>
+            <p:ph type="body" idx="1"/>
           </p:nvPr>
         </p:nvSpPr>
         <p:spPr>
@@ -8291,12 +8775,12 @@
           </a:prstGeom>
         </p:spPr>
         <p:txBody>
-          <a:bodyPr anchorCtr="0" anchor="t" bIns="91425" lIns="91425" spcFirstLastPara="1" rIns="91425" wrap="square" tIns="91425">
+          <a:bodyPr spcFirstLastPara="1" wrap="square" lIns="91425" tIns="91425" rIns="91425" bIns="91425" anchor="t" anchorCtr="0">
             <a:normAutofit/>
           </a:bodyPr>
           <a:lstStyle/>
           <a:p>
-            <a:pPr indent="0" lvl="0" marL="0" rtl="0" algn="l">
+            <a:pPr marL="0" lvl="0" indent="0" algn="l" rtl="0">
               <a:spcBef>
                 <a:spcPts val="0"/>
               </a:spcBef>
@@ -8325,7 +8809,7 @@
             </a:endParaRPr>
           </a:p>
           <a:p>
-            <a:pPr indent="0" lvl="0" marL="0" rtl="0" algn="l">
+            <a:pPr marL="0" lvl="0" indent="0" algn="l" rtl="0">
               <a:spcBef>
                 <a:spcPts val="0"/>
               </a:spcBef>
@@ -8339,9 +8823,6 @@
               <a:buFont typeface="Arial"/>
               <a:buNone/>
             </a:pPr>
-            <a:r>
-              <a:t/>
-            </a:r>
             <a:endParaRPr sz="1500">
               <a:solidFill>
                 <a:schemeClr val="dk1"/>
@@ -8349,7 +8830,7 @@
             </a:endParaRPr>
           </a:p>
           <a:p>
-            <a:pPr indent="0" lvl="0" marL="0" rtl="0" algn="l">
+            <a:pPr marL="0" lvl="0" indent="0" algn="l" rtl="0">
               <a:spcBef>
                 <a:spcPts val="0"/>
               </a:spcBef>
@@ -8378,7 +8859,7 @@
             </a:endParaRPr>
           </a:p>
           <a:p>
-            <a:pPr indent="0" lvl="0" marL="0" rtl="0" algn="l">
+            <a:pPr marL="0" lvl="0" indent="0" algn="l" rtl="0">
               <a:spcBef>
                 <a:spcPts val="0"/>
               </a:spcBef>
@@ -8407,7 +8888,7 @@
             </a:endParaRPr>
           </a:p>
           <a:p>
-            <a:pPr indent="0" lvl="0" marL="0" rtl="0" algn="l">
+            <a:pPr marL="0" lvl="0" indent="0" algn="l" rtl="0">
               <a:spcBef>
                 <a:spcPts val="0"/>
               </a:spcBef>
@@ -8421,9 +8902,6 @@
               <a:buFont typeface="Arial"/>
               <a:buNone/>
             </a:pPr>
-            <a:r>
-              <a:t/>
-            </a:r>
             <a:endParaRPr sz="1500">
               <a:solidFill>
                 <a:schemeClr val="dk1"/>
@@ -8431,7 +8909,7 @@
             </a:endParaRPr>
           </a:p>
           <a:p>
-            <a:pPr indent="0" lvl="0" marL="0" rtl="0" algn="l">
+            <a:pPr marL="0" lvl="0" indent="0" algn="l" rtl="0">
               <a:spcBef>
                 <a:spcPts val="0"/>
               </a:spcBef>
@@ -8460,7 +8938,7 @@
             </a:endParaRPr>
           </a:p>
           <a:p>
-            <a:pPr indent="0" lvl="0" marL="0" rtl="0" algn="l">
+            <a:pPr marL="0" lvl="0" indent="0" algn="l" rtl="0">
               <a:spcBef>
                 <a:spcPts val="0"/>
               </a:spcBef>
@@ -8489,7 +8967,7 @@
             </a:endParaRPr>
           </a:p>
           <a:p>
-            <a:pPr indent="0" lvl="0" marL="0" rtl="0" algn="l">
+            <a:pPr marL="0" lvl="0" indent="0" algn="l" rtl="0">
               <a:spcBef>
                 <a:spcPts val="0"/>
               </a:spcBef>
@@ -8503,9 +8981,6 @@
               <a:buFont typeface="Arial"/>
               <a:buNone/>
             </a:pPr>
-            <a:r>
-              <a:t/>
-            </a:r>
             <a:endParaRPr sz="1500">
               <a:solidFill>
                 <a:schemeClr val="dk1"/>
@@ -8513,7 +8988,7 @@
             </a:endParaRPr>
           </a:p>
           <a:p>
-            <a:pPr indent="0" lvl="0" marL="0" rtl="0" algn="l">
+            <a:pPr marL="0" lvl="0" indent="0" algn="l" rtl="0">
               <a:spcBef>
                 <a:spcPts val="0"/>
               </a:spcBef>
@@ -8547,12 +9022,12 @@
 </p:sld>
 </file>
 
-<file path=ppt/slides/slide16.xml><?xml version="1.0" encoding="utf-8"?>
-<p:sld xmlns:a="http://schemas.openxmlformats.org/drawingml/2006/main" xmlns:r="http://schemas.openxmlformats.org/officeDocument/2006/relationships" xmlns:mc="http://schemas.openxmlformats.org/markup-compatibility/2006" xmlns:mv="urn:schemas-microsoft-com:mac:vml" xmlns:p="http://schemas.openxmlformats.org/presentationml/2006/main" xmlns:c="http://schemas.openxmlformats.org/drawingml/2006/chart" xmlns:dgm="http://schemas.openxmlformats.org/drawingml/2006/diagram" xmlns:o="urn:schemas-microsoft-com:office:office" xmlns:v="urn:schemas-microsoft-com:vml" xmlns:pvml="urn:schemas-microsoft-com:office:powerpoint" xmlns:com="http://schemas.openxmlformats.org/drawingml/2006/compatibility" xmlns:p14="http://schemas.microsoft.com/office/powerpoint/2010/main" xmlns:p15="http://schemas.microsoft.com/office/powerpoint/2012/main" xmlns:ahyp="http://schemas.microsoft.com/office/drawing/2018/hyperlinkcolor">
+<file path=ppt/slides/slide17.xml><?xml version="1.0" encoding="utf-8"?>
+<p:sld xmlns:a="http://schemas.openxmlformats.org/drawingml/2006/main" xmlns:r="http://schemas.openxmlformats.org/officeDocument/2006/relationships" xmlns:p="http://schemas.openxmlformats.org/presentationml/2006/main">
   <p:cSld>
     <p:spTree>
       <p:nvGrpSpPr>
-        <p:cNvPr id="152" name="Shape 152"/>
+        <p:cNvPr id="1" name="Shape 152"/>
         <p:cNvGrpSpPr/>
         <p:nvPr/>
       </p:nvGrpSpPr>
@@ -8567,7 +9042,9 @@
       <p:sp>
         <p:nvSpPr>
           <p:cNvPr id="153" name="Google Shape;153;p28"/>
-          <p:cNvSpPr txBox="1"/>
+          <p:cNvSpPr txBox="1">
+            <a:spLocks noGrp="1"/>
+          </p:cNvSpPr>
           <p:nvPr>
             <p:ph type="title"/>
           </p:nvPr>
@@ -8582,12 +9059,12 @@
           </a:prstGeom>
         </p:spPr>
         <p:txBody>
-          <a:bodyPr anchorCtr="0" anchor="t" bIns="91425" lIns="91425" spcFirstLastPara="1" rIns="91425" wrap="square" tIns="91425">
+          <a:bodyPr spcFirstLastPara="1" wrap="square" lIns="91425" tIns="91425" rIns="91425" bIns="91425" anchor="t" anchorCtr="0">
             <a:normAutofit fontScale="90000"/>
           </a:bodyPr>
           <a:lstStyle/>
           <a:p>
-            <a:pPr indent="0" lvl="0" marL="0" rtl="0" algn="l">
+            <a:pPr marL="0" lvl="0" indent="0" algn="l" rtl="0">
               <a:spcBef>
                 <a:spcPts val="0"/>
               </a:spcBef>
@@ -8607,9 +9084,11 @@
       <p:sp>
         <p:nvSpPr>
           <p:cNvPr id="154" name="Google Shape;154;p28"/>
-          <p:cNvSpPr txBox="1"/>
+          <p:cNvSpPr txBox="1">
+            <a:spLocks noGrp="1"/>
+          </p:cNvSpPr>
           <p:nvPr>
-            <p:ph idx="1" type="body"/>
+            <p:ph type="body" idx="1"/>
           </p:nvPr>
         </p:nvSpPr>
         <p:spPr>
@@ -8622,12 +9101,12 @@
           </a:prstGeom>
         </p:spPr>
         <p:txBody>
-          <a:bodyPr anchorCtr="0" anchor="t" bIns="91425" lIns="91425" spcFirstLastPara="1" rIns="91425" wrap="square" tIns="91425">
+          <a:bodyPr spcFirstLastPara="1" wrap="square" lIns="91425" tIns="91425" rIns="91425" bIns="91425" anchor="t" anchorCtr="0">
             <a:normAutofit/>
           </a:bodyPr>
           <a:lstStyle/>
           <a:p>
-            <a:pPr indent="0" lvl="0" marL="0" rtl="0" algn="l">
+            <a:pPr marL="0" lvl="0" indent="0" algn="l" rtl="0">
               <a:spcBef>
                 <a:spcPts val="0"/>
               </a:spcBef>
@@ -8636,9 +9115,6 @@
               </a:spcAft>
               <a:buNone/>
             </a:pPr>
-            <a:r>
-              <a:t/>
-            </a:r>
             <a:endParaRPr/>
           </a:p>
         </p:txBody>
@@ -8679,12 +9155,12 @@
 </p:sld>
 </file>
 
-<file path=ppt/slides/slide17.xml><?xml version="1.0" encoding="utf-8"?>
-<p:sld xmlns:a="http://schemas.openxmlformats.org/drawingml/2006/main" xmlns:r="http://schemas.openxmlformats.org/officeDocument/2006/relationships" xmlns:mc="http://schemas.openxmlformats.org/markup-compatibility/2006" xmlns:mv="urn:schemas-microsoft-com:mac:vml" xmlns:p="http://schemas.openxmlformats.org/presentationml/2006/main" xmlns:c="http://schemas.openxmlformats.org/drawingml/2006/chart" xmlns:dgm="http://schemas.openxmlformats.org/drawingml/2006/diagram" xmlns:o="urn:schemas-microsoft-com:office:office" xmlns:v="urn:schemas-microsoft-com:vml" xmlns:pvml="urn:schemas-microsoft-com:office:powerpoint" xmlns:com="http://schemas.openxmlformats.org/drawingml/2006/compatibility" xmlns:p14="http://schemas.microsoft.com/office/powerpoint/2010/main" xmlns:p15="http://schemas.microsoft.com/office/powerpoint/2012/main" xmlns:ahyp="http://schemas.microsoft.com/office/drawing/2018/hyperlinkcolor">
+<file path=ppt/slides/slide18.xml><?xml version="1.0" encoding="utf-8"?>
+<p:sld xmlns:a="http://schemas.openxmlformats.org/drawingml/2006/main" xmlns:r="http://schemas.openxmlformats.org/officeDocument/2006/relationships" xmlns:p="http://schemas.openxmlformats.org/presentationml/2006/main">
   <p:cSld>
     <p:spTree>
       <p:nvGrpSpPr>
-        <p:cNvPr id="159" name="Shape 159"/>
+        <p:cNvPr id="1" name="Shape 159"/>
         <p:cNvGrpSpPr/>
         <p:nvPr/>
       </p:nvGrpSpPr>
@@ -8699,7 +9175,9 @@
       <p:sp>
         <p:nvSpPr>
           <p:cNvPr id="160" name="Google Shape;160;p29"/>
-          <p:cNvSpPr txBox="1"/>
+          <p:cNvSpPr txBox="1">
+            <a:spLocks noGrp="1"/>
+          </p:cNvSpPr>
           <p:nvPr>
             <p:ph type="title"/>
           </p:nvPr>
@@ -8714,12 +9192,12 @@
           </a:prstGeom>
         </p:spPr>
         <p:txBody>
-          <a:bodyPr anchorCtr="0" anchor="t" bIns="91425" lIns="91425" spcFirstLastPara="1" rIns="91425" wrap="square" tIns="91425">
+          <a:bodyPr spcFirstLastPara="1" wrap="square" lIns="91425" tIns="91425" rIns="91425" bIns="91425" anchor="t" anchorCtr="0">
             <a:normAutofit fontScale="90000"/>
           </a:bodyPr>
           <a:lstStyle/>
           <a:p>
-            <a:pPr indent="0" lvl="0" marL="0" rtl="0" algn="l">
+            <a:pPr marL="0" lvl="0" indent="0" algn="l" rtl="0">
               <a:spcBef>
                 <a:spcPts val="0"/>
               </a:spcBef>
@@ -8728,9 +9206,6 @@
               </a:spcAft>
               <a:buNone/>
             </a:pPr>
-            <a:r>
-              <a:t/>
-            </a:r>
             <a:endParaRPr/>
           </a:p>
         </p:txBody>
@@ -8738,9 +9213,11 @@
       <p:sp>
         <p:nvSpPr>
           <p:cNvPr id="161" name="Google Shape;161;p29"/>
-          <p:cNvSpPr txBox="1"/>
+          <p:cNvSpPr txBox="1">
+            <a:spLocks noGrp="1"/>
+          </p:cNvSpPr>
           <p:nvPr>
-            <p:ph idx="1" type="body"/>
+            <p:ph type="body" idx="1"/>
           </p:nvPr>
         </p:nvSpPr>
         <p:spPr>
@@ -8753,12 +9230,12 @@
           </a:prstGeom>
         </p:spPr>
         <p:txBody>
-          <a:bodyPr anchorCtr="0" anchor="t" bIns="91425" lIns="91425" spcFirstLastPara="1" rIns="91425" wrap="square" tIns="91425">
+          <a:bodyPr spcFirstLastPara="1" wrap="square" lIns="91425" tIns="91425" rIns="91425" bIns="91425" anchor="t" anchorCtr="0">
             <a:normAutofit/>
           </a:bodyPr>
           <a:lstStyle/>
           <a:p>
-            <a:pPr indent="0" lvl="0" marL="0" rtl="0" algn="l">
+            <a:pPr marL="0" lvl="0" indent="0" algn="l" rtl="0">
               <a:spcBef>
                 <a:spcPts val="0"/>
               </a:spcBef>
@@ -8767,9 +9244,6 @@
               </a:spcAft>
               <a:buNone/>
             </a:pPr>
-            <a:r>
-              <a:t/>
-            </a:r>
             <a:endParaRPr/>
           </a:p>
         </p:txBody>
@@ -8810,12 +9284,12 @@
 </p:sld>
 </file>
 
-<file path=ppt/slides/slide18.xml><?xml version="1.0" encoding="utf-8"?>
-<p:sld xmlns:a="http://schemas.openxmlformats.org/drawingml/2006/main" xmlns:r="http://schemas.openxmlformats.org/officeDocument/2006/relationships" xmlns:mc="http://schemas.openxmlformats.org/markup-compatibility/2006" xmlns:mv="urn:schemas-microsoft-com:mac:vml" xmlns:p="http://schemas.openxmlformats.org/presentationml/2006/main" xmlns:c="http://schemas.openxmlformats.org/drawingml/2006/chart" xmlns:dgm="http://schemas.openxmlformats.org/drawingml/2006/diagram" xmlns:o="urn:schemas-microsoft-com:office:office" xmlns:v="urn:schemas-microsoft-com:vml" xmlns:pvml="urn:schemas-microsoft-com:office:powerpoint" xmlns:com="http://schemas.openxmlformats.org/drawingml/2006/compatibility" xmlns:p14="http://schemas.microsoft.com/office/powerpoint/2010/main" xmlns:p15="http://schemas.microsoft.com/office/powerpoint/2012/main" xmlns:ahyp="http://schemas.microsoft.com/office/drawing/2018/hyperlinkcolor">
+<file path=ppt/slides/slide19.xml><?xml version="1.0" encoding="utf-8"?>
+<p:sld xmlns:a="http://schemas.openxmlformats.org/drawingml/2006/main" xmlns:r="http://schemas.openxmlformats.org/officeDocument/2006/relationships" xmlns:p="http://schemas.openxmlformats.org/presentationml/2006/main">
   <p:cSld>
     <p:spTree>
       <p:nvGrpSpPr>
-        <p:cNvPr id="166" name="Shape 166"/>
+        <p:cNvPr id="1" name="Shape 166"/>
         <p:cNvGrpSpPr/>
         <p:nvPr/>
       </p:nvGrpSpPr>
@@ -8830,7 +9304,9 @@
       <p:sp>
         <p:nvSpPr>
           <p:cNvPr id="167" name="Google Shape;167;p30"/>
-          <p:cNvSpPr txBox="1"/>
+          <p:cNvSpPr txBox="1">
+            <a:spLocks noGrp="1"/>
+          </p:cNvSpPr>
           <p:nvPr>
             <p:ph type="title"/>
           </p:nvPr>
@@ -8845,12 +9321,12 @@
           </a:prstGeom>
         </p:spPr>
         <p:txBody>
-          <a:bodyPr anchorCtr="0" anchor="t" bIns="91425" lIns="91425" spcFirstLastPara="1" rIns="91425" wrap="square" tIns="91425">
-            <a:normAutofit/>
+          <a:bodyPr spcFirstLastPara="1" wrap="square" lIns="91425" tIns="91425" rIns="91425" bIns="91425" anchor="t" anchorCtr="0">
+            <a:normAutofit fontScale="90000"/>
           </a:bodyPr>
           <a:lstStyle/>
           <a:p>
-            <a:pPr indent="0" lvl="0" marL="0" rtl="0" algn="l">
+            <a:pPr marL="0" lvl="0" indent="0" algn="l" rtl="0">
               <a:lnSpc>
                 <a:spcPct val="115000"/>
               </a:lnSpc>
@@ -8878,9 +9354,11 @@
       <p:sp>
         <p:nvSpPr>
           <p:cNvPr id="168" name="Google Shape;168;p30"/>
-          <p:cNvSpPr txBox="1"/>
+          <p:cNvSpPr txBox="1">
+            <a:spLocks noGrp="1"/>
+          </p:cNvSpPr>
           <p:nvPr>
-            <p:ph idx="1" type="body"/>
+            <p:ph type="body" idx="1"/>
           </p:nvPr>
         </p:nvSpPr>
         <p:spPr>
@@ -8893,12 +9371,12 @@
           </a:prstGeom>
         </p:spPr>
         <p:txBody>
-          <a:bodyPr anchorCtr="0" anchor="t" bIns="91425" lIns="91425" spcFirstLastPara="1" rIns="91425" wrap="square" tIns="91425">
+          <a:bodyPr spcFirstLastPara="1" wrap="square" lIns="91425" tIns="91425" rIns="91425" bIns="91425" anchor="t" anchorCtr="0">
             <a:normAutofit/>
           </a:bodyPr>
           <a:lstStyle/>
           <a:p>
-            <a:pPr indent="0" lvl="0" marL="0" rtl="0" algn="l">
+            <a:pPr marL="0" lvl="0" indent="0" algn="l" rtl="0">
               <a:spcBef>
                 <a:spcPts val="0"/>
               </a:spcBef>
@@ -8918,23 +9396,7 @@
                   <a:schemeClr val="dk1"/>
                 </a:solidFill>
               </a:rPr>
-              <a:t>Легкие потоки, обмен сообщениями, </a:t>
-            </a:r>
-            <a:r>
-              <a:rPr lang="ru" sz="1500">
-                <a:solidFill>
-                  <a:schemeClr val="dk1"/>
-                </a:solidFill>
-              </a:rPr>
-              <a:t>отсутствие</a:t>
-            </a:r>
-            <a:r>
-              <a:rPr lang="ru" sz="1500">
-                <a:solidFill>
-                  <a:schemeClr val="dk1"/>
-                </a:solidFill>
-              </a:rPr>
-              <a:t> разделяемой памяти дают хорошую базу для:</a:t>
+              <a:t>Легкие потоки, обмен сообщениями, отсутствие разделяемой памяти дают хорошую базу для:</a:t>
             </a:r>
             <a:endParaRPr sz="1500">
               <a:solidFill>
@@ -8943,7 +9405,7 @@
             </a:endParaRPr>
           </a:p>
           <a:p>
-            <a:pPr indent="0" lvl="0" marL="0" rtl="0" algn="l">
+            <a:pPr marL="0" lvl="0" indent="0" algn="l" rtl="0">
               <a:spcBef>
                 <a:spcPts val="0"/>
               </a:spcBef>
@@ -8957,9 +9419,6 @@
               <a:buFont typeface="Arial"/>
               <a:buNone/>
             </a:pPr>
-            <a:r>
-              <a:t/>
-            </a:r>
             <a:endParaRPr sz="1500">
               <a:solidFill>
                 <a:schemeClr val="dk1"/>
@@ -8967,7 +9426,7 @@
             </a:endParaRPr>
           </a:p>
           <a:p>
-            <a:pPr indent="-323850" lvl="0" marL="457200" rtl="0" algn="l">
+            <a:pPr marL="457200" lvl="0" indent="-323850" algn="l" rtl="0">
               <a:spcBef>
                 <a:spcPts val="0"/>
               </a:spcBef>
@@ -8995,7 +9454,7 @@
             </a:endParaRPr>
           </a:p>
           <a:p>
-            <a:pPr indent="-323850" lvl="0" marL="457200" rtl="0" algn="l">
+            <a:pPr marL="457200" lvl="0" indent="-323850" algn="l" rtl="0">
               <a:spcBef>
                 <a:spcPts val="0"/>
               </a:spcBef>
@@ -9023,7 +9482,7 @@
             </a:endParaRPr>
           </a:p>
           <a:p>
-            <a:pPr indent="-323850" lvl="0" marL="457200" rtl="0" algn="l">
+            <a:pPr marL="457200" lvl="0" indent="-323850" algn="l" rtl="0">
               <a:spcBef>
                 <a:spcPts val="0"/>
               </a:spcBef>
@@ -9051,7 +9510,7 @@
             </a:endParaRPr>
           </a:p>
           <a:p>
-            <a:pPr indent="-323850" lvl="0" marL="457200" rtl="0" algn="l">
+            <a:pPr marL="457200" lvl="0" indent="-323850" algn="l" rtl="0">
               <a:spcBef>
                 <a:spcPts val="0"/>
               </a:spcBef>
@@ -9079,7 +9538,7 @@
             </a:endParaRPr>
           </a:p>
           <a:p>
-            <a:pPr indent="0" lvl="0" marL="0" rtl="0" algn="l">
+            <a:pPr marL="0" lvl="0" indent="0" algn="l" rtl="0">
               <a:spcBef>
                 <a:spcPts val="0"/>
               </a:spcBef>
@@ -9088,9 +9547,6 @@
               </a:spcAft>
               <a:buNone/>
             </a:pPr>
-            <a:r>
-              <a:t/>
-            </a:r>
             <a:endParaRPr sz="1500"/>
           </a:p>
         </p:txBody>
@@ -9104,11 +9560,11 @@
 </file>
 
 <file path=ppt/slides/slide2.xml><?xml version="1.0" encoding="utf-8"?>
-<p:sld xmlns:a="http://schemas.openxmlformats.org/drawingml/2006/main" xmlns:r="http://schemas.openxmlformats.org/officeDocument/2006/relationships" xmlns:mc="http://schemas.openxmlformats.org/markup-compatibility/2006" xmlns:mv="urn:schemas-microsoft-com:mac:vml" xmlns:p="http://schemas.openxmlformats.org/presentationml/2006/main" xmlns:c="http://schemas.openxmlformats.org/drawingml/2006/chart" xmlns:dgm="http://schemas.openxmlformats.org/drawingml/2006/diagram" xmlns:o="urn:schemas-microsoft-com:office:office" xmlns:v="urn:schemas-microsoft-com:vml" xmlns:pvml="urn:schemas-microsoft-com:office:powerpoint" xmlns:com="http://schemas.openxmlformats.org/drawingml/2006/compatibility" xmlns:p14="http://schemas.microsoft.com/office/powerpoint/2010/main" xmlns:p15="http://schemas.microsoft.com/office/powerpoint/2012/main" xmlns:ahyp="http://schemas.microsoft.com/office/drawing/2018/hyperlinkcolor">
+<p:sld xmlns:a="http://schemas.openxmlformats.org/drawingml/2006/main" xmlns:r="http://schemas.openxmlformats.org/officeDocument/2006/relationships" xmlns:p="http://schemas.openxmlformats.org/presentationml/2006/main">
   <p:cSld>
     <p:spTree>
       <p:nvGrpSpPr>
-        <p:cNvPr id="59" name="Shape 59"/>
+        <p:cNvPr id="1" name="Shape 59"/>
         <p:cNvGrpSpPr/>
         <p:nvPr/>
       </p:nvGrpSpPr>
@@ -9123,7 +9579,9 @@
       <p:sp>
         <p:nvSpPr>
           <p:cNvPr id="60" name="Google Shape;60;p14"/>
-          <p:cNvSpPr txBox="1"/>
+          <p:cNvSpPr txBox="1">
+            <a:spLocks noGrp="1"/>
+          </p:cNvSpPr>
           <p:nvPr>
             <p:ph type="title"/>
           </p:nvPr>
@@ -9138,12 +9596,12 @@
           </a:prstGeom>
         </p:spPr>
         <p:txBody>
-          <a:bodyPr anchorCtr="0" anchor="t" bIns="91425" lIns="91425" spcFirstLastPara="1" rIns="91425" wrap="square" tIns="91425">
-            <a:normAutofit/>
+          <a:bodyPr spcFirstLastPara="1" wrap="square" lIns="91425" tIns="91425" rIns="91425" bIns="91425" anchor="t" anchorCtr="0">
+            <a:normAutofit fontScale="90000"/>
           </a:bodyPr>
           <a:lstStyle/>
           <a:p>
-            <a:pPr indent="0" lvl="0" marL="0" rtl="0" algn="l">
+            <a:pPr marL="0" lvl="0" indent="0" algn="l" rtl="0">
               <a:lnSpc>
                 <a:spcPct val="120000"/>
               </a:lnSpc>
@@ -9171,9 +9629,11 @@
       <p:sp>
         <p:nvSpPr>
           <p:cNvPr id="61" name="Google Shape;61;p14"/>
-          <p:cNvSpPr txBox="1"/>
+          <p:cNvSpPr txBox="1">
+            <a:spLocks noGrp="1"/>
+          </p:cNvSpPr>
           <p:nvPr>
-            <p:ph idx="1" type="body"/>
+            <p:ph type="body" idx="1"/>
           </p:nvPr>
         </p:nvSpPr>
         <p:spPr>
@@ -9186,12 +9646,12 @@
           </a:prstGeom>
         </p:spPr>
         <p:txBody>
-          <a:bodyPr anchorCtr="0" anchor="t" bIns="91425" lIns="91425" spcFirstLastPara="1" rIns="91425" wrap="square" tIns="91425">
+          <a:bodyPr spcFirstLastPara="1" wrap="square" lIns="91425" tIns="91425" rIns="91425" bIns="91425" anchor="t" anchorCtr="0">
             <a:normAutofit/>
           </a:bodyPr>
           <a:lstStyle/>
           <a:p>
-            <a:pPr indent="0" lvl="0" marL="0" rtl="0" algn="l">
+            <a:pPr marL="0" lvl="0" indent="0" algn="l" rtl="0">
               <a:spcBef>
                 <a:spcPts val="0"/>
               </a:spcBef>
@@ -9220,7 +9680,7 @@
             </a:endParaRPr>
           </a:p>
           <a:p>
-            <a:pPr indent="0" lvl="0" marL="0" rtl="0" algn="l">
+            <a:pPr marL="0" lvl="0" indent="0" algn="l" rtl="0">
               <a:spcBef>
                 <a:spcPts val="0"/>
               </a:spcBef>
@@ -9229,9 +9689,6 @@
               </a:spcAft>
               <a:buNone/>
             </a:pPr>
-            <a:r>
-              <a:t/>
-            </a:r>
             <a:endParaRPr sz="1500"/>
           </a:p>
         </p:txBody>
@@ -9273,11 +9730,11 @@
 </file>
 
 <file path=ppt/slides/slide3.xml><?xml version="1.0" encoding="utf-8"?>
-<p:sld xmlns:a="http://schemas.openxmlformats.org/drawingml/2006/main" xmlns:r="http://schemas.openxmlformats.org/officeDocument/2006/relationships" xmlns:mc="http://schemas.openxmlformats.org/markup-compatibility/2006" xmlns:mv="urn:schemas-microsoft-com:mac:vml" xmlns:p="http://schemas.openxmlformats.org/presentationml/2006/main" xmlns:c="http://schemas.openxmlformats.org/drawingml/2006/chart" xmlns:dgm="http://schemas.openxmlformats.org/drawingml/2006/diagram" xmlns:o="urn:schemas-microsoft-com:office:office" xmlns:v="urn:schemas-microsoft-com:vml" xmlns:pvml="urn:schemas-microsoft-com:office:powerpoint" xmlns:com="http://schemas.openxmlformats.org/drawingml/2006/compatibility" xmlns:p14="http://schemas.microsoft.com/office/powerpoint/2010/main" xmlns:p15="http://schemas.microsoft.com/office/powerpoint/2012/main" xmlns:ahyp="http://schemas.microsoft.com/office/drawing/2018/hyperlinkcolor">
+<p:sld xmlns:a="http://schemas.openxmlformats.org/drawingml/2006/main" xmlns:r="http://schemas.openxmlformats.org/officeDocument/2006/relationships" xmlns:p="http://schemas.openxmlformats.org/presentationml/2006/main">
   <p:cSld>
     <p:spTree>
       <p:nvGrpSpPr>
-        <p:cNvPr id="66" name="Shape 66"/>
+        <p:cNvPr id="1" name="Shape 66"/>
         <p:cNvGrpSpPr/>
         <p:nvPr/>
       </p:nvGrpSpPr>
@@ -9292,7 +9749,9 @@
       <p:sp>
         <p:nvSpPr>
           <p:cNvPr id="67" name="Google Shape;67;p15"/>
-          <p:cNvSpPr txBox="1"/>
+          <p:cNvSpPr txBox="1">
+            <a:spLocks noGrp="1"/>
+          </p:cNvSpPr>
           <p:nvPr>
             <p:ph type="title"/>
           </p:nvPr>
@@ -9307,12 +9766,12 @@
           </a:prstGeom>
         </p:spPr>
         <p:txBody>
-          <a:bodyPr anchorCtr="0" anchor="t" bIns="91425" lIns="91425" spcFirstLastPara="1" rIns="91425" wrap="square" tIns="91425">
+          <a:bodyPr spcFirstLastPara="1" wrap="square" lIns="91425" tIns="91425" rIns="91425" bIns="91425" anchor="t" anchorCtr="0">
             <a:normAutofit fontScale="90000"/>
           </a:bodyPr>
           <a:lstStyle/>
           <a:p>
-            <a:pPr indent="0" lvl="0" marL="0" rtl="0" algn="l">
+            <a:pPr marL="0" lvl="0" indent="0" algn="l" rtl="0">
               <a:spcBef>
                 <a:spcPts val="0"/>
               </a:spcBef>
@@ -9332,9 +9791,11 @@
       <p:sp>
         <p:nvSpPr>
           <p:cNvPr id="68" name="Google Shape;68;p15"/>
-          <p:cNvSpPr txBox="1"/>
+          <p:cNvSpPr txBox="1">
+            <a:spLocks noGrp="1"/>
+          </p:cNvSpPr>
           <p:nvPr>
-            <p:ph idx="1" type="body"/>
+            <p:ph type="body" idx="1"/>
           </p:nvPr>
         </p:nvSpPr>
         <p:spPr>
@@ -9347,12 +9808,12 @@
           </a:prstGeom>
         </p:spPr>
         <p:txBody>
-          <a:bodyPr anchorCtr="0" anchor="t" bIns="91425" lIns="91425" spcFirstLastPara="1" rIns="91425" wrap="square" tIns="91425">
+          <a:bodyPr spcFirstLastPara="1" wrap="square" lIns="91425" tIns="91425" rIns="91425" bIns="91425" anchor="t" anchorCtr="0">
             <a:noAutofit/>
           </a:bodyPr>
           <a:lstStyle/>
           <a:p>
-            <a:pPr indent="0" lvl="0" marL="0" rtl="0" algn="l">
+            <a:pPr marL="0" lvl="0" indent="0" algn="l" rtl="0">
               <a:spcBef>
                 <a:spcPts val="0"/>
               </a:spcBef>
@@ -9381,7 +9842,7 @@
             </a:endParaRPr>
           </a:p>
           <a:p>
-            <a:pPr indent="-323850" lvl="0" marL="457200" rtl="0" algn="l">
+            <a:pPr marL="457200" lvl="0" indent="-323850" algn="l" rtl="0">
               <a:spcBef>
                 <a:spcPts val="0"/>
               </a:spcBef>
@@ -9409,7 +9870,7 @@
             </a:endParaRPr>
           </a:p>
           <a:p>
-            <a:pPr indent="-323850" lvl="0" marL="457200" rtl="0" algn="l">
+            <a:pPr marL="457200" lvl="0" indent="-323850" algn="l" rtl="0">
               <a:spcBef>
                 <a:spcPts val="0"/>
               </a:spcBef>
@@ -9437,7 +9898,7 @@
             </a:endParaRPr>
           </a:p>
           <a:p>
-            <a:pPr indent="-323850" lvl="0" marL="457200" rtl="0" algn="l">
+            <a:pPr marL="457200" lvl="0" indent="-323850" algn="l" rtl="0">
               <a:spcBef>
                 <a:spcPts val="0"/>
               </a:spcBef>
@@ -9465,7 +9926,7 @@
             </a:endParaRPr>
           </a:p>
           <a:p>
-            <a:pPr indent="0" lvl="0" marL="0" rtl="0" algn="l">
+            <a:pPr marL="0" lvl="0" indent="0" algn="l" rtl="0">
               <a:spcBef>
                 <a:spcPts val="0"/>
               </a:spcBef>
@@ -9494,7 +9955,7 @@
             </a:endParaRPr>
           </a:p>
           <a:p>
-            <a:pPr indent="0" lvl="0" marL="0" rtl="0" algn="l">
+            <a:pPr marL="0" lvl="0" indent="0" algn="l" rtl="0">
               <a:spcBef>
                 <a:spcPts val="0"/>
               </a:spcBef>
@@ -9523,7 +9984,7 @@
             </a:endParaRPr>
           </a:p>
           <a:p>
-            <a:pPr indent="0" lvl="0" marL="0" rtl="0" algn="l">
+            <a:pPr marL="0" lvl="0" indent="0" algn="l" rtl="0">
               <a:spcBef>
                 <a:spcPts val="0"/>
               </a:spcBef>
@@ -9532,9 +9993,6 @@
               </a:spcAft>
               <a:buNone/>
             </a:pPr>
-            <a:r>
-              <a:t/>
-            </a:r>
             <a:endParaRPr sz="1500"/>
           </a:p>
         </p:txBody>
@@ -9548,11 +10006,11 @@
 </file>
 
 <file path=ppt/slides/slide4.xml><?xml version="1.0" encoding="utf-8"?>
-<p:sld xmlns:a="http://schemas.openxmlformats.org/drawingml/2006/main" xmlns:r="http://schemas.openxmlformats.org/officeDocument/2006/relationships" xmlns:mc="http://schemas.openxmlformats.org/markup-compatibility/2006" xmlns:mv="urn:schemas-microsoft-com:mac:vml" xmlns:p="http://schemas.openxmlformats.org/presentationml/2006/main" xmlns:c="http://schemas.openxmlformats.org/drawingml/2006/chart" xmlns:dgm="http://schemas.openxmlformats.org/drawingml/2006/diagram" xmlns:o="urn:schemas-microsoft-com:office:office" xmlns:v="urn:schemas-microsoft-com:vml" xmlns:pvml="urn:schemas-microsoft-com:office:powerpoint" xmlns:com="http://schemas.openxmlformats.org/drawingml/2006/compatibility" xmlns:p14="http://schemas.microsoft.com/office/powerpoint/2010/main" xmlns:p15="http://schemas.microsoft.com/office/powerpoint/2012/main" xmlns:ahyp="http://schemas.microsoft.com/office/drawing/2018/hyperlinkcolor">
+<p:sld xmlns:a="http://schemas.openxmlformats.org/drawingml/2006/main" xmlns:r="http://schemas.openxmlformats.org/officeDocument/2006/relationships" xmlns:p="http://schemas.openxmlformats.org/presentationml/2006/main">
   <p:cSld>
     <p:spTree>
       <p:nvGrpSpPr>
-        <p:cNvPr id="72" name="Shape 72"/>
+        <p:cNvPr id="1" name="Shape 72"/>
         <p:cNvGrpSpPr/>
         <p:nvPr/>
       </p:nvGrpSpPr>
@@ -9567,7 +10025,9 @@
       <p:sp>
         <p:nvSpPr>
           <p:cNvPr id="73" name="Google Shape;73;p16"/>
-          <p:cNvSpPr txBox="1"/>
+          <p:cNvSpPr txBox="1">
+            <a:spLocks noGrp="1"/>
+          </p:cNvSpPr>
           <p:nvPr>
             <p:ph type="title"/>
           </p:nvPr>
@@ -9582,12 +10042,12 @@
           </a:prstGeom>
         </p:spPr>
         <p:txBody>
-          <a:bodyPr anchorCtr="0" anchor="t" bIns="91425" lIns="91425" spcFirstLastPara="1" rIns="91425" wrap="square" tIns="91425">
+          <a:bodyPr spcFirstLastPara="1" wrap="square" lIns="91425" tIns="91425" rIns="91425" bIns="91425" anchor="t" anchorCtr="0">
             <a:normAutofit fontScale="90000"/>
           </a:bodyPr>
           <a:lstStyle/>
           <a:p>
-            <a:pPr indent="0" lvl="0" marL="0" rtl="0" algn="l">
+            <a:pPr marL="0" lvl="0" indent="0" algn="l" rtl="0">
               <a:spcBef>
                 <a:spcPts val="0"/>
               </a:spcBef>
@@ -9607,9 +10067,11 @@
       <p:sp>
         <p:nvSpPr>
           <p:cNvPr id="74" name="Google Shape;74;p16"/>
-          <p:cNvSpPr txBox="1"/>
+          <p:cNvSpPr txBox="1">
+            <a:spLocks noGrp="1"/>
+          </p:cNvSpPr>
           <p:nvPr>
-            <p:ph idx="1" type="body"/>
+            <p:ph type="body" idx="1"/>
           </p:nvPr>
         </p:nvSpPr>
         <p:spPr>
@@ -9622,12 +10084,12 @@
           </a:prstGeom>
         </p:spPr>
         <p:txBody>
-          <a:bodyPr anchorCtr="0" anchor="t" bIns="91425" lIns="91425" spcFirstLastPara="1" rIns="91425" wrap="square" tIns="91425">
+          <a:bodyPr spcFirstLastPara="1" wrap="square" lIns="91425" tIns="91425" rIns="91425" bIns="91425" anchor="t" anchorCtr="0">
             <a:normAutofit/>
           </a:bodyPr>
           <a:lstStyle/>
           <a:p>
-            <a:pPr indent="0" lvl="0" marL="0" rtl="0" algn="l">
+            <a:pPr marL="0" lvl="0" indent="0" algn="l" rtl="0">
               <a:spcBef>
                 <a:spcPts val="0"/>
               </a:spcBef>
@@ -9656,7 +10118,7 @@
             </a:endParaRPr>
           </a:p>
           <a:p>
-            <a:pPr indent="0" lvl="0" marL="0" rtl="0" algn="l">
+            <a:pPr marL="0" lvl="0" indent="0" algn="l" rtl="0">
               <a:spcBef>
                 <a:spcPts val="0"/>
               </a:spcBef>
@@ -9670,9 +10132,6 @@
               <a:buFont typeface="Arial"/>
               <a:buNone/>
             </a:pPr>
-            <a:r>
-              <a:t/>
-            </a:r>
             <a:endParaRPr sz="1500">
               <a:solidFill>
                 <a:schemeClr val="dk1"/>
@@ -9680,7 +10139,7 @@
             </a:endParaRPr>
           </a:p>
           <a:p>
-            <a:pPr indent="0" lvl="0" marL="0" rtl="0" algn="l">
+            <a:pPr marL="0" lvl="0" indent="0" algn="l" rtl="0">
               <a:spcBef>
                 <a:spcPts val="0"/>
               </a:spcBef>
@@ -9715,11 +10174,11 @@
 </file>
 
 <file path=ppt/slides/slide5.xml><?xml version="1.0" encoding="utf-8"?>
-<p:sld xmlns:a="http://schemas.openxmlformats.org/drawingml/2006/main" xmlns:r="http://schemas.openxmlformats.org/officeDocument/2006/relationships" xmlns:mc="http://schemas.openxmlformats.org/markup-compatibility/2006" xmlns:mv="urn:schemas-microsoft-com:mac:vml" xmlns:p="http://schemas.openxmlformats.org/presentationml/2006/main" xmlns:c="http://schemas.openxmlformats.org/drawingml/2006/chart" xmlns:dgm="http://schemas.openxmlformats.org/drawingml/2006/diagram" xmlns:o="urn:schemas-microsoft-com:office:office" xmlns:v="urn:schemas-microsoft-com:vml" xmlns:pvml="urn:schemas-microsoft-com:office:powerpoint" xmlns:com="http://schemas.openxmlformats.org/drawingml/2006/compatibility" xmlns:p14="http://schemas.microsoft.com/office/powerpoint/2010/main" xmlns:p15="http://schemas.microsoft.com/office/powerpoint/2012/main" xmlns:ahyp="http://schemas.microsoft.com/office/drawing/2018/hyperlinkcolor">
+<p:sld xmlns:a="http://schemas.openxmlformats.org/drawingml/2006/main" xmlns:r="http://schemas.openxmlformats.org/officeDocument/2006/relationships" xmlns:p="http://schemas.openxmlformats.org/presentationml/2006/main">
   <p:cSld>
     <p:spTree>
       <p:nvGrpSpPr>
-        <p:cNvPr id="78" name="Shape 78"/>
+        <p:cNvPr id="1" name="Shape 78"/>
         <p:cNvGrpSpPr/>
         <p:nvPr/>
       </p:nvGrpSpPr>
@@ -9734,7 +10193,9 @@
       <p:sp>
         <p:nvSpPr>
           <p:cNvPr id="79" name="Google Shape;79;p17"/>
-          <p:cNvSpPr txBox="1"/>
+          <p:cNvSpPr txBox="1">
+            <a:spLocks noGrp="1"/>
+          </p:cNvSpPr>
           <p:nvPr>
             <p:ph type="title"/>
           </p:nvPr>
@@ -9749,12 +10210,12 @@
           </a:prstGeom>
         </p:spPr>
         <p:txBody>
-          <a:bodyPr anchorCtr="0" anchor="t" bIns="91425" lIns="91425" spcFirstLastPara="1" rIns="91425" wrap="square" tIns="91425">
+          <a:bodyPr spcFirstLastPara="1" wrap="square" lIns="91425" tIns="91425" rIns="91425" bIns="91425" anchor="t" anchorCtr="0">
             <a:normAutofit fontScale="90000"/>
           </a:bodyPr>
           <a:lstStyle/>
           <a:p>
-            <a:pPr indent="0" lvl="0" marL="0" rtl="0" algn="l">
+            <a:pPr marL="0" lvl="0" indent="0" algn="l" rtl="0">
               <a:spcBef>
                 <a:spcPts val="0"/>
               </a:spcBef>
@@ -9774,9 +10235,11 @@
       <p:sp>
         <p:nvSpPr>
           <p:cNvPr id="80" name="Google Shape;80;p17"/>
-          <p:cNvSpPr txBox="1"/>
+          <p:cNvSpPr txBox="1">
+            <a:spLocks noGrp="1"/>
+          </p:cNvSpPr>
           <p:nvPr>
-            <p:ph idx="1" type="body"/>
+            <p:ph type="body" idx="1"/>
           </p:nvPr>
         </p:nvSpPr>
         <p:spPr>
@@ -9789,12 +10252,12 @@
           </a:prstGeom>
         </p:spPr>
         <p:txBody>
-          <a:bodyPr anchorCtr="0" anchor="t" bIns="91425" lIns="91425" spcFirstLastPara="1" rIns="91425" wrap="square" tIns="91425">
+          <a:bodyPr spcFirstLastPara="1" wrap="square" lIns="91425" tIns="91425" rIns="91425" bIns="91425" anchor="t" anchorCtr="0">
             <a:noAutofit/>
           </a:bodyPr>
           <a:lstStyle/>
           <a:p>
-            <a:pPr indent="0" lvl="0" marL="0" rtl="0" algn="l">
+            <a:pPr marL="0" lvl="0" indent="0" algn="l" rtl="0">
               <a:spcBef>
                 <a:spcPts val="0"/>
               </a:spcBef>
@@ -9822,7 +10285,7 @@
             </a:endParaRPr>
           </a:p>
           <a:p>
-            <a:pPr indent="0" lvl="0" marL="0" rtl="0" algn="l">
+            <a:pPr marL="0" lvl="0" indent="0" algn="l" rtl="0">
               <a:spcBef>
                 <a:spcPts val="1200"/>
               </a:spcBef>
@@ -9851,7 +10314,7 @@
             </a:endParaRPr>
           </a:p>
           <a:p>
-            <a:pPr indent="-323850" lvl="0" marL="457200" rtl="0" algn="l">
+            <a:pPr marL="457200" lvl="0" indent="-323850" algn="l" rtl="0">
               <a:spcBef>
                 <a:spcPts val="0"/>
               </a:spcBef>
@@ -9879,7 +10342,7 @@
             </a:endParaRPr>
           </a:p>
           <a:p>
-            <a:pPr indent="-323850" lvl="0" marL="457200" rtl="0" algn="l">
+            <a:pPr marL="457200" lvl="0" indent="-323850" algn="l" rtl="0">
               <a:spcBef>
                 <a:spcPts val="0"/>
               </a:spcBef>
@@ -9907,7 +10370,7 @@
             </a:endParaRPr>
           </a:p>
           <a:p>
-            <a:pPr indent="-323850" lvl="0" marL="457200" rtl="0" algn="l">
+            <a:pPr marL="457200" lvl="0" indent="-323850" algn="l" rtl="0">
               <a:spcBef>
                 <a:spcPts val="0"/>
               </a:spcBef>
@@ -9935,7 +10398,7 @@
             </a:endParaRPr>
           </a:p>
           <a:p>
-            <a:pPr indent="-323850" lvl="0" marL="457200" rtl="0" algn="l">
+            <a:pPr marL="457200" lvl="0" indent="-323850" algn="l" rtl="0">
               <a:spcBef>
                 <a:spcPts val="0"/>
               </a:spcBef>
@@ -9963,7 +10426,7 @@
             </a:endParaRPr>
           </a:p>
           <a:p>
-            <a:pPr indent="0" lvl="0" marL="0" rtl="0" algn="l">
+            <a:pPr marL="0" lvl="0" indent="0" algn="l" rtl="0">
               <a:spcBef>
                 <a:spcPts val="0"/>
               </a:spcBef>
@@ -9992,7 +10455,7 @@
             </a:endParaRPr>
           </a:p>
           <a:p>
-            <a:pPr indent="0" lvl="0" marL="0" rtl="0" algn="l">
+            <a:pPr marL="0" lvl="0" indent="0" algn="l" rtl="0">
               <a:spcBef>
                 <a:spcPts val="0"/>
               </a:spcBef>
@@ -10001,9 +10464,6 @@
               </a:spcAft>
               <a:buNone/>
             </a:pPr>
-            <a:r>
-              <a:t/>
-            </a:r>
             <a:endParaRPr sz="1500"/>
           </a:p>
         </p:txBody>
@@ -10045,11 +10505,11 @@
 </file>
 
 <file path=ppt/slides/slide6.xml><?xml version="1.0" encoding="utf-8"?>
-<p:sld xmlns:a="http://schemas.openxmlformats.org/drawingml/2006/main" xmlns:r="http://schemas.openxmlformats.org/officeDocument/2006/relationships" xmlns:mc="http://schemas.openxmlformats.org/markup-compatibility/2006" xmlns:mv="urn:schemas-microsoft-com:mac:vml" xmlns:p="http://schemas.openxmlformats.org/presentationml/2006/main" xmlns:c="http://schemas.openxmlformats.org/drawingml/2006/chart" xmlns:dgm="http://schemas.openxmlformats.org/drawingml/2006/diagram" xmlns:o="urn:schemas-microsoft-com:office:office" xmlns:v="urn:schemas-microsoft-com:vml" xmlns:pvml="urn:schemas-microsoft-com:office:powerpoint" xmlns:com="http://schemas.openxmlformats.org/drawingml/2006/compatibility" xmlns:p14="http://schemas.microsoft.com/office/powerpoint/2010/main" xmlns:p15="http://schemas.microsoft.com/office/powerpoint/2012/main" xmlns:ahyp="http://schemas.microsoft.com/office/drawing/2018/hyperlinkcolor">
+<p:sld xmlns:a="http://schemas.openxmlformats.org/drawingml/2006/main" xmlns:r="http://schemas.openxmlformats.org/officeDocument/2006/relationships" xmlns:p="http://schemas.openxmlformats.org/presentationml/2006/main">
   <p:cSld>
     <p:spTree>
       <p:nvGrpSpPr>
-        <p:cNvPr id="85" name="Shape 85"/>
+        <p:cNvPr id="1" name="Shape 85"/>
         <p:cNvGrpSpPr/>
         <p:nvPr/>
       </p:nvGrpSpPr>
@@ -10064,7 +10524,9 @@
       <p:sp>
         <p:nvSpPr>
           <p:cNvPr id="86" name="Google Shape;86;p18"/>
-          <p:cNvSpPr txBox="1"/>
+          <p:cNvSpPr txBox="1">
+            <a:spLocks noGrp="1"/>
+          </p:cNvSpPr>
           <p:nvPr>
             <p:ph type="title"/>
           </p:nvPr>
@@ -10079,12 +10541,12 @@
           </a:prstGeom>
         </p:spPr>
         <p:txBody>
-          <a:bodyPr anchorCtr="0" anchor="t" bIns="91425" lIns="91425" spcFirstLastPara="1" rIns="91425" wrap="square" tIns="91425">
+          <a:bodyPr spcFirstLastPara="1" wrap="square" lIns="91425" tIns="91425" rIns="91425" bIns="91425" anchor="t" anchorCtr="0">
             <a:normAutofit fontScale="90000"/>
           </a:bodyPr>
           <a:lstStyle/>
           <a:p>
-            <a:pPr indent="0" lvl="0" marL="0" rtl="0" algn="l">
+            <a:pPr marL="0" lvl="0" indent="0" algn="l" rtl="0">
               <a:spcBef>
                 <a:spcPts val="0"/>
               </a:spcBef>
@@ -10104,9 +10566,11 @@
       <p:sp>
         <p:nvSpPr>
           <p:cNvPr id="87" name="Google Shape;87;p18"/>
-          <p:cNvSpPr txBox="1"/>
+          <p:cNvSpPr txBox="1">
+            <a:spLocks noGrp="1"/>
+          </p:cNvSpPr>
           <p:nvPr>
-            <p:ph idx="1" type="body"/>
+            <p:ph type="body" idx="1"/>
           </p:nvPr>
         </p:nvSpPr>
         <p:spPr>
@@ -10119,12 +10583,12 @@
           </a:prstGeom>
         </p:spPr>
         <p:txBody>
-          <a:bodyPr anchorCtr="0" anchor="t" bIns="91425" lIns="91425" spcFirstLastPara="1" rIns="91425" wrap="square" tIns="91425">
+          <a:bodyPr spcFirstLastPara="1" wrap="square" lIns="91425" tIns="91425" rIns="91425" bIns="91425" anchor="t" anchorCtr="0">
             <a:normAutofit/>
           </a:bodyPr>
           <a:lstStyle/>
           <a:p>
-            <a:pPr indent="0" lvl="0" marL="0" rtl="0" algn="l">
+            <a:pPr marL="0" lvl="0" indent="0" algn="l" rtl="0">
               <a:spcBef>
                 <a:spcPts val="0"/>
               </a:spcBef>
@@ -10133,9 +10597,6 @@
               </a:spcAft>
               <a:buNone/>
             </a:pPr>
-            <a:r>
-              <a:t/>
-            </a:r>
             <a:endParaRPr/>
           </a:p>
         </p:txBody>
@@ -10177,11 +10638,11 @@
 </file>
 
 <file path=ppt/slides/slide7.xml><?xml version="1.0" encoding="utf-8"?>
-<p:sld xmlns:a="http://schemas.openxmlformats.org/drawingml/2006/main" xmlns:r="http://schemas.openxmlformats.org/officeDocument/2006/relationships" xmlns:mc="http://schemas.openxmlformats.org/markup-compatibility/2006" xmlns:mv="urn:schemas-microsoft-com:mac:vml" xmlns:p="http://schemas.openxmlformats.org/presentationml/2006/main" xmlns:c="http://schemas.openxmlformats.org/drawingml/2006/chart" xmlns:dgm="http://schemas.openxmlformats.org/drawingml/2006/diagram" xmlns:o="urn:schemas-microsoft-com:office:office" xmlns:v="urn:schemas-microsoft-com:vml" xmlns:pvml="urn:schemas-microsoft-com:office:powerpoint" xmlns:com="http://schemas.openxmlformats.org/drawingml/2006/compatibility" xmlns:p14="http://schemas.microsoft.com/office/powerpoint/2010/main" xmlns:p15="http://schemas.microsoft.com/office/powerpoint/2012/main" xmlns:ahyp="http://schemas.microsoft.com/office/drawing/2018/hyperlinkcolor">
+<p:sld xmlns:a="http://schemas.openxmlformats.org/drawingml/2006/main" xmlns:r="http://schemas.openxmlformats.org/officeDocument/2006/relationships" xmlns:p="http://schemas.openxmlformats.org/presentationml/2006/main">
   <p:cSld>
     <p:spTree>
       <p:nvGrpSpPr>
-        <p:cNvPr id="92" name="Shape 92"/>
+        <p:cNvPr id="1" name="Shape 92"/>
         <p:cNvGrpSpPr/>
         <p:nvPr/>
       </p:nvGrpSpPr>
@@ -10196,7 +10657,9 @@
       <p:sp>
         <p:nvSpPr>
           <p:cNvPr id="93" name="Google Shape;93;p19"/>
-          <p:cNvSpPr txBox="1"/>
+          <p:cNvSpPr txBox="1">
+            <a:spLocks noGrp="1"/>
+          </p:cNvSpPr>
           <p:nvPr>
             <p:ph type="title"/>
           </p:nvPr>
@@ -10211,12 +10674,12 @@
           </a:prstGeom>
         </p:spPr>
         <p:txBody>
-          <a:bodyPr anchorCtr="0" anchor="t" bIns="91425" lIns="91425" spcFirstLastPara="1" rIns="91425" wrap="square" tIns="91425">
+          <a:bodyPr spcFirstLastPara="1" wrap="square" lIns="91425" tIns="91425" rIns="91425" bIns="91425" anchor="t" anchorCtr="0">
             <a:normAutofit fontScale="90000"/>
           </a:bodyPr>
           <a:lstStyle/>
           <a:p>
-            <a:pPr indent="0" lvl="0" marL="0" rtl="0" algn="l">
+            <a:pPr marL="0" lvl="0" indent="0" algn="l" rtl="0">
               <a:spcBef>
                 <a:spcPts val="0"/>
               </a:spcBef>
@@ -10236,9 +10699,11 @@
       <p:sp>
         <p:nvSpPr>
           <p:cNvPr id="94" name="Google Shape;94;p19"/>
-          <p:cNvSpPr txBox="1"/>
+          <p:cNvSpPr txBox="1">
+            <a:spLocks noGrp="1"/>
+          </p:cNvSpPr>
           <p:nvPr>
-            <p:ph idx="1" type="body"/>
+            <p:ph type="body" idx="1"/>
           </p:nvPr>
         </p:nvSpPr>
         <p:spPr>
@@ -10251,12 +10716,12 @@
           </a:prstGeom>
         </p:spPr>
         <p:txBody>
-          <a:bodyPr anchorCtr="0" anchor="t" bIns="91425" lIns="91425" spcFirstLastPara="1" rIns="91425" wrap="square" tIns="91425">
+          <a:bodyPr spcFirstLastPara="1" wrap="square" lIns="91425" tIns="91425" rIns="91425" bIns="91425" anchor="t" anchorCtr="0">
             <a:normAutofit/>
           </a:bodyPr>
           <a:lstStyle/>
           <a:p>
-            <a:pPr indent="0" lvl="0" marL="0" rtl="0" algn="l">
+            <a:pPr marL="0" lvl="0" indent="0" algn="l" rtl="0">
               <a:spcBef>
                 <a:spcPts val="0"/>
               </a:spcBef>
@@ -10285,7 +10750,7 @@
             </a:endParaRPr>
           </a:p>
           <a:p>
-            <a:pPr indent="0" lvl="0" marL="0" rtl="0" algn="l">
+            <a:pPr marL="0" lvl="0" indent="0" algn="l" rtl="0">
               <a:spcBef>
                 <a:spcPts val="0"/>
               </a:spcBef>
@@ -10299,9 +10764,6 @@
               <a:buFont typeface="Arial"/>
               <a:buNone/>
             </a:pPr>
-            <a:r>
-              <a:t/>
-            </a:r>
             <a:endParaRPr sz="1500">
               <a:solidFill>
                 <a:schemeClr val="dk1"/>
@@ -10309,7 +10771,7 @@
             </a:endParaRPr>
           </a:p>
           <a:p>
-            <a:pPr indent="0" lvl="0" marL="0" rtl="0" algn="l">
+            <a:pPr marL="0" lvl="0" indent="0" algn="l" rtl="0">
               <a:spcBef>
                 <a:spcPts val="0"/>
               </a:spcBef>
@@ -10402,7 +10864,7 @@
             </a:endParaRPr>
           </a:p>
           <a:p>
-            <a:pPr indent="0" lvl="0" marL="0" rtl="0" algn="l">
+            <a:pPr marL="0" lvl="0" indent="0" algn="l" rtl="0">
               <a:spcBef>
                 <a:spcPts val="0"/>
               </a:spcBef>
@@ -10411,9 +10873,6 @@
               </a:spcAft>
               <a:buNone/>
             </a:pPr>
-            <a:r>
-              <a:t/>
-            </a:r>
             <a:endParaRPr sz="1500"/>
           </a:p>
         </p:txBody>
@@ -10427,11 +10886,11 @@
 </file>
 
 <file path=ppt/slides/slide8.xml><?xml version="1.0" encoding="utf-8"?>
-<p:sld xmlns:a="http://schemas.openxmlformats.org/drawingml/2006/main" xmlns:r="http://schemas.openxmlformats.org/officeDocument/2006/relationships" xmlns:mc="http://schemas.openxmlformats.org/markup-compatibility/2006" xmlns:mv="urn:schemas-microsoft-com:mac:vml" xmlns:p="http://schemas.openxmlformats.org/presentationml/2006/main" xmlns:c="http://schemas.openxmlformats.org/drawingml/2006/chart" xmlns:dgm="http://schemas.openxmlformats.org/drawingml/2006/diagram" xmlns:o="urn:schemas-microsoft-com:office:office" xmlns:v="urn:schemas-microsoft-com:vml" xmlns:pvml="urn:schemas-microsoft-com:office:powerpoint" xmlns:com="http://schemas.openxmlformats.org/drawingml/2006/compatibility" xmlns:p14="http://schemas.microsoft.com/office/powerpoint/2010/main" xmlns:p15="http://schemas.microsoft.com/office/powerpoint/2012/main" xmlns:ahyp="http://schemas.microsoft.com/office/drawing/2018/hyperlinkcolor">
+<p:sld xmlns:a="http://schemas.openxmlformats.org/drawingml/2006/main" xmlns:r="http://schemas.openxmlformats.org/officeDocument/2006/relationships" xmlns:p="http://schemas.openxmlformats.org/presentationml/2006/main">
   <p:cSld>
     <p:spTree>
       <p:nvGrpSpPr>
-        <p:cNvPr id="98" name="Shape 98"/>
+        <p:cNvPr id="1" name="Shape 98"/>
         <p:cNvGrpSpPr/>
         <p:nvPr/>
       </p:nvGrpSpPr>
@@ -10446,7 +10905,9 @@
       <p:sp>
         <p:nvSpPr>
           <p:cNvPr id="99" name="Google Shape;99;p20"/>
-          <p:cNvSpPr txBox="1"/>
+          <p:cNvSpPr txBox="1">
+            <a:spLocks noGrp="1"/>
+          </p:cNvSpPr>
           <p:nvPr>
             <p:ph type="title"/>
           </p:nvPr>
@@ -10461,12 +10922,12 @@
           </a:prstGeom>
         </p:spPr>
         <p:txBody>
-          <a:bodyPr anchorCtr="0" anchor="t" bIns="91425" lIns="91425" spcFirstLastPara="1" rIns="91425" wrap="square" tIns="91425">
+          <a:bodyPr spcFirstLastPara="1" wrap="square" lIns="91425" tIns="91425" rIns="91425" bIns="91425" anchor="t" anchorCtr="0">
             <a:normAutofit fontScale="90000"/>
           </a:bodyPr>
           <a:lstStyle/>
           <a:p>
-            <a:pPr indent="0" lvl="0" marL="0" rtl="0" algn="l">
+            <a:pPr marL="0" lvl="0" indent="0" algn="l" rtl="0">
               <a:spcBef>
                 <a:spcPts val="0"/>
               </a:spcBef>
@@ -10486,9 +10947,11 @@
       <p:sp>
         <p:nvSpPr>
           <p:cNvPr id="100" name="Google Shape;100;p20"/>
-          <p:cNvSpPr txBox="1"/>
+          <p:cNvSpPr txBox="1">
+            <a:spLocks noGrp="1"/>
+          </p:cNvSpPr>
           <p:nvPr>
-            <p:ph idx="1" type="body"/>
+            <p:ph type="body" idx="1"/>
           </p:nvPr>
         </p:nvSpPr>
         <p:spPr>
@@ -10501,12 +10964,12 @@
           </a:prstGeom>
         </p:spPr>
         <p:txBody>
-          <a:bodyPr anchorCtr="0" anchor="t" bIns="91425" lIns="91425" spcFirstLastPara="1" rIns="91425" wrap="square" tIns="91425">
+          <a:bodyPr spcFirstLastPara="1" wrap="square" lIns="91425" tIns="91425" rIns="91425" bIns="91425" anchor="t" anchorCtr="0">
             <a:normAutofit/>
           </a:bodyPr>
           <a:lstStyle/>
           <a:p>
-            <a:pPr indent="0" lvl="0" marL="0" rtl="0" algn="l">
+            <a:pPr marL="0" lvl="0" indent="0" algn="l" rtl="0">
               <a:spcBef>
                 <a:spcPts val="0"/>
               </a:spcBef>
@@ -10535,7 +10998,7 @@
             </a:endParaRPr>
           </a:p>
           <a:p>
-            <a:pPr indent="0" lvl="0" marL="0" rtl="0" algn="l">
+            <a:pPr marL="0" lvl="0" indent="0" algn="l" rtl="0">
               <a:spcBef>
                 <a:spcPts val="0"/>
               </a:spcBef>
@@ -10549,9 +11012,6 @@
               <a:buFont typeface="Arial"/>
               <a:buNone/>
             </a:pPr>
-            <a:r>
-              <a:t/>
-            </a:r>
             <a:endParaRPr sz="1500">
               <a:solidFill>
                 <a:schemeClr val="dk1"/>
@@ -10559,7 +11019,7 @@
             </a:endParaRPr>
           </a:p>
           <a:p>
-            <a:pPr indent="0" lvl="0" marL="0" rtl="0" algn="l">
+            <a:pPr marL="0" lvl="0" indent="0" algn="l" rtl="0">
               <a:spcBef>
                 <a:spcPts val="0"/>
               </a:spcBef>
@@ -10622,11 +11082,11 @@
 </file>
 
 <file path=ppt/slides/slide9.xml><?xml version="1.0" encoding="utf-8"?>
-<p:sld xmlns:a="http://schemas.openxmlformats.org/drawingml/2006/main" xmlns:r="http://schemas.openxmlformats.org/officeDocument/2006/relationships" xmlns:mc="http://schemas.openxmlformats.org/markup-compatibility/2006" xmlns:mv="urn:schemas-microsoft-com:mac:vml" xmlns:p="http://schemas.openxmlformats.org/presentationml/2006/main" xmlns:c="http://schemas.openxmlformats.org/drawingml/2006/chart" xmlns:dgm="http://schemas.openxmlformats.org/drawingml/2006/diagram" xmlns:o="urn:schemas-microsoft-com:office:office" xmlns:v="urn:schemas-microsoft-com:vml" xmlns:pvml="urn:schemas-microsoft-com:office:powerpoint" xmlns:com="http://schemas.openxmlformats.org/drawingml/2006/compatibility" xmlns:p14="http://schemas.microsoft.com/office/powerpoint/2010/main" xmlns:p15="http://schemas.microsoft.com/office/powerpoint/2012/main" xmlns:ahyp="http://schemas.microsoft.com/office/drawing/2018/hyperlinkcolor">
+<p:sld xmlns:a="http://schemas.openxmlformats.org/drawingml/2006/main" xmlns:r="http://schemas.openxmlformats.org/officeDocument/2006/relationships" xmlns:p="http://schemas.openxmlformats.org/presentationml/2006/main">
   <p:cSld>
     <p:spTree>
       <p:nvGrpSpPr>
-        <p:cNvPr id="105" name="Shape 105"/>
+        <p:cNvPr id="1" name="Shape 105"/>
         <p:cNvGrpSpPr/>
         <p:nvPr/>
       </p:nvGrpSpPr>
@@ -10641,7 +11101,9 @@
       <p:sp>
         <p:nvSpPr>
           <p:cNvPr id="106" name="Google Shape;106;p21"/>
-          <p:cNvSpPr txBox="1"/>
+          <p:cNvSpPr txBox="1">
+            <a:spLocks noGrp="1"/>
+          </p:cNvSpPr>
           <p:nvPr>
             <p:ph type="title"/>
           </p:nvPr>
@@ -10656,12 +11118,12 @@
           </a:prstGeom>
         </p:spPr>
         <p:txBody>
-          <a:bodyPr anchorCtr="0" anchor="t" bIns="91425" lIns="91425" spcFirstLastPara="1" rIns="91425" wrap="square" tIns="91425">
+          <a:bodyPr spcFirstLastPara="1" wrap="square" lIns="91425" tIns="91425" rIns="91425" bIns="91425" anchor="t" anchorCtr="0">
             <a:normAutofit fontScale="90000"/>
           </a:bodyPr>
           <a:lstStyle/>
           <a:p>
-            <a:pPr indent="0" lvl="0" marL="0" rtl="0" algn="l">
+            <a:pPr marL="0" lvl="0" indent="0" algn="l" rtl="0">
               <a:spcBef>
                 <a:spcPts val="0"/>
               </a:spcBef>
@@ -10681,9 +11143,11 @@
       <p:sp>
         <p:nvSpPr>
           <p:cNvPr id="107" name="Google Shape;107;p21"/>
-          <p:cNvSpPr txBox="1"/>
+          <p:cNvSpPr txBox="1">
+            <a:spLocks noGrp="1"/>
+          </p:cNvSpPr>
           <p:nvPr>
-            <p:ph idx="1" type="body"/>
+            <p:ph type="body" idx="1"/>
           </p:nvPr>
         </p:nvSpPr>
         <p:spPr>
@@ -10696,12 +11160,12 @@
           </a:prstGeom>
         </p:spPr>
         <p:txBody>
-          <a:bodyPr anchorCtr="0" anchor="t" bIns="91425" lIns="91425" spcFirstLastPara="1" rIns="91425" wrap="square" tIns="91425">
+          <a:bodyPr spcFirstLastPara="1" wrap="square" lIns="91425" tIns="91425" rIns="91425" bIns="91425" anchor="t" anchorCtr="0">
             <a:normAutofit/>
           </a:bodyPr>
           <a:lstStyle/>
           <a:p>
-            <a:pPr indent="0" lvl="0" marL="0" rtl="0" algn="l">
+            <a:pPr marL="0" lvl="0" indent="0" algn="l" rtl="0">
               <a:spcBef>
                 <a:spcPts val="0"/>
               </a:spcBef>
@@ -10730,7 +11194,7 @@
             </a:endParaRPr>
           </a:p>
           <a:p>
-            <a:pPr indent="0" lvl="0" marL="0" rtl="0" algn="l">
+            <a:pPr marL="0" lvl="0" indent="0" algn="l" rtl="0">
               <a:spcBef>
                 <a:spcPts val="0"/>
               </a:spcBef>
@@ -10739,9 +11203,6 @@
               </a:spcAft>
               <a:buNone/>
             </a:pPr>
-            <a:r>
-              <a:t/>
-            </a:r>
             <a:endParaRPr sz="1500"/>
           </a:p>
         </p:txBody>
@@ -10783,7 +11244,7 @@
 </file>
 
 <file path=ppt/theme/theme1.xml><?xml version="1.0" encoding="utf-8"?>
-<a:theme xmlns:a="http://schemas.openxmlformats.org/drawingml/2006/main" xmlns:r="http://schemas.openxmlformats.org/officeDocument/2006/relationships" name="Simple Light">
+<a:theme xmlns:a="http://schemas.openxmlformats.org/drawingml/2006/main" name="Simple Light">
   <a:themeElements>
     <a:clrScheme name="Simple Light">
       <a:dk1>
@@ -11058,11 +11519,13 @@
       </a:bgFillStyleLst>
     </a:fmtScheme>
   </a:themeElements>
+  <a:objectDefaults/>
+  <a:extraClrSchemeLst/>
 </a:theme>
 </file>
 
 <file path=ppt/theme/theme2.xml><?xml version="1.0" encoding="utf-8"?>
-<a:theme xmlns:a="http://schemas.openxmlformats.org/drawingml/2006/main" xmlns:r="http://schemas.openxmlformats.org/officeDocument/2006/relationships">
+<a:theme xmlns:a="http://schemas.openxmlformats.org/drawingml/2006/main">
   <a:themeElements>
     <a:clrScheme name="Default">
       <a:dk1>
@@ -11337,5 +11800,7 @@
       </a:bgFillStyleLst>
     </a:fmtScheme>
   </a:themeElements>
+  <a:objectDefaults/>
+  <a:extraClrSchemeLst/>
 </a:theme>
 </file>